--- a/docs/Jockeying.pptx
+++ b/docs/Jockeying.pptx
@@ -5,7 +5,7 @@
     <p:sldMasterId id="2147483685" r:id="rId1"/>
   </p:sldMasterIdLst>
   <p:notesMasterIdLst>
-    <p:notesMasterId r:id="rId11"/>
+    <p:notesMasterId r:id="rId13"/>
   </p:notesMasterIdLst>
   <p:sldIdLst>
     <p:sldId id="256" r:id="rId2"/>
@@ -15,8 +15,10 @@
     <p:sldId id="264" r:id="rId6"/>
     <p:sldId id="258" r:id="rId7"/>
     <p:sldId id="259" r:id="rId8"/>
-    <p:sldId id="260" r:id="rId9"/>
-    <p:sldId id="261" r:id="rId10"/>
+    <p:sldId id="266" r:id="rId9"/>
+    <p:sldId id="260" r:id="rId10"/>
+    <p:sldId id="261" r:id="rId11"/>
+    <p:sldId id="265" r:id="rId12"/>
   </p:sldIdLst>
   <p:sldSz cx="9144000" cy="6858000" type="screen4x3"/>
   <p:notesSz cx="6858000" cy="9144000"/>
@@ -118,6 +120,2912 @@
 </p:presentation>
 </file>
 
+<file path=ppt/diagrams/colors1.xml><?xml version="1.0" encoding="utf-8"?>
+<dgm:colorsDef xmlns:dgm="http://schemas.openxmlformats.org/drawingml/2006/diagram" xmlns:a="http://schemas.openxmlformats.org/drawingml/2006/main" uniqueId="urn:microsoft.com/office/officeart/2005/8/colors/accent1_2">
+  <dgm:title val=""/>
+  <dgm:desc val=""/>
+  <dgm:catLst>
+    <dgm:cat type="accent1" pri="11200"/>
+  </dgm:catLst>
+  <dgm:styleLbl name="node0">
+    <dgm:fillClrLst meth="repeat">
+      <a:schemeClr val="accent1"/>
+    </dgm:fillClrLst>
+    <dgm:linClrLst meth="repeat">
+      <a:schemeClr val="lt1"/>
+    </dgm:linClrLst>
+    <dgm:effectClrLst/>
+    <dgm:txLinClrLst/>
+    <dgm:txFillClrLst/>
+    <dgm:txEffectClrLst/>
+  </dgm:styleLbl>
+  <dgm:styleLbl name="alignNode1">
+    <dgm:fillClrLst meth="repeat">
+      <a:schemeClr val="accent1"/>
+    </dgm:fillClrLst>
+    <dgm:linClrLst meth="repeat">
+      <a:schemeClr val="accent1"/>
+    </dgm:linClrLst>
+    <dgm:effectClrLst/>
+    <dgm:txLinClrLst/>
+    <dgm:txFillClrLst/>
+    <dgm:txEffectClrLst/>
+  </dgm:styleLbl>
+  <dgm:styleLbl name="node1">
+    <dgm:fillClrLst meth="repeat">
+      <a:schemeClr val="accent1"/>
+    </dgm:fillClrLst>
+    <dgm:linClrLst meth="repeat">
+      <a:schemeClr val="lt1"/>
+    </dgm:linClrLst>
+    <dgm:effectClrLst/>
+    <dgm:txLinClrLst/>
+    <dgm:txFillClrLst/>
+    <dgm:txEffectClrLst/>
+  </dgm:styleLbl>
+  <dgm:styleLbl name="lnNode1">
+    <dgm:fillClrLst meth="repeat">
+      <a:schemeClr val="accent1"/>
+    </dgm:fillClrLst>
+    <dgm:linClrLst meth="repeat">
+      <a:schemeClr val="lt1"/>
+    </dgm:linClrLst>
+    <dgm:effectClrLst/>
+    <dgm:txLinClrLst/>
+    <dgm:txFillClrLst/>
+    <dgm:txEffectClrLst/>
+  </dgm:styleLbl>
+  <dgm:styleLbl name="vennNode1">
+    <dgm:fillClrLst meth="repeat">
+      <a:schemeClr val="accent1">
+        <a:alpha val="50000"/>
+      </a:schemeClr>
+    </dgm:fillClrLst>
+    <dgm:linClrLst meth="repeat">
+      <a:schemeClr val="lt1"/>
+    </dgm:linClrLst>
+    <dgm:effectClrLst/>
+    <dgm:txLinClrLst/>
+    <dgm:txFillClrLst/>
+    <dgm:txEffectClrLst/>
+  </dgm:styleLbl>
+  <dgm:styleLbl name="node2">
+    <dgm:fillClrLst meth="repeat">
+      <a:schemeClr val="accent1"/>
+    </dgm:fillClrLst>
+    <dgm:linClrLst meth="repeat">
+      <a:schemeClr val="lt1"/>
+    </dgm:linClrLst>
+    <dgm:effectClrLst/>
+    <dgm:txLinClrLst/>
+    <dgm:txFillClrLst/>
+    <dgm:txEffectClrLst/>
+  </dgm:styleLbl>
+  <dgm:styleLbl name="node3">
+    <dgm:fillClrLst meth="repeat">
+      <a:schemeClr val="accent1"/>
+    </dgm:fillClrLst>
+    <dgm:linClrLst meth="repeat">
+      <a:schemeClr val="lt1"/>
+    </dgm:linClrLst>
+    <dgm:effectClrLst/>
+    <dgm:txLinClrLst/>
+    <dgm:txFillClrLst/>
+    <dgm:txEffectClrLst/>
+  </dgm:styleLbl>
+  <dgm:styleLbl name="node4">
+    <dgm:fillClrLst meth="repeat">
+      <a:schemeClr val="accent1"/>
+    </dgm:fillClrLst>
+    <dgm:linClrLst meth="repeat">
+      <a:schemeClr val="lt1"/>
+    </dgm:linClrLst>
+    <dgm:effectClrLst/>
+    <dgm:txLinClrLst/>
+    <dgm:txFillClrLst/>
+    <dgm:txEffectClrLst/>
+  </dgm:styleLbl>
+  <dgm:styleLbl name="fgImgPlace1">
+    <dgm:fillClrLst meth="repeat">
+      <a:schemeClr val="accent1">
+        <a:tint val="50000"/>
+      </a:schemeClr>
+    </dgm:fillClrLst>
+    <dgm:linClrLst meth="repeat">
+      <a:schemeClr val="lt1"/>
+    </dgm:linClrLst>
+    <dgm:effectClrLst/>
+    <dgm:txLinClrLst/>
+    <dgm:txFillClrLst meth="repeat">
+      <a:schemeClr val="lt1"/>
+    </dgm:txFillClrLst>
+    <dgm:txEffectClrLst/>
+  </dgm:styleLbl>
+  <dgm:styleLbl name="alignImgPlace1">
+    <dgm:fillClrLst meth="repeat">
+      <a:schemeClr val="accent1">
+        <a:tint val="50000"/>
+      </a:schemeClr>
+    </dgm:fillClrLst>
+    <dgm:linClrLst meth="repeat">
+      <a:schemeClr val="lt1"/>
+    </dgm:linClrLst>
+    <dgm:effectClrLst/>
+    <dgm:txLinClrLst/>
+    <dgm:txFillClrLst meth="repeat">
+      <a:schemeClr val="lt1"/>
+    </dgm:txFillClrLst>
+    <dgm:txEffectClrLst/>
+  </dgm:styleLbl>
+  <dgm:styleLbl name="bgImgPlace1">
+    <dgm:fillClrLst meth="repeat">
+      <a:schemeClr val="accent1">
+        <a:tint val="50000"/>
+      </a:schemeClr>
+    </dgm:fillClrLst>
+    <dgm:linClrLst meth="repeat">
+      <a:schemeClr val="lt1"/>
+    </dgm:linClrLst>
+    <dgm:effectClrLst/>
+    <dgm:txLinClrLst/>
+    <dgm:txFillClrLst meth="repeat">
+      <a:schemeClr val="lt1"/>
+    </dgm:txFillClrLst>
+    <dgm:txEffectClrLst/>
+  </dgm:styleLbl>
+  <dgm:styleLbl name="sibTrans2D1">
+    <dgm:fillClrLst meth="repeat">
+      <a:schemeClr val="accent1">
+        <a:tint val="60000"/>
+      </a:schemeClr>
+    </dgm:fillClrLst>
+    <dgm:linClrLst meth="repeat">
+      <a:schemeClr val="accent1">
+        <a:tint val="60000"/>
+      </a:schemeClr>
+    </dgm:linClrLst>
+    <dgm:effectClrLst/>
+    <dgm:txLinClrLst/>
+    <dgm:txFillClrLst/>
+    <dgm:txEffectClrLst/>
+  </dgm:styleLbl>
+  <dgm:styleLbl name="fgSibTrans2D1">
+    <dgm:fillClrLst meth="repeat">
+      <a:schemeClr val="accent1">
+        <a:tint val="60000"/>
+      </a:schemeClr>
+    </dgm:fillClrLst>
+    <dgm:linClrLst meth="repeat">
+      <a:schemeClr val="accent1">
+        <a:tint val="60000"/>
+      </a:schemeClr>
+    </dgm:linClrLst>
+    <dgm:effectClrLst/>
+    <dgm:txLinClrLst/>
+    <dgm:txFillClrLst/>
+    <dgm:txEffectClrLst/>
+  </dgm:styleLbl>
+  <dgm:styleLbl name="bgSibTrans2D1">
+    <dgm:fillClrLst meth="repeat">
+      <a:schemeClr val="accent1">
+        <a:tint val="60000"/>
+      </a:schemeClr>
+    </dgm:fillClrLst>
+    <dgm:linClrLst meth="repeat">
+      <a:schemeClr val="accent1">
+        <a:tint val="60000"/>
+      </a:schemeClr>
+    </dgm:linClrLst>
+    <dgm:effectClrLst/>
+    <dgm:txLinClrLst/>
+    <dgm:txFillClrLst/>
+    <dgm:txEffectClrLst/>
+  </dgm:styleLbl>
+  <dgm:styleLbl name="sibTrans1D1">
+    <dgm:fillClrLst meth="repeat">
+      <a:schemeClr val="accent1"/>
+    </dgm:fillClrLst>
+    <dgm:linClrLst meth="repeat">
+      <a:schemeClr val="accent1"/>
+    </dgm:linClrLst>
+    <dgm:effectClrLst/>
+    <dgm:txLinClrLst/>
+    <dgm:txFillClrLst meth="repeat">
+      <a:schemeClr val="tx1"/>
+    </dgm:txFillClrLst>
+    <dgm:txEffectClrLst/>
+  </dgm:styleLbl>
+  <dgm:styleLbl name="callout">
+    <dgm:fillClrLst meth="repeat">
+      <a:schemeClr val="accent1"/>
+    </dgm:fillClrLst>
+    <dgm:linClrLst meth="repeat">
+      <a:schemeClr val="accent1">
+        <a:tint val="50000"/>
+      </a:schemeClr>
+    </dgm:linClrLst>
+    <dgm:effectClrLst/>
+    <dgm:txLinClrLst/>
+    <dgm:txFillClrLst meth="repeat">
+      <a:schemeClr val="tx1"/>
+    </dgm:txFillClrLst>
+    <dgm:txEffectClrLst/>
+  </dgm:styleLbl>
+  <dgm:styleLbl name="asst0">
+    <dgm:fillClrLst meth="repeat">
+      <a:schemeClr val="accent1"/>
+    </dgm:fillClrLst>
+    <dgm:linClrLst meth="repeat">
+      <a:schemeClr val="lt1"/>
+    </dgm:linClrLst>
+    <dgm:effectClrLst/>
+    <dgm:txLinClrLst/>
+    <dgm:txFillClrLst/>
+    <dgm:txEffectClrLst/>
+  </dgm:styleLbl>
+  <dgm:styleLbl name="asst1">
+    <dgm:fillClrLst meth="repeat">
+      <a:schemeClr val="accent1"/>
+    </dgm:fillClrLst>
+    <dgm:linClrLst meth="repeat">
+      <a:schemeClr val="lt1"/>
+    </dgm:linClrLst>
+    <dgm:effectClrLst/>
+    <dgm:txLinClrLst/>
+    <dgm:txFillClrLst/>
+    <dgm:txEffectClrLst/>
+  </dgm:styleLbl>
+  <dgm:styleLbl name="asst2">
+    <dgm:fillClrLst meth="repeat">
+      <a:schemeClr val="accent1"/>
+    </dgm:fillClrLst>
+    <dgm:linClrLst meth="repeat">
+      <a:schemeClr val="lt1"/>
+    </dgm:linClrLst>
+    <dgm:effectClrLst/>
+    <dgm:txLinClrLst/>
+    <dgm:txFillClrLst/>
+    <dgm:txEffectClrLst/>
+  </dgm:styleLbl>
+  <dgm:styleLbl name="asst3">
+    <dgm:fillClrLst meth="repeat">
+      <a:schemeClr val="accent1"/>
+    </dgm:fillClrLst>
+    <dgm:linClrLst meth="repeat">
+      <a:schemeClr val="lt1"/>
+    </dgm:linClrLst>
+    <dgm:effectClrLst/>
+    <dgm:txLinClrLst/>
+    <dgm:txFillClrLst/>
+    <dgm:txEffectClrLst/>
+  </dgm:styleLbl>
+  <dgm:styleLbl name="asst4">
+    <dgm:fillClrLst meth="repeat">
+      <a:schemeClr val="accent1"/>
+    </dgm:fillClrLst>
+    <dgm:linClrLst meth="repeat">
+      <a:schemeClr val="lt1"/>
+    </dgm:linClrLst>
+    <dgm:effectClrLst/>
+    <dgm:txLinClrLst/>
+    <dgm:txFillClrLst/>
+    <dgm:txEffectClrLst/>
+  </dgm:styleLbl>
+  <dgm:styleLbl name="parChTrans2D1">
+    <dgm:fillClrLst meth="repeat">
+      <a:schemeClr val="accent1">
+        <a:tint val="60000"/>
+      </a:schemeClr>
+    </dgm:fillClrLst>
+    <dgm:linClrLst meth="repeat">
+      <a:schemeClr val="accent1">
+        <a:tint val="60000"/>
+      </a:schemeClr>
+    </dgm:linClrLst>
+    <dgm:effectClrLst/>
+    <dgm:txLinClrLst/>
+    <dgm:txFillClrLst meth="repeat">
+      <a:schemeClr val="lt1"/>
+    </dgm:txFillClrLst>
+    <dgm:txEffectClrLst/>
+  </dgm:styleLbl>
+  <dgm:styleLbl name="parChTrans2D2">
+    <dgm:fillClrLst meth="repeat">
+      <a:schemeClr val="accent1"/>
+    </dgm:fillClrLst>
+    <dgm:linClrLst meth="repeat">
+      <a:schemeClr val="accent1"/>
+    </dgm:linClrLst>
+    <dgm:effectClrLst/>
+    <dgm:txLinClrLst/>
+    <dgm:txFillClrLst meth="repeat">
+      <a:schemeClr val="lt1"/>
+    </dgm:txFillClrLst>
+    <dgm:txEffectClrLst/>
+  </dgm:styleLbl>
+  <dgm:styleLbl name="parChTrans2D3">
+    <dgm:fillClrLst meth="repeat">
+      <a:schemeClr val="accent1"/>
+    </dgm:fillClrLst>
+    <dgm:linClrLst meth="repeat">
+      <a:schemeClr val="accent1"/>
+    </dgm:linClrLst>
+    <dgm:effectClrLst/>
+    <dgm:txLinClrLst/>
+    <dgm:txFillClrLst meth="repeat">
+      <a:schemeClr val="lt1"/>
+    </dgm:txFillClrLst>
+    <dgm:txEffectClrLst/>
+  </dgm:styleLbl>
+  <dgm:styleLbl name="parChTrans2D4">
+    <dgm:fillClrLst meth="repeat">
+      <a:schemeClr val="accent1"/>
+    </dgm:fillClrLst>
+    <dgm:linClrLst meth="repeat">
+      <a:schemeClr val="accent1"/>
+    </dgm:linClrLst>
+    <dgm:effectClrLst/>
+    <dgm:txLinClrLst/>
+    <dgm:txFillClrLst meth="repeat">
+      <a:schemeClr val="lt1"/>
+    </dgm:txFillClrLst>
+    <dgm:txEffectClrLst/>
+  </dgm:styleLbl>
+  <dgm:styleLbl name="parChTrans1D1">
+    <dgm:fillClrLst meth="repeat">
+      <a:schemeClr val="accent1"/>
+    </dgm:fillClrLst>
+    <dgm:linClrLst meth="repeat">
+      <a:schemeClr val="accent1">
+        <a:shade val="60000"/>
+      </a:schemeClr>
+    </dgm:linClrLst>
+    <dgm:effectClrLst/>
+    <dgm:txLinClrLst/>
+    <dgm:txFillClrLst meth="repeat">
+      <a:schemeClr val="tx1"/>
+    </dgm:txFillClrLst>
+    <dgm:txEffectClrLst/>
+  </dgm:styleLbl>
+  <dgm:styleLbl name="parChTrans1D2">
+    <dgm:fillClrLst meth="repeat">
+      <a:schemeClr val="accent1"/>
+    </dgm:fillClrLst>
+    <dgm:linClrLst meth="repeat">
+      <a:schemeClr val="accent1">
+        <a:shade val="60000"/>
+      </a:schemeClr>
+    </dgm:linClrLst>
+    <dgm:effectClrLst/>
+    <dgm:txLinClrLst/>
+    <dgm:txFillClrLst meth="repeat">
+      <a:schemeClr val="tx1"/>
+    </dgm:txFillClrLst>
+    <dgm:txEffectClrLst/>
+  </dgm:styleLbl>
+  <dgm:styleLbl name="parChTrans1D3">
+    <dgm:fillClrLst meth="repeat">
+      <a:schemeClr val="accent1"/>
+    </dgm:fillClrLst>
+    <dgm:linClrLst meth="repeat">
+      <a:schemeClr val="accent1">
+        <a:shade val="80000"/>
+      </a:schemeClr>
+    </dgm:linClrLst>
+    <dgm:effectClrLst/>
+    <dgm:txLinClrLst/>
+    <dgm:txFillClrLst meth="repeat">
+      <a:schemeClr val="tx1"/>
+    </dgm:txFillClrLst>
+    <dgm:txEffectClrLst/>
+  </dgm:styleLbl>
+  <dgm:styleLbl name="parChTrans1D4">
+    <dgm:fillClrLst meth="repeat">
+      <a:schemeClr val="accent1"/>
+    </dgm:fillClrLst>
+    <dgm:linClrLst meth="repeat">
+      <a:schemeClr val="accent1">
+        <a:shade val="80000"/>
+      </a:schemeClr>
+    </dgm:linClrLst>
+    <dgm:effectClrLst/>
+    <dgm:txLinClrLst/>
+    <dgm:txFillClrLst meth="repeat">
+      <a:schemeClr val="tx1"/>
+    </dgm:txFillClrLst>
+    <dgm:txEffectClrLst/>
+  </dgm:styleLbl>
+  <dgm:styleLbl name="fgAcc1">
+    <dgm:fillClrLst meth="repeat">
+      <a:schemeClr val="lt1">
+        <a:alpha val="90000"/>
+      </a:schemeClr>
+    </dgm:fillClrLst>
+    <dgm:linClrLst meth="repeat">
+      <a:schemeClr val="accent1"/>
+    </dgm:linClrLst>
+    <dgm:effectClrLst/>
+    <dgm:txLinClrLst/>
+    <dgm:txFillClrLst meth="repeat">
+      <a:schemeClr val="dk1"/>
+    </dgm:txFillClrLst>
+    <dgm:txEffectClrLst/>
+  </dgm:styleLbl>
+  <dgm:styleLbl name="conFgAcc1">
+    <dgm:fillClrLst meth="repeat">
+      <a:schemeClr val="lt1">
+        <a:alpha val="90000"/>
+      </a:schemeClr>
+    </dgm:fillClrLst>
+    <dgm:linClrLst meth="repeat">
+      <a:schemeClr val="accent1"/>
+    </dgm:linClrLst>
+    <dgm:effectClrLst/>
+    <dgm:txLinClrLst/>
+    <dgm:txFillClrLst meth="repeat">
+      <a:schemeClr val="dk1"/>
+    </dgm:txFillClrLst>
+    <dgm:txEffectClrLst/>
+  </dgm:styleLbl>
+  <dgm:styleLbl name="alignAcc1">
+    <dgm:fillClrLst meth="repeat">
+      <a:schemeClr val="lt1">
+        <a:alpha val="90000"/>
+      </a:schemeClr>
+    </dgm:fillClrLst>
+    <dgm:linClrLst meth="repeat">
+      <a:schemeClr val="accent1"/>
+    </dgm:linClrLst>
+    <dgm:effectClrLst/>
+    <dgm:txLinClrLst/>
+    <dgm:txFillClrLst meth="repeat">
+      <a:schemeClr val="dk1"/>
+    </dgm:txFillClrLst>
+    <dgm:txEffectClrLst/>
+  </dgm:styleLbl>
+  <dgm:styleLbl name="trAlignAcc1">
+    <dgm:fillClrLst meth="repeat">
+      <a:schemeClr val="lt1">
+        <a:alpha val="40000"/>
+      </a:schemeClr>
+    </dgm:fillClrLst>
+    <dgm:linClrLst meth="repeat">
+      <a:schemeClr val="accent1"/>
+    </dgm:linClrLst>
+    <dgm:effectClrLst/>
+    <dgm:txLinClrLst/>
+    <dgm:txFillClrLst meth="repeat">
+      <a:schemeClr val="dk1"/>
+    </dgm:txFillClrLst>
+    <dgm:txEffectClrLst/>
+  </dgm:styleLbl>
+  <dgm:styleLbl name="bgAcc1">
+    <dgm:fillClrLst meth="repeat">
+      <a:schemeClr val="lt1">
+        <a:alpha val="90000"/>
+      </a:schemeClr>
+    </dgm:fillClrLst>
+    <dgm:linClrLst meth="repeat">
+      <a:schemeClr val="accent1"/>
+    </dgm:linClrLst>
+    <dgm:effectClrLst/>
+    <dgm:txLinClrLst/>
+    <dgm:txFillClrLst meth="repeat">
+      <a:schemeClr val="dk1"/>
+    </dgm:txFillClrLst>
+    <dgm:txEffectClrLst/>
+  </dgm:styleLbl>
+  <dgm:styleLbl name="solidFgAcc1">
+    <dgm:fillClrLst meth="repeat">
+      <a:schemeClr val="lt1"/>
+    </dgm:fillClrLst>
+    <dgm:linClrLst meth="repeat">
+      <a:schemeClr val="accent1"/>
+    </dgm:linClrLst>
+    <dgm:effectClrLst/>
+    <dgm:txLinClrLst/>
+    <dgm:txFillClrLst meth="repeat">
+      <a:schemeClr val="dk1"/>
+    </dgm:txFillClrLst>
+    <dgm:txEffectClrLst/>
+  </dgm:styleLbl>
+  <dgm:styleLbl name="solidAlignAcc1">
+    <dgm:fillClrLst meth="repeat">
+      <a:schemeClr val="lt1"/>
+    </dgm:fillClrLst>
+    <dgm:linClrLst meth="repeat">
+      <a:schemeClr val="accent1"/>
+    </dgm:linClrLst>
+    <dgm:effectClrLst/>
+    <dgm:txLinClrLst/>
+    <dgm:txFillClrLst meth="repeat">
+      <a:schemeClr val="dk1"/>
+    </dgm:txFillClrLst>
+    <dgm:txEffectClrLst/>
+  </dgm:styleLbl>
+  <dgm:styleLbl name="solidBgAcc1">
+    <dgm:fillClrLst meth="repeat">
+      <a:schemeClr val="lt1"/>
+    </dgm:fillClrLst>
+    <dgm:linClrLst meth="repeat">
+      <a:schemeClr val="accent1"/>
+    </dgm:linClrLst>
+    <dgm:effectClrLst/>
+    <dgm:txLinClrLst/>
+    <dgm:txFillClrLst meth="repeat">
+      <a:schemeClr val="dk1"/>
+    </dgm:txFillClrLst>
+    <dgm:txEffectClrLst/>
+  </dgm:styleLbl>
+  <dgm:styleLbl name="fgAccFollowNode1">
+    <dgm:fillClrLst meth="repeat">
+      <a:schemeClr val="accent1">
+        <a:alpha val="90000"/>
+        <a:tint val="40000"/>
+      </a:schemeClr>
+    </dgm:fillClrLst>
+    <dgm:linClrLst meth="repeat">
+      <a:schemeClr val="accent1">
+        <a:alpha val="90000"/>
+        <a:tint val="40000"/>
+      </a:schemeClr>
+    </dgm:linClrLst>
+    <dgm:effectClrLst/>
+    <dgm:txLinClrLst/>
+    <dgm:txFillClrLst meth="repeat">
+      <a:schemeClr val="dk1"/>
+    </dgm:txFillClrLst>
+    <dgm:txEffectClrLst/>
+  </dgm:styleLbl>
+  <dgm:styleLbl name="alignAccFollowNode1">
+    <dgm:fillClrLst meth="repeat">
+      <a:schemeClr val="accent1">
+        <a:alpha val="90000"/>
+        <a:tint val="40000"/>
+      </a:schemeClr>
+    </dgm:fillClrLst>
+    <dgm:linClrLst meth="repeat">
+      <a:schemeClr val="accent1">
+        <a:alpha val="90000"/>
+        <a:tint val="40000"/>
+      </a:schemeClr>
+    </dgm:linClrLst>
+    <dgm:effectClrLst/>
+    <dgm:txLinClrLst/>
+    <dgm:txFillClrLst meth="repeat">
+      <a:schemeClr val="dk1"/>
+    </dgm:txFillClrLst>
+    <dgm:txEffectClrLst/>
+  </dgm:styleLbl>
+  <dgm:styleLbl name="bgAccFollowNode1">
+    <dgm:fillClrLst meth="repeat">
+      <a:schemeClr val="accent1">
+        <a:alpha val="90000"/>
+        <a:tint val="40000"/>
+      </a:schemeClr>
+    </dgm:fillClrLst>
+    <dgm:linClrLst meth="repeat">
+      <a:schemeClr val="accent1">
+        <a:alpha val="90000"/>
+        <a:tint val="40000"/>
+      </a:schemeClr>
+    </dgm:linClrLst>
+    <dgm:effectClrLst/>
+    <dgm:txLinClrLst/>
+    <dgm:txFillClrLst meth="repeat">
+      <a:schemeClr val="dk1"/>
+    </dgm:txFillClrLst>
+    <dgm:txEffectClrLst/>
+  </dgm:styleLbl>
+  <dgm:styleLbl name="fgAcc0">
+    <dgm:fillClrLst meth="repeat">
+      <a:schemeClr val="lt1">
+        <a:alpha val="90000"/>
+      </a:schemeClr>
+    </dgm:fillClrLst>
+    <dgm:linClrLst meth="repeat">
+      <a:schemeClr val="accent1"/>
+    </dgm:linClrLst>
+    <dgm:effectClrLst/>
+    <dgm:txLinClrLst/>
+    <dgm:txFillClrLst meth="repeat">
+      <a:schemeClr val="dk1"/>
+    </dgm:txFillClrLst>
+    <dgm:txEffectClrLst/>
+  </dgm:styleLbl>
+  <dgm:styleLbl name="fgAcc2">
+    <dgm:fillClrLst meth="repeat">
+      <a:schemeClr val="lt1">
+        <a:alpha val="90000"/>
+      </a:schemeClr>
+    </dgm:fillClrLst>
+    <dgm:linClrLst meth="repeat">
+      <a:schemeClr val="accent1"/>
+    </dgm:linClrLst>
+    <dgm:effectClrLst/>
+    <dgm:txLinClrLst/>
+    <dgm:txFillClrLst meth="repeat">
+      <a:schemeClr val="dk1"/>
+    </dgm:txFillClrLst>
+    <dgm:txEffectClrLst/>
+  </dgm:styleLbl>
+  <dgm:styleLbl name="fgAcc3">
+    <dgm:fillClrLst meth="repeat">
+      <a:schemeClr val="lt1">
+        <a:alpha val="90000"/>
+      </a:schemeClr>
+    </dgm:fillClrLst>
+    <dgm:linClrLst meth="repeat">
+      <a:schemeClr val="accent1"/>
+    </dgm:linClrLst>
+    <dgm:effectClrLst/>
+    <dgm:txLinClrLst/>
+    <dgm:txFillClrLst meth="repeat">
+      <a:schemeClr val="dk1"/>
+    </dgm:txFillClrLst>
+    <dgm:txEffectClrLst/>
+  </dgm:styleLbl>
+  <dgm:styleLbl name="fgAcc4">
+    <dgm:fillClrLst meth="repeat">
+      <a:schemeClr val="lt1">
+        <a:alpha val="90000"/>
+      </a:schemeClr>
+    </dgm:fillClrLst>
+    <dgm:linClrLst meth="repeat">
+      <a:schemeClr val="accent1"/>
+    </dgm:linClrLst>
+    <dgm:effectClrLst/>
+    <dgm:txLinClrLst/>
+    <dgm:txFillClrLst meth="repeat">
+      <a:schemeClr val="dk1"/>
+    </dgm:txFillClrLst>
+    <dgm:txEffectClrLst/>
+  </dgm:styleLbl>
+  <dgm:styleLbl name="bgShp">
+    <dgm:fillClrLst meth="repeat">
+      <a:schemeClr val="accent1">
+        <a:tint val="40000"/>
+      </a:schemeClr>
+    </dgm:fillClrLst>
+    <dgm:linClrLst meth="repeat">
+      <a:schemeClr val="accent1"/>
+    </dgm:linClrLst>
+    <dgm:effectClrLst/>
+    <dgm:txLinClrLst/>
+    <dgm:txFillClrLst meth="repeat">
+      <a:schemeClr val="dk1"/>
+    </dgm:txFillClrLst>
+    <dgm:txEffectClrLst/>
+  </dgm:styleLbl>
+  <dgm:styleLbl name="dkBgShp">
+    <dgm:fillClrLst meth="repeat">
+      <a:schemeClr val="accent1">
+        <a:shade val="80000"/>
+      </a:schemeClr>
+    </dgm:fillClrLst>
+    <dgm:linClrLst meth="repeat">
+      <a:schemeClr val="accent1"/>
+    </dgm:linClrLst>
+    <dgm:effectClrLst/>
+    <dgm:txLinClrLst/>
+    <dgm:txFillClrLst meth="repeat">
+      <a:schemeClr val="lt1"/>
+    </dgm:txFillClrLst>
+    <dgm:txEffectClrLst/>
+  </dgm:styleLbl>
+  <dgm:styleLbl name="trBgShp">
+    <dgm:fillClrLst meth="repeat">
+      <a:schemeClr val="accent1">
+        <a:tint val="50000"/>
+        <a:alpha val="40000"/>
+      </a:schemeClr>
+    </dgm:fillClrLst>
+    <dgm:linClrLst meth="repeat">
+      <a:schemeClr val="accent1"/>
+    </dgm:linClrLst>
+    <dgm:effectClrLst/>
+    <dgm:txLinClrLst/>
+    <dgm:txFillClrLst meth="repeat">
+      <a:schemeClr val="lt1"/>
+    </dgm:txFillClrLst>
+    <dgm:txEffectClrLst/>
+  </dgm:styleLbl>
+  <dgm:styleLbl name="fgShp">
+    <dgm:fillClrLst meth="repeat">
+      <a:schemeClr val="accent1">
+        <a:tint val="60000"/>
+      </a:schemeClr>
+    </dgm:fillClrLst>
+    <dgm:linClrLst meth="repeat">
+      <a:schemeClr val="lt1"/>
+    </dgm:linClrLst>
+    <dgm:effectClrLst/>
+    <dgm:txLinClrLst/>
+    <dgm:txFillClrLst meth="repeat">
+      <a:schemeClr val="dk1"/>
+    </dgm:txFillClrLst>
+    <dgm:txEffectClrLst/>
+  </dgm:styleLbl>
+  <dgm:styleLbl name="revTx">
+    <dgm:fillClrLst meth="repeat">
+      <a:schemeClr val="lt1">
+        <a:alpha val="0"/>
+      </a:schemeClr>
+    </dgm:fillClrLst>
+    <dgm:linClrLst meth="repeat">
+      <a:schemeClr val="dk1">
+        <a:alpha val="0"/>
+      </a:schemeClr>
+    </dgm:linClrLst>
+    <dgm:effectClrLst/>
+    <dgm:txLinClrLst/>
+    <dgm:txFillClrLst meth="repeat">
+      <a:schemeClr val="tx1"/>
+    </dgm:txFillClrLst>
+    <dgm:txEffectClrLst/>
+  </dgm:styleLbl>
+</dgm:colorsDef>
+</file>
+
+<file path=ppt/diagrams/data1.xml><?xml version="1.0" encoding="utf-8"?>
+<dgm:dataModel xmlns:dgm="http://schemas.openxmlformats.org/drawingml/2006/diagram" xmlns:a="http://schemas.openxmlformats.org/drawingml/2006/main">
+  <dgm:ptLst>
+    <dgm:pt modelId="{384C4203-F0F1-844A-8AFC-54FD5935AD78}" type="doc">
+      <dgm:prSet loTypeId="urn:microsoft.com/office/officeart/2005/8/layout/hProcess4" loCatId="process" qsTypeId="urn:microsoft.com/office/officeart/2005/8/quickstyle/simple4" qsCatId="simple" csTypeId="urn:microsoft.com/office/officeart/2005/8/colors/accent1_2" csCatId="accent1" phldr="1"/>
+      <dgm:spPr/>
+      <dgm:t>
+        <a:bodyPr/>
+        <a:lstStyle/>
+        <a:p>
+          <a:endParaRPr lang="en-US"/>
+        </a:p>
+      </dgm:t>
+    </dgm:pt>
+    <dgm:pt modelId="{0962A4BE-1540-D245-84AC-011584A65C5D}">
+      <dgm:prSet phldrT="[Text]"/>
+      <dgm:spPr/>
+      <dgm:t>
+        <a:bodyPr/>
+        <a:lstStyle/>
+        <a:p>
+          <a:r>
+            <a:rPr lang="en-US" dirty="0" smtClean="0"/>
+            <a:t>Step 1</a:t>
+          </a:r>
+          <a:endParaRPr lang="en-US" dirty="0"/>
+        </a:p>
+      </dgm:t>
+    </dgm:pt>
+    <dgm:pt modelId="{D908DD14-3ADD-0048-9DC0-EBEE54F71023}" type="parTrans" cxnId="{16077947-9115-8149-9DD1-90C7B5DA447E}">
+      <dgm:prSet/>
+      <dgm:spPr/>
+      <dgm:t>
+        <a:bodyPr/>
+        <a:lstStyle/>
+        <a:p>
+          <a:endParaRPr lang="en-US"/>
+        </a:p>
+      </dgm:t>
+    </dgm:pt>
+    <dgm:pt modelId="{5D49D23A-CAA4-5047-9367-9ABE10B2E839}" type="sibTrans" cxnId="{16077947-9115-8149-9DD1-90C7B5DA447E}">
+      <dgm:prSet/>
+      <dgm:spPr/>
+      <dgm:t>
+        <a:bodyPr/>
+        <a:lstStyle/>
+        <a:p>
+          <a:endParaRPr lang="en-US"/>
+        </a:p>
+      </dgm:t>
+    </dgm:pt>
+    <dgm:pt modelId="{9C994B46-728B-8F43-98D7-4B6F56FDDA43}">
+      <dgm:prSet phldrT="[Text]"/>
+      <dgm:spPr/>
+      <dgm:t>
+        <a:bodyPr/>
+        <a:lstStyle/>
+        <a:p>
+          <a:r>
+            <a:rPr lang="en-US" dirty="0" smtClean="0"/>
+            <a:t>manage.py</a:t>
+          </a:r>
+          <a:endParaRPr lang="en-US" dirty="0"/>
+        </a:p>
+      </dgm:t>
+    </dgm:pt>
+    <dgm:pt modelId="{E878633D-5F16-5C41-A3C8-B6A8CB977539}" type="parTrans" cxnId="{11FAFF82-71BB-1245-8DBE-8123E6091E9A}">
+      <dgm:prSet/>
+      <dgm:spPr/>
+      <dgm:t>
+        <a:bodyPr/>
+        <a:lstStyle/>
+        <a:p>
+          <a:endParaRPr lang="en-US"/>
+        </a:p>
+      </dgm:t>
+    </dgm:pt>
+    <dgm:pt modelId="{20E168CC-C5BA-B241-83C8-48478D3821F3}" type="sibTrans" cxnId="{11FAFF82-71BB-1245-8DBE-8123E6091E9A}">
+      <dgm:prSet/>
+      <dgm:spPr/>
+      <dgm:t>
+        <a:bodyPr/>
+        <a:lstStyle/>
+        <a:p>
+          <a:endParaRPr lang="en-US"/>
+        </a:p>
+      </dgm:t>
+    </dgm:pt>
+    <dgm:pt modelId="{84EE4D0A-110A-9D42-9741-4B6A70B0CF26}">
+      <dgm:prSet phldrT="[Text]"/>
+      <dgm:spPr/>
+      <dgm:t>
+        <a:bodyPr/>
+        <a:lstStyle/>
+        <a:p>
+          <a:r>
+            <a:rPr lang="en-US" dirty="0" smtClean="0"/>
+            <a:t>Invoke deployment script</a:t>
+          </a:r>
+          <a:endParaRPr lang="en-US" dirty="0"/>
+        </a:p>
+      </dgm:t>
+    </dgm:pt>
+    <dgm:pt modelId="{D198FA24-B01C-CE4B-B689-FCBE6A308049}" type="parTrans" cxnId="{81193390-1F35-6448-A0B3-85D4C68E25C5}">
+      <dgm:prSet/>
+      <dgm:spPr/>
+      <dgm:t>
+        <a:bodyPr/>
+        <a:lstStyle/>
+        <a:p>
+          <a:endParaRPr lang="en-US"/>
+        </a:p>
+      </dgm:t>
+    </dgm:pt>
+    <dgm:pt modelId="{383CCDD3-5920-724F-9EB7-E0531A810C6C}" type="sibTrans" cxnId="{81193390-1F35-6448-A0B3-85D4C68E25C5}">
+      <dgm:prSet/>
+      <dgm:spPr/>
+      <dgm:t>
+        <a:bodyPr/>
+        <a:lstStyle/>
+        <a:p>
+          <a:endParaRPr lang="en-US"/>
+        </a:p>
+      </dgm:t>
+    </dgm:pt>
+    <dgm:pt modelId="{3452527D-033F-0B43-AC67-F17801485B08}">
+      <dgm:prSet phldrT="[Text]"/>
+      <dgm:spPr/>
+      <dgm:t>
+        <a:bodyPr/>
+        <a:lstStyle/>
+        <a:p>
+          <a:r>
+            <a:rPr lang="en-US" dirty="0" smtClean="0"/>
+            <a:t>Step 2</a:t>
+          </a:r>
+          <a:endParaRPr lang="en-US" dirty="0"/>
+        </a:p>
+      </dgm:t>
+    </dgm:pt>
+    <dgm:pt modelId="{5C0DE0A4-EB59-4340-938C-822AA8BFE955}" type="parTrans" cxnId="{D7495DD9-F84A-F648-B692-4C03E2C73E82}">
+      <dgm:prSet/>
+      <dgm:spPr/>
+      <dgm:t>
+        <a:bodyPr/>
+        <a:lstStyle/>
+        <a:p>
+          <a:endParaRPr lang="en-US"/>
+        </a:p>
+      </dgm:t>
+    </dgm:pt>
+    <dgm:pt modelId="{B5EC9FB6-97E6-2D41-B9F0-031F62E40982}" type="sibTrans" cxnId="{D7495DD9-F84A-F648-B692-4C03E2C73E82}">
+      <dgm:prSet/>
+      <dgm:spPr/>
+      <dgm:t>
+        <a:bodyPr/>
+        <a:lstStyle/>
+        <a:p>
+          <a:endParaRPr lang="en-US"/>
+        </a:p>
+      </dgm:t>
+    </dgm:pt>
+    <dgm:pt modelId="{85F41260-BEC8-7F4C-B439-6F9C9C582DA5}">
+      <dgm:prSet phldrT="[Text]"/>
+      <dgm:spPr/>
+      <dgm:t>
+        <a:bodyPr/>
+        <a:lstStyle/>
+        <a:p>
+          <a:r>
+            <a:rPr lang="en-US" dirty="0" smtClean="0"/>
+            <a:t>base.py</a:t>
+          </a:r>
+          <a:endParaRPr lang="en-US" dirty="0"/>
+        </a:p>
+      </dgm:t>
+    </dgm:pt>
+    <dgm:pt modelId="{AB0BDB64-F4C8-9648-8881-95BF5346257C}" type="parTrans" cxnId="{24F2EFCA-3D45-3245-91AE-1F7516EE747C}">
+      <dgm:prSet/>
+      <dgm:spPr/>
+      <dgm:t>
+        <a:bodyPr/>
+        <a:lstStyle/>
+        <a:p>
+          <a:endParaRPr lang="en-US"/>
+        </a:p>
+      </dgm:t>
+    </dgm:pt>
+    <dgm:pt modelId="{B30F3288-3355-B949-88A7-8A0210583629}" type="sibTrans" cxnId="{24F2EFCA-3D45-3245-91AE-1F7516EE747C}">
+      <dgm:prSet/>
+      <dgm:spPr/>
+      <dgm:t>
+        <a:bodyPr/>
+        <a:lstStyle/>
+        <a:p>
+          <a:endParaRPr lang="en-US"/>
+        </a:p>
+      </dgm:t>
+    </dgm:pt>
+    <dgm:pt modelId="{A5DB53BF-FE87-1D45-AEA3-29CB4B19DBE8}">
+      <dgm:prSet phldrT="[Text]"/>
+      <dgm:spPr/>
+      <dgm:t>
+        <a:bodyPr/>
+        <a:lstStyle/>
+        <a:p>
+          <a:r>
+            <a:rPr lang="en-US" dirty="0" smtClean="0"/>
+            <a:t>Define common settings (globals)</a:t>
+          </a:r>
+          <a:endParaRPr lang="en-US" dirty="0"/>
+        </a:p>
+      </dgm:t>
+    </dgm:pt>
+    <dgm:pt modelId="{CAE6F83C-33D1-744A-AAD9-19883D9201F2}" type="parTrans" cxnId="{964FAF31-61F1-604A-81A4-7A192FF41412}">
+      <dgm:prSet/>
+      <dgm:spPr/>
+      <dgm:t>
+        <a:bodyPr/>
+        <a:lstStyle/>
+        <a:p>
+          <a:endParaRPr lang="en-US"/>
+        </a:p>
+      </dgm:t>
+    </dgm:pt>
+    <dgm:pt modelId="{9F1FACD8-892D-3246-8388-4BCB8D26829F}" type="sibTrans" cxnId="{964FAF31-61F1-604A-81A4-7A192FF41412}">
+      <dgm:prSet/>
+      <dgm:spPr/>
+      <dgm:t>
+        <a:bodyPr/>
+        <a:lstStyle/>
+        <a:p>
+          <a:endParaRPr lang="en-US"/>
+        </a:p>
+      </dgm:t>
+    </dgm:pt>
+    <dgm:pt modelId="{3C50E939-7B8F-9D4B-B033-8710334FB0CD}">
+      <dgm:prSet phldrT="[Text]"/>
+      <dgm:spPr/>
+      <dgm:t>
+        <a:bodyPr/>
+        <a:lstStyle/>
+        <a:p>
+          <a:r>
+            <a:rPr lang="en-US" dirty="0" smtClean="0"/>
+            <a:t>Step 3</a:t>
+          </a:r>
+          <a:endParaRPr lang="en-US" dirty="0"/>
+        </a:p>
+      </dgm:t>
+    </dgm:pt>
+    <dgm:pt modelId="{F4BE5252-5CBE-B84C-AD57-2F4E026C1219}" type="parTrans" cxnId="{3AAC5160-E643-6C4C-8C97-71D439ED1BAD}">
+      <dgm:prSet/>
+      <dgm:spPr/>
+      <dgm:t>
+        <a:bodyPr/>
+        <a:lstStyle/>
+        <a:p>
+          <a:endParaRPr lang="en-US"/>
+        </a:p>
+      </dgm:t>
+    </dgm:pt>
+    <dgm:pt modelId="{3D22C02A-EE40-8048-BFE1-AB4097AF82F2}" type="sibTrans" cxnId="{3AAC5160-E643-6C4C-8C97-71D439ED1BAD}">
+      <dgm:prSet/>
+      <dgm:spPr/>
+      <dgm:t>
+        <a:bodyPr/>
+        <a:lstStyle/>
+        <a:p>
+          <a:endParaRPr lang="en-US"/>
+        </a:p>
+      </dgm:t>
+    </dgm:pt>
+    <dgm:pt modelId="{8DF378EA-CAAC-1446-9A46-0B1A1E562E5F}">
+      <dgm:prSet phldrT="[Text]"/>
+      <dgm:spPr/>
+      <dgm:t>
+        <a:bodyPr/>
+        <a:lstStyle/>
+        <a:p>
+          <a:r>
+            <a:rPr lang="en-US" dirty="0" smtClean="0"/>
+            <a:t>monty.py</a:t>
+          </a:r>
+          <a:endParaRPr lang="en-US" dirty="0"/>
+        </a:p>
+      </dgm:t>
+    </dgm:pt>
+    <dgm:pt modelId="{6BFE35AD-8737-2544-8DA7-D9258FBF52BD}" type="parTrans" cxnId="{83A9C681-AF3E-674D-A6BF-EFD9DDE49257}">
+      <dgm:prSet/>
+      <dgm:spPr/>
+      <dgm:t>
+        <a:bodyPr/>
+        <a:lstStyle/>
+        <a:p>
+          <a:endParaRPr lang="en-US"/>
+        </a:p>
+      </dgm:t>
+    </dgm:pt>
+    <dgm:pt modelId="{EB06A76D-EAC5-9446-A90F-6A6AF0DD1B4C}" type="sibTrans" cxnId="{83A9C681-AF3E-674D-A6BF-EFD9DDE49257}">
+      <dgm:prSet/>
+      <dgm:spPr/>
+      <dgm:t>
+        <a:bodyPr/>
+        <a:lstStyle/>
+        <a:p>
+          <a:endParaRPr lang="en-US"/>
+        </a:p>
+      </dgm:t>
+    </dgm:pt>
+    <dgm:pt modelId="{079B462B-251A-4048-A45D-3D24A682F838}">
+      <dgm:prSet phldrT="[Text]"/>
+      <dgm:spPr/>
+      <dgm:t>
+        <a:bodyPr/>
+        <a:lstStyle/>
+        <a:p>
+          <a:r>
+            <a:rPr lang="en-US" dirty="0" smtClean="0"/>
+            <a:t>Define user/ server specific settings (locals)</a:t>
+          </a:r>
+          <a:endParaRPr lang="en-US" dirty="0"/>
+        </a:p>
+      </dgm:t>
+    </dgm:pt>
+    <dgm:pt modelId="{E100FC1C-CC5E-1A45-9FAC-F840155D5131}" type="parTrans" cxnId="{1588EB06-E352-D34F-911C-A4F2088EC226}">
+      <dgm:prSet/>
+      <dgm:spPr/>
+      <dgm:t>
+        <a:bodyPr/>
+        <a:lstStyle/>
+        <a:p>
+          <a:endParaRPr lang="en-US"/>
+        </a:p>
+      </dgm:t>
+    </dgm:pt>
+    <dgm:pt modelId="{65BBE39C-46CE-0E4B-BFDF-1C3D0617A16D}" type="sibTrans" cxnId="{1588EB06-E352-D34F-911C-A4F2088EC226}">
+      <dgm:prSet/>
+      <dgm:spPr/>
+      <dgm:t>
+        <a:bodyPr/>
+        <a:lstStyle/>
+        <a:p>
+          <a:endParaRPr lang="en-US"/>
+        </a:p>
+      </dgm:t>
+    </dgm:pt>
+    <dgm:pt modelId="{6C01FCB8-98A5-5B4E-A9DD-194024644E3A}" type="pres">
+      <dgm:prSet presAssocID="{384C4203-F0F1-844A-8AFC-54FD5935AD78}" presName="Name0" presStyleCnt="0">
+        <dgm:presLayoutVars>
+          <dgm:dir/>
+          <dgm:animLvl val="lvl"/>
+          <dgm:resizeHandles val="exact"/>
+        </dgm:presLayoutVars>
+      </dgm:prSet>
+      <dgm:spPr/>
+    </dgm:pt>
+    <dgm:pt modelId="{A680A254-4B01-A14C-A403-708FFFA46233}" type="pres">
+      <dgm:prSet presAssocID="{384C4203-F0F1-844A-8AFC-54FD5935AD78}" presName="tSp" presStyleCnt="0"/>
+      <dgm:spPr/>
+    </dgm:pt>
+    <dgm:pt modelId="{651BBC44-F3D7-B049-9ACD-D2294B4CCC19}" type="pres">
+      <dgm:prSet presAssocID="{384C4203-F0F1-844A-8AFC-54FD5935AD78}" presName="bSp" presStyleCnt="0"/>
+      <dgm:spPr/>
+    </dgm:pt>
+    <dgm:pt modelId="{7927E9BE-CE62-D748-A8BA-0675D2260767}" type="pres">
+      <dgm:prSet presAssocID="{384C4203-F0F1-844A-8AFC-54FD5935AD78}" presName="process" presStyleCnt="0"/>
+      <dgm:spPr/>
+    </dgm:pt>
+    <dgm:pt modelId="{523EF392-197F-1744-A72B-F4D7636C67DD}" type="pres">
+      <dgm:prSet presAssocID="{0962A4BE-1540-D245-84AC-011584A65C5D}" presName="composite1" presStyleCnt="0"/>
+      <dgm:spPr/>
+    </dgm:pt>
+    <dgm:pt modelId="{3A285B43-D42D-7446-97F7-C9FCEC4EE4C6}" type="pres">
+      <dgm:prSet presAssocID="{0962A4BE-1540-D245-84AC-011584A65C5D}" presName="dummyNode1" presStyleLbl="node1" presStyleIdx="0" presStyleCnt="3"/>
+      <dgm:spPr/>
+    </dgm:pt>
+    <dgm:pt modelId="{8882CF0F-38AE-0741-B58F-A020283E1495}" type="pres">
+      <dgm:prSet presAssocID="{0962A4BE-1540-D245-84AC-011584A65C5D}" presName="childNode1" presStyleLbl="bgAcc1" presStyleIdx="0" presStyleCnt="3">
+        <dgm:presLayoutVars>
+          <dgm:bulletEnabled val="1"/>
+        </dgm:presLayoutVars>
+      </dgm:prSet>
+      <dgm:spPr/>
+      <dgm:t>
+        <a:bodyPr/>
+        <a:lstStyle/>
+        <a:p>
+          <a:endParaRPr lang="en-US"/>
+        </a:p>
+      </dgm:t>
+    </dgm:pt>
+    <dgm:pt modelId="{5BC7EDA4-7EA0-C645-AA66-3872343BA267}" type="pres">
+      <dgm:prSet presAssocID="{0962A4BE-1540-D245-84AC-011584A65C5D}" presName="childNode1tx" presStyleLbl="bgAcc1" presStyleIdx="0" presStyleCnt="3">
+        <dgm:presLayoutVars>
+          <dgm:bulletEnabled val="1"/>
+        </dgm:presLayoutVars>
+      </dgm:prSet>
+      <dgm:spPr/>
+      <dgm:t>
+        <a:bodyPr/>
+        <a:lstStyle/>
+        <a:p>
+          <a:endParaRPr lang="en-US"/>
+        </a:p>
+      </dgm:t>
+    </dgm:pt>
+    <dgm:pt modelId="{0A346AD2-7951-F34E-B906-A573C453F89C}" type="pres">
+      <dgm:prSet presAssocID="{0962A4BE-1540-D245-84AC-011584A65C5D}" presName="parentNode1" presStyleLbl="node1" presStyleIdx="0" presStyleCnt="3">
+        <dgm:presLayoutVars>
+          <dgm:chMax val="1"/>
+          <dgm:bulletEnabled val="1"/>
+        </dgm:presLayoutVars>
+      </dgm:prSet>
+      <dgm:spPr/>
+      <dgm:t>
+        <a:bodyPr/>
+        <a:lstStyle/>
+        <a:p>
+          <a:endParaRPr lang="en-US"/>
+        </a:p>
+      </dgm:t>
+    </dgm:pt>
+    <dgm:pt modelId="{711FA2E8-F22C-0A4F-801C-CFF2266576F2}" type="pres">
+      <dgm:prSet presAssocID="{0962A4BE-1540-D245-84AC-011584A65C5D}" presName="connSite1" presStyleCnt="0"/>
+      <dgm:spPr/>
+    </dgm:pt>
+    <dgm:pt modelId="{7A6C9496-7646-B54A-A060-F41A440E5A91}" type="pres">
+      <dgm:prSet presAssocID="{5D49D23A-CAA4-5047-9367-9ABE10B2E839}" presName="Name9" presStyleLbl="sibTrans2D1" presStyleIdx="0" presStyleCnt="2"/>
+      <dgm:spPr/>
+    </dgm:pt>
+    <dgm:pt modelId="{91FFF532-C7AF-5C4C-81F2-054B0F72BAEC}" type="pres">
+      <dgm:prSet presAssocID="{3452527D-033F-0B43-AC67-F17801485B08}" presName="composite2" presStyleCnt="0"/>
+      <dgm:spPr/>
+    </dgm:pt>
+    <dgm:pt modelId="{DFF77E61-B291-804E-B8B2-39D7C7E25604}" type="pres">
+      <dgm:prSet presAssocID="{3452527D-033F-0B43-AC67-F17801485B08}" presName="dummyNode2" presStyleLbl="node1" presStyleIdx="0" presStyleCnt="3"/>
+      <dgm:spPr/>
+    </dgm:pt>
+    <dgm:pt modelId="{731562BD-C26F-9040-A19F-A3798F96008A}" type="pres">
+      <dgm:prSet presAssocID="{3452527D-033F-0B43-AC67-F17801485B08}" presName="childNode2" presStyleLbl="bgAcc1" presStyleIdx="1" presStyleCnt="3">
+        <dgm:presLayoutVars>
+          <dgm:bulletEnabled val="1"/>
+        </dgm:presLayoutVars>
+      </dgm:prSet>
+      <dgm:spPr/>
+      <dgm:t>
+        <a:bodyPr/>
+        <a:lstStyle/>
+        <a:p>
+          <a:endParaRPr lang="en-US"/>
+        </a:p>
+      </dgm:t>
+    </dgm:pt>
+    <dgm:pt modelId="{311E72AD-F7E8-2942-9830-A768078213A9}" type="pres">
+      <dgm:prSet presAssocID="{3452527D-033F-0B43-AC67-F17801485B08}" presName="childNode2tx" presStyleLbl="bgAcc1" presStyleIdx="1" presStyleCnt="3">
+        <dgm:presLayoutVars>
+          <dgm:bulletEnabled val="1"/>
+        </dgm:presLayoutVars>
+      </dgm:prSet>
+      <dgm:spPr/>
+      <dgm:t>
+        <a:bodyPr/>
+        <a:lstStyle/>
+        <a:p>
+          <a:endParaRPr lang="en-US"/>
+        </a:p>
+      </dgm:t>
+    </dgm:pt>
+    <dgm:pt modelId="{7B704AB9-81D5-2A42-A406-EA4F6ED64987}" type="pres">
+      <dgm:prSet presAssocID="{3452527D-033F-0B43-AC67-F17801485B08}" presName="parentNode2" presStyleLbl="node1" presStyleIdx="1" presStyleCnt="3">
+        <dgm:presLayoutVars>
+          <dgm:chMax val="0"/>
+          <dgm:bulletEnabled val="1"/>
+        </dgm:presLayoutVars>
+      </dgm:prSet>
+      <dgm:spPr/>
+    </dgm:pt>
+    <dgm:pt modelId="{9EEE39C8-CD95-DC40-9C1A-B6DB81F9E3EF}" type="pres">
+      <dgm:prSet presAssocID="{3452527D-033F-0B43-AC67-F17801485B08}" presName="connSite2" presStyleCnt="0"/>
+      <dgm:spPr/>
+    </dgm:pt>
+    <dgm:pt modelId="{0103A357-9424-8A46-939C-0897C882D4AA}" type="pres">
+      <dgm:prSet presAssocID="{B5EC9FB6-97E6-2D41-B9F0-031F62E40982}" presName="Name18" presStyleLbl="sibTrans2D1" presStyleIdx="1" presStyleCnt="2"/>
+      <dgm:spPr/>
+    </dgm:pt>
+    <dgm:pt modelId="{A77E5467-4145-8B4F-9616-4922088B99C9}" type="pres">
+      <dgm:prSet presAssocID="{3C50E939-7B8F-9D4B-B033-8710334FB0CD}" presName="composite1" presStyleCnt="0"/>
+      <dgm:spPr/>
+    </dgm:pt>
+    <dgm:pt modelId="{A1A1775D-0E92-A145-9D28-28456CC2C338}" type="pres">
+      <dgm:prSet presAssocID="{3C50E939-7B8F-9D4B-B033-8710334FB0CD}" presName="dummyNode1" presStyleLbl="node1" presStyleIdx="1" presStyleCnt="3"/>
+      <dgm:spPr/>
+    </dgm:pt>
+    <dgm:pt modelId="{0C48D3E5-DC87-BF42-8640-04491CDE4F08}" type="pres">
+      <dgm:prSet presAssocID="{3C50E939-7B8F-9D4B-B033-8710334FB0CD}" presName="childNode1" presStyleLbl="bgAcc1" presStyleIdx="2" presStyleCnt="3">
+        <dgm:presLayoutVars>
+          <dgm:bulletEnabled val="1"/>
+        </dgm:presLayoutVars>
+      </dgm:prSet>
+      <dgm:spPr/>
+    </dgm:pt>
+    <dgm:pt modelId="{E89EFEFB-8B60-0E45-8F2D-1B294103B1B2}" type="pres">
+      <dgm:prSet presAssocID="{3C50E939-7B8F-9D4B-B033-8710334FB0CD}" presName="childNode1tx" presStyleLbl="bgAcc1" presStyleIdx="2" presStyleCnt="3">
+        <dgm:presLayoutVars>
+          <dgm:bulletEnabled val="1"/>
+        </dgm:presLayoutVars>
+      </dgm:prSet>
+      <dgm:spPr/>
+    </dgm:pt>
+    <dgm:pt modelId="{BBC461EE-017A-F347-ABEE-13931D46E8BC}" type="pres">
+      <dgm:prSet presAssocID="{3C50E939-7B8F-9D4B-B033-8710334FB0CD}" presName="parentNode1" presStyleLbl="node1" presStyleIdx="2" presStyleCnt="3">
+        <dgm:presLayoutVars>
+          <dgm:chMax val="1"/>
+          <dgm:bulletEnabled val="1"/>
+        </dgm:presLayoutVars>
+      </dgm:prSet>
+      <dgm:spPr/>
+    </dgm:pt>
+    <dgm:pt modelId="{2610DF82-912B-E14F-A448-FCA0DD35DB36}" type="pres">
+      <dgm:prSet presAssocID="{3C50E939-7B8F-9D4B-B033-8710334FB0CD}" presName="connSite1" presStyleCnt="0"/>
+      <dgm:spPr/>
+    </dgm:pt>
+  </dgm:ptLst>
+  <dgm:cxnLst>
+    <dgm:cxn modelId="{A0D7752F-7CC1-1C48-AA10-F10EB1857061}" type="presOf" srcId="{8DF378EA-CAAC-1446-9A46-0B1A1E562E5F}" destId="{E89EFEFB-8B60-0E45-8F2D-1B294103B1B2}" srcOrd="1" destOrd="0" presId="urn:microsoft.com/office/officeart/2005/8/layout/hProcess4"/>
+    <dgm:cxn modelId="{4E912793-9143-A247-B663-FDFAFB81CDC7}" type="presOf" srcId="{85F41260-BEC8-7F4C-B439-6F9C9C582DA5}" destId="{731562BD-C26F-9040-A19F-A3798F96008A}" srcOrd="0" destOrd="0" presId="urn:microsoft.com/office/officeart/2005/8/layout/hProcess4"/>
+    <dgm:cxn modelId="{86D447F7-4055-4F47-8DA4-C1551E52FA35}" type="presOf" srcId="{85F41260-BEC8-7F4C-B439-6F9C9C582DA5}" destId="{311E72AD-F7E8-2942-9830-A768078213A9}" srcOrd="1" destOrd="0" presId="urn:microsoft.com/office/officeart/2005/8/layout/hProcess4"/>
+    <dgm:cxn modelId="{796D1A5E-3395-F347-9BF0-60DE6A30BBE1}" type="presOf" srcId="{A5DB53BF-FE87-1D45-AEA3-29CB4B19DBE8}" destId="{311E72AD-F7E8-2942-9830-A768078213A9}" srcOrd="1" destOrd="1" presId="urn:microsoft.com/office/officeart/2005/8/layout/hProcess4"/>
+    <dgm:cxn modelId="{1588EB06-E352-D34F-911C-A4F2088EC226}" srcId="{3C50E939-7B8F-9D4B-B033-8710334FB0CD}" destId="{079B462B-251A-4048-A45D-3D24A682F838}" srcOrd="1" destOrd="0" parTransId="{E100FC1C-CC5E-1A45-9FAC-F840155D5131}" sibTransId="{65BBE39C-46CE-0E4B-BFDF-1C3D0617A16D}"/>
+    <dgm:cxn modelId="{FB23BE9E-14EE-704A-AA4F-09D45FDA5480}" type="presOf" srcId="{079B462B-251A-4048-A45D-3D24A682F838}" destId="{E89EFEFB-8B60-0E45-8F2D-1B294103B1B2}" srcOrd="1" destOrd="1" presId="urn:microsoft.com/office/officeart/2005/8/layout/hProcess4"/>
+    <dgm:cxn modelId="{D60DD18C-AE44-AE4F-8C6B-AEF993934616}" type="presOf" srcId="{9C994B46-728B-8F43-98D7-4B6F56FDDA43}" destId="{5BC7EDA4-7EA0-C645-AA66-3872343BA267}" srcOrd="1" destOrd="0" presId="urn:microsoft.com/office/officeart/2005/8/layout/hProcess4"/>
+    <dgm:cxn modelId="{092649D6-4791-3545-97F4-653BCB0FCFF5}" type="presOf" srcId="{384C4203-F0F1-844A-8AFC-54FD5935AD78}" destId="{6C01FCB8-98A5-5B4E-A9DD-194024644E3A}" srcOrd="0" destOrd="0" presId="urn:microsoft.com/office/officeart/2005/8/layout/hProcess4"/>
+    <dgm:cxn modelId="{59117101-8FE6-094E-B0CD-BB8EA4ACA38D}" type="presOf" srcId="{9C994B46-728B-8F43-98D7-4B6F56FDDA43}" destId="{8882CF0F-38AE-0741-B58F-A020283E1495}" srcOrd="0" destOrd="0" presId="urn:microsoft.com/office/officeart/2005/8/layout/hProcess4"/>
+    <dgm:cxn modelId="{93EF36D2-7797-1B47-BD3B-2097C55AC5DC}" type="presOf" srcId="{079B462B-251A-4048-A45D-3D24A682F838}" destId="{0C48D3E5-DC87-BF42-8640-04491CDE4F08}" srcOrd="0" destOrd="1" presId="urn:microsoft.com/office/officeart/2005/8/layout/hProcess4"/>
+    <dgm:cxn modelId="{24F2EFCA-3D45-3245-91AE-1F7516EE747C}" srcId="{3452527D-033F-0B43-AC67-F17801485B08}" destId="{85F41260-BEC8-7F4C-B439-6F9C9C582DA5}" srcOrd="0" destOrd="0" parTransId="{AB0BDB64-F4C8-9648-8881-95BF5346257C}" sibTransId="{B30F3288-3355-B949-88A7-8A0210583629}"/>
+    <dgm:cxn modelId="{3AAC5160-E643-6C4C-8C97-71D439ED1BAD}" srcId="{384C4203-F0F1-844A-8AFC-54FD5935AD78}" destId="{3C50E939-7B8F-9D4B-B033-8710334FB0CD}" srcOrd="2" destOrd="0" parTransId="{F4BE5252-5CBE-B84C-AD57-2F4E026C1219}" sibTransId="{3D22C02A-EE40-8048-BFE1-AB4097AF82F2}"/>
+    <dgm:cxn modelId="{11FAFF82-71BB-1245-8DBE-8123E6091E9A}" srcId="{0962A4BE-1540-D245-84AC-011584A65C5D}" destId="{9C994B46-728B-8F43-98D7-4B6F56FDDA43}" srcOrd="0" destOrd="0" parTransId="{E878633D-5F16-5C41-A3C8-B6A8CB977539}" sibTransId="{20E168CC-C5BA-B241-83C8-48478D3821F3}"/>
+    <dgm:cxn modelId="{CD8006BE-7001-764F-B7A0-B013D68D441F}" type="presOf" srcId="{A5DB53BF-FE87-1D45-AEA3-29CB4B19DBE8}" destId="{731562BD-C26F-9040-A19F-A3798F96008A}" srcOrd="0" destOrd="1" presId="urn:microsoft.com/office/officeart/2005/8/layout/hProcess4"/>
+    <dgm:cxn modelId="{D7495DD9-F84A-F648-B692-4C03E2C73E82}" srcId="{384C4203-F0F1-844A-8AFC-54FD5935AD78}" destId="{3452527D-033F-0B43-AC67-F17801485B08}" srcOrd="1" destOrd="0" parTransId="{5C0DE0A4-EB59-4340-938C-822AA8BFE955}" sibTransId="{B5EC9FB6-97E6-2D41-B9F0-031F62E40982}"/>
+    <dgm:cxn modelId="{964FAF31-61F1-604A-81A4-7A192FF41412}" srcId="{3452527D-033F-0B43-AC67-F17801485B08}" destId="{A5DB53BF-FE87-1D45-AEA3-29CB4B19DBE8}" srcOrd="1" destOrd="0" parTransId="{CAE6F83C-33D1-744A-AAD9-19883D9201F2}" sibTransId="{9F1FACD8-892D-3246-8388-4BCB8D26829F}"/>
+    <dgm:cxn modelId="{810A0E9D-7074-9E40-ADF7-3D7EB11B881F}" type="presOf" srcId="{5D49D23A-CAA4-5047-9367-9ABE10B2E839}" destId="{7A6C9496-7646-B54A-A060-F41A440E5A91}" srcOrd="0" destOrd="0" presId="urn:microsoft.com/office/officeart/2005/8/layout/hProcess4"/>
+    <dgm:cxn modelId="{16077947-9115-8149-9DD1-90C7B5DA447E}" srcId="{384C4203-F0F1-844A-8AFC-54FD5935AD78}" destId="{0962A4BE-1540-D245-84AC-011584A65C5D}" srcOrd="0" destOrd="0" parTransId="{D908DD14-3ADD-0048-9DC0-EBEE54F71023}" sibTransId="{5D49D23A-CAA4-5047-9367-9ABE10B2E839}"/>
+    <dgm:cxn modelId="{81193390-1F35-6448-A0B3-85D4C68E25C5}" srcId="{0962A4BE-1540-D245-84AC-011584A65C5D}" destId="{84EE4D0A-110A-9D42-9741-4B6A70B0CF26}" srcOrd="1" destOrd="0" parTransId="{D198FA24-B01C-CE4B-B689-FCBE6A308049}" sibTransId="{383CCDD3-5920-724F-9EB7-E0531A810C6C}"/>
+    <dgm:cxn modelId="{AA990237-19E4-E648-98A7-B751F41D4ACB}" type="presOf" srcId="{3C50E939-7B8F-9D4B-B033-8710334FB0CD}" destId="{BBC461EE-017A-F347-ABEE-13931D46E8BC}" srcOrd="0" destOrd="0" presId="urn:microsoft.com/office/officeart/2005/8/layout/hProcess4"/>
+    <dgm:cxn modelId="{8A34C384-2F2E-F345-B868-49C6F1C9663F}" type="presOf" srcId="{0962A4BE-1540-D245-84AC-011584A65C5D}" destId="{0A346AD2-7951-F34E-B906-A573C453F89C}" srcOrd="0" destOrd="0" presId="urn:microsoft.com/office/officeart/2005/8/layout/hProcess4"/>
+    <dgm:cxn modelId="{B2ABC9DB-2012-574C-A221-BB47AC35D3AE}" type="presOf" srcId="{84EE4D0A-110A-9D42-9741-4B6A70B0CF26}" destId="{8882CF0F-38AE-0741-B58F-A020283E1495}" srcOrd="0" destOrd="1" presId="urn:microsoft.com/office/officeart/2005/8/layout/hProcess4"/>
+    <dgm:cxn modelId="{83A9C681-AF3E-674D-A6BF-EFD9DDE49257}" srcId="{3C50E939-7B8F-9D4B-B033-8710334FB0CD}" destId="{8DF378EA-CAAC-1446-9A46-0B1A1E562E5F}" srcOrd="0" destOrd="0" parTransId="{6BFE35AD-8737-2544-8DA7-D9258FBF52BD}" sibTransId="{EB06A76D-EAC5-9446-A90F-6A6AF0DD1B4C}"/>
+    <dgm:cxn modelId="{90798DFC-0C6B-9D42-BC11-2FCD9CCAD1A0}" type="presOf" srcId="{B5EC9FB6-97E6-2D41-B9F0-031F62E40982}" destId="{0103A357-9424-8A46-939C-0897C882D4AA}" srcOrd="0" destOrd="0" presId="urn:microsoft.com/office/officeart/2005/8/layout/hProcess4"/>
+    <dgm:cxn modelId="{E39012E1-A1A1-7747-B7A2-C0F565AA492F}" type="presOf" srcId="{84EE4D0A-110A-9D42-9741-4B6A70B0CF26}" destId="{5BC7EDA4-7EA0-C645-AA66-3872343BA267}" srcOrd="1" destOrd="1" presId="urn:microsoft.com/office/officeart/2005/8/layout/hProcess4"/>
+    <dgm:cxn modelId="{E063C876-4E39-664A-A842-A00D89956612}" type="presOf" srcId="{3452527D-033F-0B43-AC67-F17801485B08}" destId="{7B704AB9-81D5-2A42-A406-EA4F6ED64987}" srcOrd="0" destOrd="0" presId="urn:microsoft.com/office/officeart/2005/8/layout/hProcess4"/>
+    <dgm:cxn modelId="{DBF90196-7606-6643-BC6D-C19860EC7CAC}" type="presOf" srcId="{8DF378EA-CAAC-1446-9A46-0B1A1E562E5F}" destId="{0C48D3E5-DC87-BF42-8640-04491CDE4F08}" srcOrd="0" destOrd="0" presId="urn:microsoft.com/office/officeart/2005/8/layout/hProcess4"/>
+    <dgm:cxn modelId="{197B6C0E-3FF6-3142-A973-72C26BE48298}" type="presParOf" srcId="{6C01FCB8-98A5-5B4E-A9DD-194024644E3A}" destId="{A680A254-4B01-A14C-A403-708FFFA46233}" srcOrd="0" destOrd="0" presId="urn:microsoft.com/office/officeart/2005/8/layout/hProcess4"/>
+    <dgm:cxn modelId="{94C1B786-8D13-1A45-ABF1-5341AA348F4B}" type="presParOf" srcId="{6C01FCB8-98A5-5B4E-A9DD-194024644E3A}" destId="{651BBC44-F3D7-B049-9ACD-D2294B4CCC19}" srcOrd="1" destOrd="0" presId="urn:microsoft.com/office/officeart/2005/8/layout/hProcess4"/>
+    <dgm:cxn modelId="{259302FD-F517-0D40-A0E1-FDA9E137977D}" type="presParOf" srcId="{6C01FCB8-98A5-5B4E-A9DD-194024644E3A}" destId="{7927E9BE-CE62-D748-A8BA-0675D2260767}" srcOrd="2" destOrd="0" presId="urn:microsoft.com/office/officeart/2005/8/layout/hProcess4"/>
+    <dgm:cxn modelId="{0153C107-4FE0-494D-BEF8-0A5E76FA2B25}" type="presParOf" srcId="{7927E9BE-CE62-D748-A8BA-0675D2260767}" destId="{523EF392-197F-1744-A72B-F4D7636C67DD}" srcOrd="0" destOrd="0" presId="urn:microsoft.com/office/officeart/2005/8/layout/hProcess4"/>
+    <dgm:cxn modelId="{626BA047-FB32-CF43-9C18-D97CBF3214B7}" type="presParOf" srcId="{523EF392-197F-1744-A72B-F4D7636C67DD}" destId="{3A285B43-D42D-7446-97F7-C9FCEC4EE4C6}" srcOrd="0" destOrd="0" presId="urn:microsoft.com/office/officeart/2005/8/layout/hProcess4"/>
+    <dgm:cxn modelId="{8AE869C7-DD4E-A04A-931F-786A02449D12}" type="presParOf" srcId="{523EF392-197F-1744-A72B-F4D7636C67DD}" destId="{8882CF0F-38AE-0741-B58F-A020283E1495}" srcOrd="1" destOrd="0" presId="urn:microsoft.com/office/officeart/2005/8/layout/hProcess4"/>
+    <dgm:cxn modelId="{33E490C1-321D-C64E-818E-6F6FBCAAAA03}" type="presParOf" srcId="{523EF392-197F-1744-A72B-F4D7636C67DD}" destId="{5BC7EDA4-7EA0-C645-AA66-3872343BA267}" srcOrd="2" destOrd="0" presId="urn:microsoft.com/office/officeart/2005/8/layout/hProcess4"/>
+    <dgm:cxn modelId="{53209ABD-5881-8C4A-87A1-FA06A30CA356}" type="presParOf" srcId="{523EF392-197F-1744-A72B-F4D7636C67DD}" destId="{0A346AD2-7951-F34E-B906-A573C453F89C}" srcOrd="3" destOrd="0" presId="urn:microsoft.com/office/officeart/2005/8/layout/hProcess4"/>
+    <dgm:cxn modelId="{DCBE3DDE-6467-4940-B66F-97E7761C0D37}" type="presParOf" srcId="{523EF392-197F-1744-A72B-F4D7636C67DD}" destId="{711FA2E8-F22C-0A4F-801C-CFF2266576F2}" srcOrd="4" destOrd="0" presId="urn:microsoft.com/office/officeart/2005/8/layout/hProcess4"/>
+    <dgm:cxn modelId="{51583283-F650-ED4F-BD63-A16EDEDA6357}" type="presParOf" srcId="{7927E9BE-CE62-D748-A8BA-0675D2260767}" destId="{7A6C9496-7646-B54A-A060-F41A440E5A91}" srcOrd="1" destOrd="0" presId="urn:microsoft.com/office/officeart/2005/8/layout/hProcess4"/>
+    <dgm:cxn modelId="{F9BF2B01-6D72-474E-B007-0BF1D42609A4}" type="presParOf" srcId="{7927E9BE-CE62-D748-A8BA-0675D2260767}" destId="{91FFF532-C7AF-5C4C-81F2-054B0F72BAEC}" srcOrd="2" destOrd="0" presId="urn:microsoft.com/office/officeart/2005/8/layout/hProcess4"/>
+    <dgm:cxn modelId="{EB626A72-69F7-CF48-9D8B-32C4BE2D8CD3}" type="presParOf" srcId="{91FFF532-C7AF-5C4C-81F2-054B0F72BAEC}" destId="{DFF77E61-B291-804E-B8B2-39D7C7E25604}" srcOrd="0" destOrd="0" presId="urn:microsoft.com/office/officeart/2005/8/layout/hProcess4"/>
+    <dgm:cxn modelId="{E17C2C96-7C54-C140-AB72-41593773B58B}" type="presParOf" srcId="{91FFF532-C7AF-5C4C-81F2-054B0F72BAEC}" destId="{731562BD-C26F-9040-A19F-A3798F96008A}" srcOrd="1" destOrd="0" presId="urn:microsoft.com/office/officeart/2005/8/layout/hProcess4"/>
+    <dgm:cxn modelId="{ED1AB59F-A85E-3C4D-B96E-1726D3E366B0}" type="presParOf" srcId="{91FFF532-C7AF-5C4C-81F2-054B0F72BAEC}" destId="{311E72AD-F7E8-2942-9830-A768078213A9}" srcOrd="2" destOrd="0" presId="urn:microsoft.com/office/officeart/2005/8/layout/hProcess4"/>
+    <dgm:cxn modelId="{A5345929-B3ED-E245-806B-39EFC93AD83A}" type="presParOf" srcId="{91FFF532-C7AF-5C4C-81F2-054B0F72BAEC}" destId="{7B704AB9-81D5-2A42-A406-EA4F6ED64987}" srcOrd="3" destOrd="0" presId="urn:microsoft.com/office/officeart/2005/8/layout/hProcess4"/>
+    <dgm:cxn modelId="{675B3C6B-D75A-4842-93C4-2232A183418F}" type="presParOf" srcId="{91FFF532-C7AF-5C4C-81F2-054B0F72BAEC}" destId="{9EEE39C8-CD95-DC40-9C1A-B6DB81F9E3EF}" srcOrd="4" destOrd="0" presId="urn:microsoft.com/office/officeart/2005/8/layout/hProcess4"/>
+    <dgm:cxn modelId="{1FFADA5C-1CAE-6040-A056-C742A3BFD6AF}" type="presParOf" srcId="{7927E9BE-CE62-D748-A8BA-0675D2260767}" destId="{0103A357-9424-8A46-939C-0897C882D4AA}" srcOrd="3" destOrd="0" presId="urn:microsoft.com/office/officeart/2005/8/layout/hProcess4"/>
+    <dgm:cxn modelId="{1BE90F1C-1D55-D94E-BACD-6AB5F4A98FD4}" type="presParOf" srcId="{7927E9BE-CE62-D748-A8BA-0675D2260767}" destId="{A77E5467-4145-8B4F-9616-4922088B99C9}" srcOrd="4" destOrd="0" presId="urn:microsoft.com/office/officeart/2005/8/layout/hProcess4"/>
+    <dgm:cxn modelId="{5C14677C-0400-E64B-B6E8-D5CAE1C7C7BD}" type="presParOf" srcId="{A77E5467-4145-8B4F-9616-4922088B99C9}" destId="{A1A1775D-0E92-A145-9D28-28456CC2C338}" srcOrd="0" destOrd="0" presId="urn:microsoft.com/office/officeart/2005/8/layout/hProcess4"/>
+    <dgm:cxn modelId="{786FCE5F-BF5C-E341-B0DE-121EA89E20DC}" type="presParOf" srcId="{A77E5467-4145-8B4F-9616-4922088B99C9}" destId="{0C48D3E5-DC87-BF42-8640-04491CDE4F08}" srcOrd="1" destOrd="0" presId="urn:microsoft.com/office/officeart/2005/8/layout/hProcess4"/>
+    <dgm:cxn modelId="{B853B27D-C5B9-9441-BF43-A589CFE34712}" type="presParOf" srcId="{A77E5467-4145-8B4F-9616-4922088B99C9}" destId="{E89EFEFB-8B60-0E45-8F2D-1B294103B1B2}" srcOrd="2" destOrd="0" presId="urn:microsoft.com/office/officeart/2005/8/layout/hProcess4"/>
+    <dgm:cxn modelId="{8044DC15-DAC8-7448-81E8-AE7AF6242B54}" type="presParOf" srcId="{A77E5467-4145-8B4F-9616-4922088B99C9}" destId="{BBC461EE-017A-F347-ABEE-13931D46E8BC}" srcOrd="3" destOrd="0" presId="urn:microsoft.com/office/officeart/2005/8/layout/hProcess4"/>
+    <dgm:cxn modelId="{B51DB11C-ED3E-A044-A745-2F48FFDD3180}" type="presParOf" srcId="{A77E5467-4145-8B4F-9616-4922088B99C9}" destId="{2610DF82-912B-E14F-A448-FCA0DD35DB36}" srcOrd="4" destOrd="0" presId="urn:microsoft.com/office/officeart/2005/8/layout/hProcess4"/>
+  </dgm:cxnLst>
+  <dgm:bg/>
+  <dgm:whole/>
+</dgm:dataModel>
+</file>
+
+<file path=ppt/diagrams/layout1.xml><?xml version="1.0" encoding="utf-8"?>
+<dgm:layoutDef xmlns:dgm="http://schemas.openxmlformats.org/drawingml/2006/diagram" xmlns:a="http://schemas.openxmlformats.org/drawingml/2006/main" uniqueId="urn:microsoft.com/office/officeart/2005/8/layout/hProcess4">
+  <dgm:title val=""/>
+  <dgm:desc val=""/>
+  <dgm:catLst>
+    <dgm:cat type="process" pri="4000"/>
+  </dgm:catLst>
+  <dgm:sampData>
+    <dgm:dataModel>
+      <dgm:ptLst>
+        <dgm:pt modelId="0" type="doc"/>
+        <dgm:pt modelId="1">
+          <dgm:prSet phldr="1"/>
+        </dgm:pt>
+        <dgm:pt modelId="11">
+          <dgm:prSet phldr="1"/>
+        </dgm:pt>
+        <dgm:pt modelId="12">
+          <dgm:prSet phldr="1"/>
+        </dgm:pt>
+        <dgm:pt modelId="2">
+          <dgm:prSet phldr="1"/>
+        </dgm:pt>
+        <dgm:pt modelId="21">
+          <dgm:prSet phldr="1"/>
+        </dgm:pt>
+        <dgm:pt modelId="22">
+          <dgm:prSet phldr="1"/>
+        </dgm:pt>
+        <dgm:pt modelId="3">
+          <dgm:prSet phldr="1"/>
+        </dgm:pt>
+        <dgm:pt modelId="31">
+          <dgm:prSet phldr="1"/>
+        </dgm:pt>
+        <dgm:pt modelId="32">
+          <dgm:prSet phldr="1"/>
+        </dgm:pt>
+      </dgm:ptLst>
+      <dgm:cxnLst>
+        <dgm:cxn modelId="4" srcId="0" destId="1" srcOrd="0" destOrd="0"/>
+        <dgm:cxn modelId="5" srcId="0" destId="2" srcOrd="1" destOrd="0"/>
+        <dgm:cxn modelId="6" srcId="0" destId="3" srcOrd="2" destOrd="0"/>
+        <dgm:cxn modelId="13" srcId="1" destId="11" srcOrd="0" destOrd="0"/>
+        <dgm:cxn modelId="14" srcId="1" destId="12" srcOrd="1" destOrd="0"/>
+        <dgm:cxn modelId="23" srcId="2" destId="21" srcOrd="0" destOrd="0"/>
+        <dgm:cxn modelId="24" srcId="2" destId="22" srcOrd="1" destOrd="0"/>
+        <dgm:cxn modelId="33" srcId="3" destId="31" srcOrd="0" destOrd="0"/>
+        <dgm:cxn modelId="34" srcId="3" destId="32" srcOrd="1" destOrd="0"/>
+      </dgm:cxnLst>
+      <dgm:bg/>
+      <dgm:whole/>
+    </dgm:dataModel>
+  </dgm:sampData>
+  <dgm:styleData>
+    <dgm:dataModel>
+      <dgm:ptLst>
+        <dgm:pt modelId="0" type="doc"/>
+        <dgm:pt modelId="1"/>
+        <dgm:pt modelId="11"/>
+        <dgm:pt modelId="2"/>
+        <dgm:pt modelId="21"/>
+      </dgm:ptLst>
+      <dgm:cxnLst>
+        <dgm:cxn modelId="4" srcId="0" destId="1" srcOrd="0" destOrd="0"/>
+        <dgm:cxn modelId="5" srcId="0" destId="2" srcOrd="1" destOrd="0"/>
+        <dgm:cxn modelId="13" srcId="1" destId="11" srcOrd="0" destOrd="0"/>
+        <dgm:cxn modelId="23" srcId="2" destId="21" srcOrd="0" destOrd="0"/>
+      </dgm:cxnLst>
+      <dgm:bg/>
+      <dgm:whole/>
+    </dgm:dataModel>
+  </dgm:styleData>
+  <dgm:clrData>
+    <dgm:dataModel>
+      <dgm:ptLst>
+        <dgm:pt modelId="0" type="doc"/>
+        <dgm:pt modelId="1"/>
+        <dgm:pt modelId="11"/>
+        <dgm:pt modelId="2"/>
+        <dgm:pt modelId="21"/>
+        <dgm:pt modelId="3"/>
+        <dgm:pt modelId="31"/>
+        <dgm:pt modelId="4"/>
+        <dgm:pt modelId="41"/>
+      </dgm:ptLst>
+      <dgm:cxnLst>
+        <dgm:cxn modelId="5" srcId="0" destId="1" srcOrd="0" destOrd="0"/>
+        <dgm:cxn modelId="6" srcId="0" destId="2" srcOrd="1" destOrd="0"/>
+        <dgm:cxn modelId="7" srcId="0" destId="3" srcOrd="2" destOrd="0"/>
+        <dgm:cxn modelId="8" srcId="0" destId="4" srcOrd="3" destOrd="0"/>
+        <dgm:cxn modelId="13" srcId="1" destId="11" srcOrd="0" destOrd="0"/>
+        <dgm:cxn modelId="23" srcId="2" destId="21" srcOrd="0" destOrd="0"/>
+        <dgm:cxn modelId="33" srcId="3" destId="31" srcOrd="0" destOrd="0"/>
+        <dgm:cxn modelId="43" srcId="4" destId="41" srcOrd="0" destOrd="0"/>
+      </dgm:cxnLst>
+      <dgm:bg/>
+      <dgm:whole/>
+    </dgm:dataModel>
+  </dgm:clrData>
+  <dgm:layoutNode name="Name0">
+    <dgm:varLst>
+      <dgm:dir/>
+      <dgm:animLvl val="lvl"/>
+      <dgm:resizeHandles val="exact"/>
+    </dgm:varLst>
+    <dgm:alg type="composite"/>
+    <dgm:shape xmlns:r="http://schemas.openxmlformats.org/officeDocument/2006/relationships" r:blip="">
+      <dgm:adjLst/>
+    </dgm:shape>
+    <dgm:presOf/>
+    <dgm:constrLst>
+      <dgm:constr type="w" for="ch" forName="tSp" refType="w"/>
+      <dgm:constr type="h" for="ch" forName="tSp" refType="h" fact="0.15"/>
+      <dgm:constr type="l" for="ch" forName="tSp"/>
+      <dgm:constr type="t" for="ch" forName="tSp"/>
+      <dgm:constr type="w" for="ch" forName="bSp" refType="w"/>
+      <dgm:constr type="h" for="ch" forName="bSp" refType="h" fact="0.15"/>
+      <dgm:constr type="l" for="ch" forName="bSp"/>
+      <dgm:constr type="t" for="ch" forName="bSp" refType="h" fact="0.85"/>
+      <dgm:constr type="w" for="ch" forName="process" refType="w"/>
+      <dgm:constr type="h" for="ch" forName="process" refType="h" fact="0.7"/>
+      <dgm:constr type="l" for="ch" forName="process"/>
+      <dgm:constr type="t" for="ch" forName="process" refType="h" fact="0.15"/>
+    </dgm:constrLst>
+    <dgm:ruleLst/>
+    <dgm:layoutNode name="tSp">
+      <dgm:alg type="sp"/>
+      <dgm:shape xmlns:r="http://schemas.openxmlformats.org/officeDocument/2006/relationships" r:blip="">
+        <dgm:adjLst/>
+      </dgm:shape>
+      <dgm:presOf/>
+      <dgm:constrLst/>
+      <dgm:ruleLst/>
+    </dgm:layoutNode>
+    <dgm:layoutNode name="bSp">
+      <dgm:alg type="sp"/>
+      <dgm:shape xmlns:r="http://schemas.openxmlformats.org/officeDocument/2006/relationships" r:blip="">
+        <dgm:adjLst/>
+      </dgm:shape>
+      <dgm:presOf/>
+      <dgm:constrLst/>
+      <dgm:ruleLst/>
+    </dgm:layoutNode>
+    <dgm:layoutNode name="process">
+      <dgm:choose name="Name1">
+        <dgm:if name="Name2" func="var" arg="dir" op="equ" val="norm">
+          <dgm:alg type="lin">
+            <dgm:param type="linDir" val="fromL"/>
+          </dgm:alg>
+        </dgm:if>
+        <dgm:else name="Name3">
+          <dgm:alg type="lin">
+            <dgm:param type="linDir" val="fromR"/>
+          </dgm:alg>
+        </dgm:else>
+      </dgm:choose>
+      <dgm:shape xmlns:r="http://schemas.openxmlformats.org/officeDocument/2006/relationships" r:blip="">
+        <dgm:adjLst/>
+      </dgm:shape>
+      <dgm:presOf/>
+      <dgm:constrLst>
+        <dgm:constr type="w" for="ch" forName="composite1" refType="w"/>
+        <dgm:constr type="w" for="ch" forName="composite2" refType="w" refFor="ch" refForName="composite1" op="equ"/>
+        <dgm:constr type="h" for="ch" forName="composite1" refType="h"/>
+        <dgm:constr type="h" for="ch" forName="composite2" refType="h" refFor="ch" refForName="composite1" op="equ"/>
+        <dgm:constr type="primFontSz" for="des" forName="parentNode1" val="65"/>
+        <dgm:constr type="primFontSz" for="des" forName="parentNode2" refType="primFontSz" refFor="des" refForName="parentNode1" op="equ"/>
+        <dgm:constr type="secFontSz" for="des" forName="childNode1tx" val="65"/>
+        <dgm:constr type="secFontSz" for="des" forName="childNode2tx" refType="secFontSz" refFor="des" refForName="childNode1tx" op="equ"/>
+        <dgm:constr type="w" for="des" ptType="sibTrans" refType="w" refFor="ch" refForName="composite1" op="equ" fact="0.05"/>
+      </dgm:constrLst>
+      <dgm:ruleLst/>
+      <dgm:forEach name="Name4" axis="ch" ptType="node" step="2">
+        <dgm:layoutNode name="composite1">
+          <dgm:alg type="composite">
+            <dgm:param type="ar" val="0.943"/>
+          </dgm:alg>
+          <dgm:shape xmlns:r="http://schemas.openxmlformats.org/officeDocument/2006/relationships" r:blip="">
+            <dgm:adjLst/>
+          </dgm:shape>
+          <dgm:presOf/>
+          <dgm:choose name="Name5">
+            <dgm:if name="Name6" func="var" arg="dir" op="equ" val="norm">
+              <dgm:constrLst>
+                <dgm:constr type="h" refType="w" fact="1.06"/>
+                <dgm:constr type="w" for="ch" forName="dummyNode1" refType="w"/>
+                <dgm:constr type="h" for="ch" forName="dummyNode1" refType="h"/>
+                <dgm:constr type="t" for="ch" forName="dummyNode1"/>
+                <dgm:constr type="l" for="ch" forName="dummyNode1"/>
+                <dgm:constr type="w" for="ch" forName="childNode1" refType="w" fact="0.9"/>
+                <dgm:constr type="h" for="ch" forName="childNode1" refType="h" fact="0.7"/>
+                <dgm:constr type="t" for="ch" forName="childNode1" refType="h" fact="0.15"/>
+                <dgm:constr type="l" for="ch" forName="childNode1"/>
+                <dgm:constr type="w" for="ch" forName="childNode1tx" refType="w" fact="0.9"/>
+                <dgm:constr type="h" for="ch" forName="childNode1tx" refType="h" fact="0.55"/>
+                <dgm:constr type="t" for="ch" forName="childNode1tx" refType="h" fact="0.15"/>
+                <dgm:constr type="l" for="ch" forName="childNode1tx"/>
+                <dgm:constr type="w" for="ch" forName="parentNode1" refType="w" fact="0.8"/>
+                <dgm:constr type="h" for="ch" forName="parentNode1" refType="h" fact="0.3"/>
+                <dgm:constr type="t" for="ch" forName="parentNode1" refType="h" fact="0.7"/>
+                <dgm:constr type="l" for="ch" forName="parentNode1" refType="w" fact="0.2"/>
+                <dgm:constr type="w" for="ch" forName="connSite1" refType="w" fact="0.01"/>
+                <dgm:constr type="h" for="ch" forName="connSite1" refType="h" fact="0.01"/>
+                <dgm:constr type="t" for="ch" forName="connSite1"/>
+                <dgm:constr type="l" for="ch" forName="connSite1" refType="w" fact="0.35"/>
+              </dgm:constrLst>
+            </dgm:if>
+            <dgm:else name="Name7">
+              <dgm:constrLst>
+                <dgm:constr type="h" refType="w" fact="1.06"/>
+                <dgm:constr type="w" for="ch" forName="dummyNode1" refType="w"/>
+                <dgm:constr type="h" for="ch" forName="dummyNode1" refType="h"/>
+                <dgm:constr type="t" for="ch" forName="dummyNode1"/>
+                <dgm:constr type="l" for="ch" forName="dummyNode1"/>
+                <dgm:constr type="w" for="ch" forName="childNode1" refType="w" fact="0.9"/>
+                <dgm:constr type="h" for="ch" forName="childNode1" refType="h" fact="0.7"/>
+                <dgm:constr type="t" for="ch" forName="childNode1" refType="h" fact="0.15"/>
+                <dgm:constr type="l" for="ch" forName="childNode1" refType="w" fact="0.1"/>
+                <dgm:constr type="w" for="ch" forName="childNode1tx" refType="w" fact="0.9"/>
+                <dgm:constr type="h" for="ch" forName="childNode1tx" refType="h" fact="0.55"/>
+                <dgm:constr type="t" for="ch" forName="childNode1tx" refType="h" fact="0.15"/>
+                <dgm:constr type="l" for="ch" forName="childNode1tx" refType="w" fact="0.1"/>
+                <dgm:constr type="w" for="ch" forName="parentNode1" refType="w" fact="0.8"/>
+                <dgm:constr type="h" for="ch" forName="parentNode1" refType="h" fact="0.3"/>
+                <dgm:constr type="t" for="ch" forName="parentNode1" refType="h" fact="0.7"/>
+                <dgm:constr type="l" for="ch" forName="parentNode1"/>
+                <dgm:constr type="w" for="ch" forName="connSite1" refType="w" fact="0.01"/>
+                <dgm:constr type="h" for="ch" forName="connSite1" refType="h" fact="0.01"/>
+                <dgm:constr type="t" for="ch" forName="connSite1"/>
+                <dgm:constr type="l" for="ch" forName="connSite1" refType="w" fact="0.65"/>
+              </dgm:constrLst>
+            </dgm:else>
+          </dgm:choose>
+          <dgm:ruleLst/>
+          <dgm:layoutNode name="dummyNode1">
+            <dgm:alg type="sp"/>
+            <dgm:shape xmlns:r="http://schemas.openxmlformats.org/officeDocument/2006/relationships" type="rect" r:blip="" hideGeom="1">
+              <dgm:adjLst/>
+            </dgm:shape>
+            <dgm:presOf/>
+            <dgm:constrLst/>
+            <dgm:ruleLst/>
+          </dgm:layoutNode>
+          <dgm:layoutNode name="childNode1" styleLbl="bgAcc1">
+            <dgm:varLst>
+              <dgm:bulletEnabled val="1"/>
+            </dgm:varLst>
+            <dgm:alg type="sp"/>
+            <dgm:shape xmlns:r="http://schemas.openxmlformats.org/officeDocument/2006/relationships" type="roundRect" r:blip="">
+              <dgm:adjLst>
+                <dgm:adj idx="1" val="0.1"/>
+              </dgm:adjLst>
+            </dgm:shape>
+            <dgm:presOf axis="des" ptType="node"/>
+            <dgm:constrLst/>
+            <dgm:ruleLst/>
+          </dgm:layoutNode>
+          <dgm:layoutNode name="childNode1tx" styleLbl="bgAcc1">
+            <dgm:varLst>
+              <dgm:bulletEnabled val="1"/>
+            </dgm:varLst>
+            <dgm:alg type="tx">
+              <dgm:param type="stBulletLvl" val="1"/>
+            </dgm:alg>
+            <dgm:shape xmlns:r="http://schemas.openxmlformats.org/officeDocument/2006/relationships" type="roundRect" r:blip="" hideGeom="1">
+              <dgm:adjLst>
+                <dgm:adj idx="1" val="0.1"/>
+              </dgm:adjLst>
+            </dgm:shape>
+            <dgm:presOf axis="des" ptType="node"/>
+            <dgm:constrLst>
+              <dgm:constr type="secFontSz" val="65"/>
+              <dgm:constr type="primFontSz" refType="secFontSz"/>
+              <dgm:constr type="tMarg" refType="secFontSz" fact="0.15"/>
+              <dgm:constr type="bMarg" refType="secFontSz" fact="0.15"/>
+              <dgm:constr type="lMarg" refType="secFontSz" fact="0.15"/>
+              <dgm:constr type="rMarg" refType="secFontSz" fact="0.15"/>
+            </dgm:constrLst>
+            <dgm:ruleLst>
+              <dgm:rule type="secFontSz" val="5" fact="NaN" max="NaN"/>
+            </dgm:ruleLst>
+          </dgm:layoutNode>
+          <dgm:layoutNode name="parentNode1" styleLbl="node1">
+            <dgm:varLst>
+              <dgm:chMax val="1"/>
+              <dgm:bulletEnabled val="1"/>
+            </dgm:varLst>
+            <dgm:alg type="tx"/>
+            <dgm:shape xmlns:r="http://schemas.openxmlformats.org/officeDocument/2006/relationships" type="roundRect" r:blip="">
+              <dgm:adjLst>
+                <dgm:adj idx="1" val="0.1"/>
+              </dgm:adjLst>
+            </dgm:shape>
+            <dgm:presOf axis="self"/>
+            <dgm:constrLst>
+              <dgm:constr type="tMarg" refType="primFontSz" fact="0.1"/>
+              <dgm:constr type="bMarg" refType="primFontSz" fact="0.1"/>
+              <dgm:constr type="lMarg" refType="primFontSz" fact="0.15"/>
+              <dgm:constr type="rMarg" refType="primFontSz" fact="0.15"/>
+            </dgm:constrLst>
+            <dgm:ruleLst>
+              <dgm:rule type="primFontSz" val="5" fact="NaN" max="NaN"/>
+            </dgm:ruleLst>
+          </dgm:layoutNode>
+          <dgm:layoutNode name="connSite1" moveWith="childNode1">
+            <dgm:alg type="sp"/>
+            <dgm:shape xmlns:r="http://schemas.openxmlformats.org/officeDocument/2006/relationships" r:blip="">
+              <dgm:adjLst/>
+            </dgm:shape>
+            <dgm:presOf/>
+            <dgm:constrLst/>
+            <dgm:ruleLst/>
+          </dgm:layoutNode>
+        </dgm:layoutNode>
+        <dgm:forEach name="Name8" axis="followSib" ptType="sibTrans" cnt="1">
+          <dgm:layoutNode name="Name9">
+            <dgm:alg type="conn">
+              <dgm:param type="connRout" val="curve"/>
+              <dgm:param type="srcNode" val="parentNode1"/>
+              <dgm:param type="dstNode" val="connSite2"/>
+              <dgm:param type="begPts" val="bCtr"/>
+              <dgm:param type="endPts" val="bCtr"/>
+            </dgm:alg>
+            <dgm:shape xmlns:r="http://schemas.openxmlformats.org/officeDocument/2006/relationships" type="conn" r:blip="" zOrderOff="-2">
+              <dgm:adjLst/>
+            </dgm:shape>
+            <dgm:presOf axis="self"/>
+            <dgm:choose name="Name10">
+              <dgm:if name="Name11" func="var" arg="dir" op="equ" val="norm">
+                <dgm:constrLst>
+                  <dgm:constr type="h" refType="w" fact="0.35"/>
+                  <dgm:constr type="wArH" refType="h"/>
+                  <dgm:constr type="hArH" refType="h"/>
+                  <dgm:constr type="connDist"/>
+                  <dgm:constr type="diam" refType="connDist" fact="-1.15"/>
+                  <dgm:constr type="begPad"/>
+                  <dgm:constr type="endPad"/>
+                </dgm:constrLst>
+              </dgm:if>
+              <dgm:else name="Name12">
+                <dgm:constrLst>
+                  <dgm:constr type="h" refType="w" fact="0.35"/>
+                  <dgm:constr type="wArH" refType="h"/>
+                  <dgm:constr type="hArH" refType="h"/>
+                  <dgm:constr type="connDist"/>
+                  <dgm:constr type="diam" refType="connDist" fact="1.15"/>
+                  <dgm:constr type="begPad"/>
+                  <dgm:constr type="endPad"/>
+                </dgm:constrLst>
+              </dgm:else>
+            </dgm:choose>
+            <dgm:ruleLst/>
+          </dgm:layoutNode>
+        </dgm:forEach>
+        <dgm:forEach name="Name13" axis="followSib" ptType="node" cnt="1">
+          <dgm:layoutNode name="composite2">
+            <dgm:alg type="composite">
+              <dgm:param type="ar" val="0.943"/>
+            </dgm:alg>
+            <dgm:shape xmlns:r="http://schemas.openxmlformats.org/officeDocument/2006/relationships" r:blip="">
+              <dgm:adjLst/>
+            </dgm:shape>
+            <dgm:presOf/>
+            <dgm:choose name="Name14">
+              <dgm:if name="Name15" func="var" arg="dir" op="equ" val="norm">
+                <dgm:constrLst>
+                  <dgm:constr type="h" refType="w" fact="1.06"/>
+                  <dgm:constr type="w" for="ch" forName="dummyNode2" refType="w"/>
+                  <dgm:constr type="h" for="ch" forName="dummyNode2" refType="h"/>
+                  <dgm:constr type="t" for="ch" forName="dummyNode2"/>
+                  <dgm:constr type="l" for="ch" forName="dummyNode2"/>
+                  <dgm:constr type="w" for="ch" forName="childNode2" refType="w" fact="0.9"/>
+                  <dgm:constr type="h" for="ch" forName="childNode2" refType="h" fact="0.7"/>
+                  <dgm:constr type="t" for="ch" forName="childNode2" refType="h" fact="0.15"/>
+                  <dgm:constr type="l" for="ch" forName="childNode2"/>
+                  <dgm:constr type="w" for="ch" forName="childNode2tx" refType="w" fact="0.9"/>
+                  <dgm:constr type="h" for="ch" forName="childNode2tx" refType="h" fact="0.55"/>
+                  <dgm:constr type="t" for="ch" forName="childNode2tx" refType="h" fact="0.3"/>
+                  <dgm:constr type="l" for="ch" forName="childNode2tx"/>
+                  <dgm:constr type="w" for="ch" forName="parentNode2" refType="w" fact="0.8"/>
+                  <dgm:constr type="h" for="ch" forName="parentNode2" refType="h" fact="0.3"/>
+                  <dgm:constr type="t" for="ch" forName="parentNode2"/>
+                  <dgm:constr type="l" for="ch" forName="parentNode2" refType="w" fact="0.2"/>
+                  <dgm:constr type="w" for="ch" forName="connSite2" refType="w" fact="0.01"/>
+                  <dgm:constr type="h" for="ch" forName="connSite2" refType="h" fact="0.01"/>
+                  <dgm:constr type="t" for="ch" forName="connSite2" refType="h" fact="0.99"/>
+                  <dgm:constr type="l" for="ch" forName="connSite2" refType="w" fact="0.25"/>
+                </dgm:constrLst>
+              </dgm:if>
+              <dgm:else name="Name16">
+                <dgm:constrLst>
+                  <dgm:constr type="h" refType="w" fact="1.06"/>
+                  <dgm:constr type="w" for="ch" forName="dummyNode2" refType="w"/>
+                  <dgm:constr type="h" for="ch" forName="dummyNode2" refType="h"/>
+                  <dgm:constr type="t" for="ch" forName="dummyNode2"/>
+                  <dgm:constr type="l" for="ch" forName="dummyNode2"/>
+                  <dgm:constr type="w" for="ch" forName="childNode2" refType="w" fact="0.9"/>
+                  <dgm:constr type="h" for="ch" forName="childNode2" refType="h" fact="0.7"/>
+                  <dgm:constr type="t" for="ch" forName="childNode2" refType="h" fact="0.15"/>
+                  <dgm:constr type="l" for="ch" forName="childNode2" refType="w" fact="0.1"/>
+                  <dgm:constr type="w" for="ch" forName="childNode2tx" refType="w" fact="0.9"/>
+                  <dgm:constr type="h" for="ch" forName="childNode2tx" refType="h" fact="0.55"/>
+                  <dgm:constr type="t" for="ch" forName="childNode2tx" refType="h" fact="0.3"/>
+                  <dgm:constr type="l" for="ch" forName="childNode2tx" refType="w" fact="0.1"/>
+                  <dgm:constr type="w" for="ch" forName="parentNode2" refType="w" fact="0.8"/>
+                  <dgm:constr type="h" for="ch" forName="parentNode2" refType="h" fact="0.3"/>
+                  <dgm:constr type="t" for="ch" forName="parentNode2"/>
+                  <dgm:constr type="l" for="ch" forName="parentNode2"/>
+                  <dgm:constr type="w" for="ch" forName="connSite2" refType="w" fact="0.01"/>
+                  <dgm:constr type="h" for="ch" forName="connSite2" refType="h" fact="0.01"/>
+                  <dgm:constr type="t" for="ch" forName="connSite2" refType="h" fact="0.99"/>
+                  <dgm:constr type="l" for="ch" forName="connSite2" refType="w" fact="0.85"/>
+                </dgm:constrLst>
+              </dgm:else>
+            </dgm:choose>
+            <dgm:ruleLst/>
+            <dgm:layoutNode name="dummyNode2">
+              <dgm:alg type="sp"/>
+              <dgm:shape xmlns:r="http://schemas.openxmlformats.org/officeDocument/2006/relationships" type="rect" r:blip="" hideGeom="1">
+                <dgm:adjLst/>
+              </dgm:shape>
+              <dgm:presOf/>
+              <dgm:constrLst/>
+              <dgm:ruleLst/>
+            </dgm:layoutNode>
+            <dgm:layoutNode name="childNode2" styleLbl="bgAcc1">
+              <dgm:varLst>
+                <dgm:bulletEnabled val="1"/>
+              </dgm:varLst>
+              <dgm:alg type="sp"/>
+              <dgm:shape xmlns:r="http://schemas.openxmlformats.org/officeDocument/2006/relationships" type="roundRect" r:blip="">
+                <dgm:adjLst>
+                  <dgm:adj idx="1" val="0.1"/>
+                </dgm:adjLst>
+              </dgm:shape>
+              <dgm:presOf axis="des" ptType="node"/>
+              <dgm:constrLst/>
+              <dgm:ruleLst/>
+            </dgm:layoutNode>
+            <dgm:layoutNode name="childNode2tx" styleLbl="bgAcc1">
+              <dgm:varLst>
+                <dgm:bulletEnabled val="1"/>
+              </dgm:varLst>
+              <dgm:alg type="tx">
+                <dgm:param type="stBulletLvl" val="1"/>
+              </dgm:alg>
+              <dgm:shape xmlns:r="http://schemas.openxmlformats.org/officeDocument/2006/relationships" type="roundRect" r:blip="" hideGeom="1">
+                <dgm:adjLst>
+                  <dgm:adj idx="1" val="0.1"/>
+                </dgm:adjLst>
+              </dgm:shape>
+              <dgm:presOf axis="des" ptType="node"/>
+              <dgm:constrLst>
+                <dgm:constr type="secFontSz" val="65"/>
+                <dgm:constr type="primFontSz" refType="secFontSz"/>
+                <dgm:constr type="tMarg" refType="secFontSz" fact="0.15"/>
+                <dgm:constr type="bMarg" refType="secFontSz" fact="0.15"/>
+                <dgm:constr type="lMarg" refType="secFontSz" fact="0.15"/>
+                <dgm:constr type="rMarg" refType="secFontSz" fact="0.15"/>
+              </dgm:constrLst>
+              <dgm:ruleLst>
+                <dgm:rule type="secFontSz" val="5" fact="NaN" max="NaN"/>
+              </dgm:ruleLst>
+            </dgm:layoutNode>
+            <dgm:layoutNode name="parentNode2" styleLbl="node1">
+              <dgm:varLst>
+                <dgm:chMax val="0"/>
+                <dgm:bulletEnabled val="1"/>
+              </dgm:varLst>
+              <dgm:alg type="tx"/>
+              <dgm:shape xmlns:r="http://schemas.openxmlformats.org/officeDocument/2006/relationships" type="roundRect" r:blip="">
+                <dgm:adjLst>
+                  <dgm:adj idx="1" val="0.1"/>
+                </dgm:adjLst>
+              </dgm:shape>
+              <dgm:presOf axis="self"/>
+              <dgm:constrLst>
+                <dgm:constr type="tMarg" refType="primFontSz" fact="0.1"/>
+                <dgm:constr type="bMarg" refType="primFontSz" fact="0.1"/>
+                <dgm:constr type="lMarg" refType="primFontSz" fact="0.15"/>
+                <dgm:constr type="rMarg" refType="primFontSz" fact="0.15"/>
+              </dgm:constrLst>
+              <dgm:ruleLst>
+                <dgm:rule type="primFontSz" val="5" fact="NaN" max="NaN"/>
+              </dgm:ruleLst>
+            </dgm:layoutNode>
+            <dgm:layoutNode name="connSite2" moveWith="childNode2">
+              <dgm:alg type="sp"/>
+              <dgm:shape xmlns:r="http://schemas.openxmlformats.org/officeDocument/2006/relationships" r:blip="">
+                <dgm:adjLst/>
+              </dgm:shape>
+              <dgm:presOf/>
+              <dgm:constrLst/>
+              <dgm:ruleLst/>
+            </dgm:layoutNode>
+          </dgm:layoutNode>
+          <dgm:forEach name="Name17" axis="followSib" ptType="sibTrans" cnt="1">
+            <dgm:layoutNode name="Name18">
+              <dgm:alg type="conn">
+                <dgm:param type="connRout" val="curve"/>
+                <dgm:param type="srcNode" val="parentNode2"/>
+                <dgm:param type="dstNode" val="connSite1"/>
+                <dgm:param type="begPts" val="tCtr"/>
+                <dgm:param type="endPts" val="tCtr"/>
+              </dgm:alg>
+              <dgm:shape xmlns:r="http://schemas.openxmlformats.org/officeDocument/2006/relationships" type="conn" r:blip="" zOrderOff="-2">
+                <dgm:adjLst/>
+              </dgm:shape>
+              <dgm:presOf axis="self"/>
+              <dgm:choose name="Name19">
+                <dgm:if name="Name20" func="var" arg="dir" op="equ" val="norm">
+                  <dgm:constrLst>
+                    <dgm:constr type="h" refType="w" fact="0.35"/>
+                    <dgm:constr type="wArH" refType="h"/>
+                    <dgm:constr type="hArH" refType="h"/>
+                    <dgm:constr type="connDist"/>
+                    <dgm:constr type="diam" refType="connDist" fact="1.15"/>
+                    <dgm:constr type="begPad"/>
+                    <dgm:constr type="endPad"/>
+                  </dgm:constrLst>
+                </dgm:if>
+                <dgm:else name="Name21">
+                  <dgm:constrLst>
+                    <dgm:constr type="h" refType="w" fact="0.35"/>
+                    <dgm:constr type="wArH" refType="h"/>
+                    <dgm:constr type="hArH" refType="h"/>
+                    <dgm:constr type="connDist"/>
+                    <dgm:constr type="diam" refType="connDist" fact="-1.15"/>
+                    <dgm:constr type="begPad"/>
+                    <dgm:constr type="endPad"/>
+                  </dgm:constrLst>
+                </dgm:else>
+              </dgm:choose>
+              <dgm:ruleLst/>
+            </dgm:layoutNode>
+          </dgm:forEach>
+        </dgm:forEach>
+      </dgm:forEach>
+    </dgm:layoutNode>
+  </dgm:layoutNode>
+</dgm:layoutDef>
+</file>
+
+<file path=ppt/diagrams/quickStyle1.xml><?xml version="1.0" encoding="utf-8"?>
+<dgm:styleDef xmlns:dgm="http://schemas.openxmlformats.org/drawingml/2006/diagram" xmlns:a="http://schemas.openxmlformats.org/drawingml/2006/main" uniqueId="urn:microsoft.com/office/officeart/2005/8/quickstyle/simple4">
+  <dgm:title val=""/>
+  <dgm:desc val=""/>
+  <dgm:catLst>
+    <dgm:cat type="simple" pri="10400"/>
+  </dgm:catLst>
+  <dgm:scene3d>
+    <a:camera prst="orthographicFront"/>
+    <a:lightRig rig="threePt" dir="t"/>
+  </dgm:scene3d>
+  <dgm:styleLbl name="node0">
+    <dgm:scene3d>
+      <a:camera prst="orthographicFront"/>
+      <a:lightRig rig="threePt" dir="t"/>
+    </dgm:scene3d>
+    <dgm:sp3d/>
+    <dgm:txPr/>
+    <dgm:style>
+      <a:lnRef idx="0">
+        <a:scrgbClr r="0" g="0" b="0"/>
+      </a:lnRef>
+      <a:fillRef idx="3">
+        <a:scrgbClr r="0" g="0" b="0"/>
+      </a:fillRef>
+      <a:effectRef idx="2">
+        <a:scrgbClr r="0" g="0" b="0"/>
+      </a:effectRef>
+      <a:fontRef idx="minor">
+        <a:schemeClr val="lt1"/>
+      </a:fontRef>
+    </dgm:style>
+  </dgm:styleLbl>
+  <dgm:styleLbl name="lnNode1">
+    <dgm:scene3d>
+      <a:camera prst="orthographicFront"/>
+      <a:lightRig rig="threePt" dir="t"/>
+    </dgm:scene3d>
+    <dgm:sp3d/>
+    <dgm:txPr/>
+    <dgm:style>
+      <a:lnRef idx="1">
+        <a:scrgbClr r="0" g="0" b="0"/>
+      </a:lnRef>
+      <a:fillRef idx="3">
+        <a:scrgbClr r="0" g="0" b="0"/>
+      </a:fillRef>
+      <a:effectRef idx="2">
+        <a:scrgbClr r="0" g="0" b="0"/>
+      </a:effectRef>
+      <a:fontRef idx="minor">
+        <a:schemeClr val="lt1"/>
+      </a:fontRef>
+    </dgm:style>
+  </dgm:styleLbl>
+  <dgm:styleLbl name="vennNode1">
+    <dgm:scene3d>
+      <a:camera prst="orthographicFront"/>
+      <a:lightRig rig="threePt" dir="t"/>
+    </dgm:scene3d>
+    <dgm:sp3d/>
+    <dgm:txPr/>
+    <dgm:style>
+      <a:lnRef idx="0">
+        <a:scrgbClr r="0" g="0" b="0"/>
+      </a:lnRef>
+      <a:fillRef idx="3">
+        <a:scrgbClr r="0" g="0" b="0"/>
+      </a:fillRef>
+      <a:effectRef idx="0">
+        <a:scrgbClr r="0" g="0" b="0"/>
+      </a:effectRef>
+      <a:fontRef idx="minor">
+        <a:schemeClr val="tx1"/>
+      </a:fontRef>
+    </dgm:style>
+  </dgm:styleLbl>
+  <dgm:styleLbl name="alignNode1">
+    <dgm:scene3d>
+      <a:camera prst="orthographicFront"/>
+      <a:lightRig rig="threePt" dir="t"/>
+    </dgm:scene3d>
+    <dgm:sp3d/>
+    <dgm:txPr/>
+    <dgm:style>
+      <a:lnRef idx="1">
+        <a:scrgbClr r="0" g="0" b="0"/>
+      </a:lnRef>
+      <a:fillRef idx="3">
+        <a:scrgbClr r="0" g="0" b="0"/>
+      </a:fillRef>
+      <a:effectRef idx="2">
+        <a:scrgbClr r="0" g="0" b="0"/>
+      </a:effectRef>
+      <a:fontRef idx="minor">
+        <a:schemeClr val="lt1"/>
+      </a:fontRef>
+    </dgm:style>
+  </dgm:styleLbl>
+  <dgm:styleLbl name="node1">
+    <dgm:scene3d>
+      <a:camera prst="orthographicFront"/>
+      <a:lightRig rig="threePt" dir="t"/>
+    </dgm:scene3d>
+    <dgm:sp3d/>
+    <dgm:txPr/>
+    <dgm:style>
+      <a:lnRef idx="0">
+        <a:scrgbClr r="0" g="0" b="0"/>
+      </a:lnRef>
+      <a:fillRef idx="3">
+        <a:scrgbClr r="0" g="0" b="0"/>
+      </a:fillRef>
+      <a:effectRef idx="2">
+        <a:scrgbClr r="0" g="0" b="0"/>
+      </a:effectRef>
+      <a:fontRef idx="minor">
+        <a:schemeClr val="lt1"/>
+      </a:fontRef>
+    </dgm:style>
+  </dgm:styleLbl>
+  <dgm:styleLbl name="node2">
+    <dgm:scene3d>
+      <a:camera prst="orthographicFront"/>
+      <a:lightRig rig="threePt" dir="t"/>
+    </dgm:scene3d>
+    <dgm:sp3d/>
+    <dgm:txPr/>
+    <dgm:style>
+      <a:lnRef idx="0">
+        <a:scrgbClr r="0" g="0" b="0"/>
+      </a:lnRef>
+      <a:fillRef idx="3">
+        <a:scrgbClr r="0" g="0" b="0"/>
+      </a:fillRef>
+      <a:effectRef idx="2">
+        <a:scrgbClr r="0" g="0" b="0"/>
+      </a:effectRef>
+      <a:fontRef idx="minor">
+        <a:schemeClr val="lt1"/>
+      </a:fontRef>
+    </dgm:style>
+  </dgm:styleLbl>
+  <dgm:styleLbl name="node3">
+    <dgm:scene3d>
+      <a:camera prst="orthographicFront"/>
+      <a:lightRig rig="threePt" dir="t"/>
+    </dgm:scene3d>
+    <dgm:sp3d/>
+    <dgm:txPr/>
+    <dgm:style>
+      <a:lnRef idx="0">
+        <a:scrgbClr r="0" g="0" b="0"/>
+      </a:lnRef>
+      <a:fillRef idx="3">
+        <a:scrgbClr r="0" g="0" b="0"/>
+      </a:fillRef>
+      <a:effectRef idx="2">
+        <a:scrgbClr r="0" g="0" b="0"/>
+      </a:effectRef>
+      <a:fontRef idx="minor">
+        <a:schemeClr val="lt1"/>
+      </a:fontRef>
+    </dgm:style>
+  </dgm:styleLbl>
+  <dgm:styleLbl name="node4">
+    <dgm:scene3d>
+      <a:camera prst="orthographicFront"/>
+      <a:lightRig rig="threePt" dir="t"/>
+    </dgm:scene3d>
+    <dgm:sp3d/>
+    <dgm:txPr/>
+    <dgm:style>
+      <a:lnRef idx="0">
+        <a:scrgbClr r="0" g="0" b="0"/>
+      </a:lnRef>
+      <a:fillRef idx="3">
+        <a:scrgbClr r="0" g="0" b="0"/>
+      </a:fillRef>
+      <a:effectRef idx="2">
+        <a:scrgbClr r="0" g="0" b="0"/>
+      </a:effectRef>
+      <a:fontRef idx="minor">
+        <a:schemeClr val="lt1"/>
+      </a:fontRef>
+    </dgm:style>
+  </dgm:styleLbl>
+  <dgm:styleLbl name="fgImgPlace1">
+    <dgm:scene3d>
+      <a:camera prst="orthographicFront"/>
+      <a:lightRig rig="threePt" dir="t"/>
+    </dgm:scene3d>
+    <dgm:sp3d/>
+    <dgm:txPr/>
+    <dgm:style>
+      <a:lnRef idx="0">
+        <a:scrgbClr r="0" g="0" b="0"/>
+      </a:lnRef>
+      <a:fillRef idx="1">
+        <a:scrgbClr r="0" g="0" b="0"/>
+      </a:fillRef>
+      <a:effectRef idx="2">
+        <a:scrgbClr r="0" g="0" b="0"/>
+      </a:effectRef>
+      <a:fontRef idx="minor"/>
+    </dgm:style>
+  </dgm:styleLbl>
+  <dgm:styleLbl name="alignImgPlace1">
+    <dgm:scene3d>
+      <a:camera prst="orthographicFront"/>
+      <a:lightRig rig="threePt" dir="t"/>
+    </dgm:scene3d>
+    <dgm:sp3d/>
+    <dgm:txPr/>
+    <dgm:style>
+      <a:lnRef idx="0">
+        <a:scrgbClr r="0" g="0" b="0"/>
+      </a:lnRef>
+      <a:fillRef idx="1">
+        <a:scrgbClr r="0" g="0" b="0"/>
+      </a:fillRef>
+      <a:effectRef idx="2">
+        <a:scrgbClr r="0" g="0" b="0"/>
+      </a:effectRef>
+      <a:fontRef idx="minor"/>
+    </dgm:style>
+  </dgm:styleLbl>
+  <dgm:styleLbl name="bgImgPlace1">
+    <dgm:scene3d>
+      <a:camera prst="orthographicFront"/>
+      <a:lightRig rig="threePt" dir="t"/>
+    </dgm:scene3d>
+    <dgm:sp3d/>
+    <dgm:txPr/>
+    <dgm:style>
+      <a:lnRef idx="0">
+        <a:scrgbClr r="0" g="0" b="0"/>
+      </a:lnRef>
+      <a:fillRef idx="1">
+        <a:scrgbClr r="0" g="0" b="0"/>
+      </a:fillRef>
+      <a:effectRef idx="2">
+        <a:scrgbClr r="0" g="0" b="0"/>
+      </a:effectRef>
+      <a:fontRef idx="minor"/>
+    </dgm:style>
+  </dgm:styleLbl>
+  <dgm:styleLbl name="sibTrans2D1">
+    <dgm:scene3d>
+      <a:camera prst="orthographicFront"/>
+      <a:lightRig rig="threePt" dir="t"/>
+    </dgm:scene3d>
+    <dgm:sp3d/>
+    <dgm:txPr/>
+    <dgm:style>
+      <a:lnRef idx="0">
+        <a:scrgbClr r="0" g="0" b="0"/>
+      </a:lnRef>
+      <a:fillRef idx="3">
+        <a:scrgbClr r="0" g="0" b="0"/>
+      </a:fillRef>
+      <a:effectRef idx="2">
+        <a:scrgbClr r="0" g="0" b="0"/>
+      </a:effectRef>
+      <a:fontRef idx="minor">
+        <a:schemeClr val="lt1"/>
+      </a:fontRef>
+    </dgm:style>
+  </dgm:styleLbl>
+  <dgm:styleLbl name="fgSibTrans2D1">
+    <dgm:scene3d>
+      <a:camera prst="orthographicFront"/>
+      <a:lightRig rig="threePt" dir="t"/>
+    </dgm:scene3d>
+    <dgm:sp3d/>
+    <dgm:txPr/>
+    <dgm:style>
+      <a:lnRef idx="0">
+        <a:scrgbClr r="0" g="0" b="0"/>
+      </a:lnRef>
+      <a:fillRef idx="3">
+        <a:scrgbClr r="0" g="0" b="0"/>
+      </a:fillRef>
+      <a:effectRef idx="2">
+        <a:scrgbClr r="0" g="0" b="0"/>
+      </a:effectRef>
+      <a:fontRef idx="minor">
+        <a:schemeClr val="lt1"/>
+      </a:fontRef>
+    </dgm:style>
+  </dgm:styleLbl>
+  <dgm:styleLbl name="bgSibTrans2D1">
+    <dgm:scene3d>
+      <a:camera prst="orthographicFront"/>
+      <a:lightRig rig="threePt" dir="t"/>
+    </dgm:scene3d>
+    <dgm:sp3d/>
+    <dgm:txPr/>
+    <dgm:style>
+      <a:lnRef idx="0">
+        <a:scrgbClr r="0" g="0" b="0"/>
+      </a:lnRef>
+      <a:fillRef idx="3">
+        <a:scrgbClr r="0" g="0" b="0"/>
+      </a:fillRef>
+      <a:effectRef idx="2">
+        <a:scrgbClr r="0" g="0" b="0"/>
+      </a:effectRef>
+      <a:fontRef idx="minor">
+        <a:schemeClr val="lt1"/>
+      </a:fontRef>
+    </dgm:style>
+  </dgm:styleLbl>
+  <dgm:styleLbl name="sibTrans1D1">
+    <dgm:scene3d>
+      <a:camera prst="orthographicFront"/>
+      <a:lightRig rig="threePt" dir="t"/>
+    </dgm:scene3d>
+    <dgm:sp3d/>
+    <dgm:txPr/>
+    <dgm:style>
+      <a:lnRef idx="1">
+        <a:scrgbClr r="0" g="0" b="0"/>
+      </a:lnRef>
+      <a:fillRef idx="0">
+        <a:scrgbClr r="0" g="0" b="0"/>
+      </a:fillRef>
+      <a:effectRef idx="0">
+        <a:scrgbClr r="0" g="0" b="0"/>
+      </a:effectRef>
+      <a:fontRef idx="minor"/>
+    </dgm:style>
+  </dgm:styleLbl>
+  <dgm:styleLbl name="callout">
+    <dgm:scene3d>
+      <a:camera prst="orthographicFront"/>
+      <a:lightRig rig="threePt" dir="t"/>
+    </dgm:scene3d>
+    <dgm:sp3d/>
+    <dgm:txPr/>
+    <dgm:style>
+      <a:lnRef idx="2">
+        <a:scrgbClr r="0" g="0" b="0"/>
+      </a:lnRef>
+      <a:fillRef idx="1">
+        <a:scrgbClr r="0" g="0" b="0"/>
+      </a:fillRef>
+      <a:effectRef idx="1">
+        <a:scrgbClr r="0" g="0" b="0"/>
+      </a:effectRef>
+      <a:fontRef idx="minor"/>
+    </dgm:style>
+  </dgm:styleLbl>
+  <dgm:styleLbl name="asst0">
+    <dgm:scene3d>
+      <a:camera prst="orthographicFront"/>
+      <a:lightRig rig="threePt" dir="t"/>
+    </dgm:scene3d>
+    <dgm:sp3d/>
+    <dgm:txPr/>
+    <dgm:style>
+      <a:lnRef idx="0">
+        <a:scrgbClr r="0" g="0" b="0"/>
+      </a:lnRef>
+      <a:fillRef idx="3">
+        <a:scrgbClr r="0" g="0" b="0"/>
+      </a:fillRef>
+      <a:effectRef idx="2">
+        <a:scrgbClr r="0" g="0" b="0"/>
+      </a:effectRef>
+      <a:fontRef idx="minor">
+        <a:schemeClr val="lt1"/>
+      </a:fontRef>
+    </dgm:style>
+  </dgm:styleLbl>
+  <dgm:styleLbl name="asst1">
+    <dgm:scene3d>
+      <a:camera prst="orthographicFront"/>
+      <a:lightRig rig="threePt" dir="t"/>
+    </dgm:scene3d>
+    <dgm:sp3d/>
+    <dgm:txPr/>
+    <dgm:style>
+      <a:lnRef idx="0">
+        <a:scrgbClr r="0" g="0" b="0"/>
+      </a:lnRef>
+      <a:fillRef idx="3">
+        <a:scrgbClr r="0" g="0" b="0"/>
+      </a:fillRef>
+      <a:effectRef idx="2">
+        <a:scrgbClr r="0" g="0" b="0"/>
+      </a:effectRef>
+      <a:fontRef idx="minor">
+        <a:schemeClr val="lt1"/>
+      </a:fontRef>
+    </dgm:style>
+  </dgm:styleLbl>
+  <dgm:styleLbl name="asst2">
+    <dgm:scene3d>
+      <a:camera prst="orthographicFront"/>
+      <a:lightRig rig="threePt" dir="t"/>
+    </dgm:scene3d>
+    <dgm:sp3d/>
+    <dgm:txPr/>
+    <dgm:style>
+      <a:lnRef idx="0">
+        <a:scrgbClr r="0" g="0" b="0"/>
+      </a:lnRef>
+      <a:fillRef idx="3">
+        <a:scrgbClr r="0" g="0" b="0"/>
+      </a:fillRef>
+      <a:effectRef idx="2">
+        <a:scrgbClr r="0" g="0" b="0"/>
+      </a:effectRef>
+      <a:fontRef idx="minor">
+        <a:schemeClr val="lt1"/>
+      </a:fontRef>
+    </dgm:style>
+  </dgm:styleLbl>
+  <dgm:styleLbl name="asst3">
+    <dgm:scene3d>
+      <a:camera prst="orthographicFront"/>
+      <a:lightRig rig="threePt" dir="t"/>
+    </dgm:scene3d>
+    <dgm:sp3d/>
+    <dgm:txPr/>
+    <dgm:style>
+      <a:lnRef idx="0">
+        <a:scrgbClr r="0" g="0" b="0"/>
+      </a:lnRef>
+      <a:fillRef idx="3">
+        <a:scrgbClr r="0" g="0" b="0"/>
+      </a:fillRef>
+      <a:effectRef idx="2">
+        <a:scrgbClr r="0" g="0" b="0"/>
+      </a:effectRef>
+      <a:fontRef idx="minor">
+        <a:schemeClr val="lt1"/>
+      </a:fontRef>
+    </dgm:style>
+  </dgm:styleLbl>
+  <dgm:styleLbl name="asst4">
+    <dgm:scene3d>
+      <a:camera prst="orthographicFront"/>
+      <a:lightRig rig="threePt" dir="t"/>
+    </dgm:scene3d>
+    <dgm:sp3d/>
+    <dgm:txPr/>
+    <dgm:style>
+      <a:lnRef idx="0">
+        <a:scrgbClr r="0" g="0" b="0"/>
+      </a:lnRef>
+      <a:fillRef idx="3">
+        <a:scrgbClr r="0" g="0" b="0"/>
+      </a:fillRef>
+      <a:effectRef idx="2">
+        <a:scrgbClr r="0" g="0" b="0"/>
+      </a:effectRef>
+      <a:fontRef idx="minor">
+        <a:schemeClr val="lt1"/>
+      </a:fontRef>
+    </dgm:style>
+  </dgm:styleLbl>
+  <dgm:styleLbl name="parChTrans2D1">
+    <dgm:scene3d>
+      <a:camera prst="orthographicFront"/>
+      <a:lightRig rig="threePt" dir="t"/>
+    </dgm:scene3d>
+    <dgm:sp3d/>
+    <dgm:txPr/>
+    <dgm:style>
+      <a:lnRef idx="0">
+        <a:scrgbClr r="0" g="0" b="0"/>
+      </a:lnRef>
+      <a:fillRef idx="3">
+        <a:scrgbClr r="0" g="0" b="0"/>
+      </a:fillRef>
+      <a:effectRef idx="2">
+        <a:scrgbClr r="0" g="0" b="0"/>
+      </a:effectRef>
+      <a:fontRef idx="minor">
+        <a:schemeClr val="lt1"/>
+      </a:fontRef>
+    </dgm:style>
+  </dgm:styleLbl>
+  <dgm:styleLbl name="parChTrans2D2">
+    <dgm:scene3d>
+      <a:camera prst="orthographicFront"/>
+      <a:lightRig rig="threePt" dir="t"/>
+    </dgm:scene3d>
+    <dgm:sp3d/>
+    <dgm:txPr/>
+    <dgm:style>
+      <a:lnRef idx="0">
+        <a:scrgbClr r="0" g="0" b="0"/>
+      </a:lnRef>
+      <a:fillRef idx="3">
+        <a:scrgbClr r="0" g="0" b="0"/>
+      </a:fillRef>
+      <a:effectRef idx="2">
+        <a:scrgbClr r="0" g="0" b="0"/>
+      </a:effectRef>
+      <a:fontRef idx="minor">
+        <a:schemeClr val="lt1"/>
+      </a:fontRef>
+    </dgm:style>
+  </dgm:styleLbl>
+  <dgm:styleLbl name="parChTrans2D3">
+    <dgm:scene3d>
+      <a:camera prst="orthographicFront"/>
+      <a:lightRig rig="threePt" dir="t"/>
+    </dgm:scene3d>
+    <dgm:sp3d/>
+    <dgm:txPr/>
+    <dgm:style>
+      <a:lnRef idx="1">
+        <a:scrgbClr r="0" g="0" b="0"/>
+      </a:lnRef>
+      <a:fillRef idx="3">
+        <a:scrgbClr r="0" g="0" b="0"/>
+      </a:fillRef>
+      <a:effectRef idx="2">
+        <a:scrgbClr r="0" g="0" b="0"/>
+      </a:effectRef>
+      <a:fontRef idx="minor">
+        <a:schemeClr val="lt1"/>
+      </a:fontRef>
+    </dgm:style>
+  </dgm:styleLbl>
+  <dgm:styleLbl name="parChTrans2D4">
+    <dgm:scene3d>
+      <a:camera prst="orthographicFront"/>
+      <a:lightRig rig="threePt" dir="t"/>
+    </dgm:scene3d>
+    <dgm:sp3d/>
+    <dgm:txPr/>
+    <dgm:style>
+      <a:lnRef idx="1">
+        <a:scrgbClr r="0" g="0" b="0"/>
+      </a:lnRef>
+      <a:fillRef idx="3">
+        <a:scrgbClr r="0" g="0" b="0"/>
+      </a:fillRef>
+      <a:effectRef idx="2">
+        <a:scrgbClr r="0" g="0" b="0"/>
+      </a:effectRef>
+      <a:fontRef idx="minor">
+        <a:schemeClr val="lt1"/>
+      </a:fontRef>
+    </dgm:style>
+  </dgm:styleLbl>
+  <dgm:styleLbl name="parChTrans1D1">
+    <dgm:scene3d>
+      <a:camera prst="orthographicFront"/>
+      <a:lightRig rig="threePt" dir="t"/>
+    </dgm:scene3d>
+    <dgm:sp3d/>
+    <dgm:txPr/>
+    <dgm:style>
+      <a:lnRef idx="1">
+        <a:scrgbClr r="0" g="0" b="0"/>
+      </a:lnRef>
+      <a:fillRef idx="0">
+        <a:scrgbClr r="0" g="0" b="0"/>
+      </a:fillRef>
+      <a:effectRef idx="0">
+        <a:scrgbClr r="0" g="0" b="0"/>
+      </a:effectRef>
+      <a:fontRef idx="minor"/>
+    </dgm:style>
+  </dgm:styleLbl>
+  <dgm:styleLbl name="parChTrans1D2">
+    <dgm:scene3d>
+      <a:camera prst="orthographicFront"/>
+      <a:lightRig rig="threePt" dir="t"/>
+    </dgm:scene3d>
+    <dgm:sp3d/>
+    <dgm:txPr/>
+    <dgm:style>
+      <a:lnRef idx="1">
+        <a:scrgbClr r="0" g="0" b="0"/>
+      </a:lnRef>
+      <a:fillRef idx="0">
+        <a:scrgbClr r="0" g="0" b="0"/>
+      </a:fillRef>
+      <a:effectRef idx="0">
+        <a:scrgbClr r="0" g="0" b="0"/>
+      </a:effectRef>
+      <a:fontRef idx="minor"/>
+    </dgm:style>
+  </dgm:styleLbl>
+  <dgm:styleLbl name="parChTrans1D3">
+    <dgm:scene3d>
+      <a:camera prst="orthographicFront"/>
+      <a:lightRig rig="threePt" dir="t"/>
+    </dgm:scene3d>
+    <dgm:sp3d/>
+    <dgm:txPr/>
+    <dgm:style>
+      <a:lnRef idx="1">
+        <a:scrgbClr r="0" g="0" b="0"/>
+      </a:lnRef>
+      <a:fillRef idx="0">
+        <a:scrgbClr r="0" g="0" b="0"/>
+      </a:fillRef>
+      <a:effectRef idx="0">
+        <a:scrgbClr r="0" g="0" b="0"/>
+      </a:effectRef>
+      <a:fontRef idx="minor"/>
+    </dgm:style>
+  </dgm:styleLbl>
+  <dgm:styleLbl name="parChTrans1D4">
+    <dgm:scene3d>
+      <a:camera prst="orthographicFront"/>
+      <a:lightRig rig="threePt" dir="t"/>
+    </dgm:scene3d>
+    <dgm:sp3d/>
+    <dgm:txPr/>
+    <dgm:style>
+      <a:lnRef idx="1">
+        <a:scrgbClr r="0" g="0" b="0"/>
+      </a:lnRef>
+      <a:fillRef idx="0">
+        <a:scrgbClr r="0" g="0" b="0"/>
+      </a:fillRef>
+      <a:effectRef idx="0">
+        <a:scrgbClr r="0" g="0" b="0"/>
+      </a:effectRef>
+      <a:fontRef idx="minor"/>
+    </dgm:style>
+  </dgm:styleLbl>
+  <dgm:styleLbl name="fgAcc1">
+    <dgm:scene3d>
+      <a:camera prst="orthographicFront"/>
+      <a:lightRig rig="threePt" dir="t"/>
+    </dgm:scene3d>
+    <dgm:sp3d/>
+    <dgm:txPr/>
+    <dgm:style>
+      <a:lnRef idx="1">
+        <a:scrgbClr r="0" g="0" b="0"/>
+      </a:lnRef>
+      <a:fillRef idx="1">
+        <a:scrgbClr r="0" g="0" b="0"/>
+      </a:fillRef>
+      <a:effectRef idx="0">
+        <a:scrgbClr r="0" g="0" b="0"/>
+      </a:effectRef>
+      <a:fontRef idx="minor"/>
+    </dgm:style>
+  </dgm:styleLbl>
+  <dgm:styleLbl name="conFgAcc1">
+    <dgm:scene3d>
+      <a:camera prst="orthographicFront"/>
+      <a:lightRig rig="threePt" dir="t"/>
+    </dgm:scene3d>
+    <dgm:sp3d/>
+    <dgm:txPr/>
+    <dgm:style>
+      <a:lnRef idx="1">
+        <a:scrgbClr r="0" g="0" b="0"/>
+      </a:lnRef>
+      <a:fillRef idx="1">
+        <a:scrgbClr r="0" g="0" b="0"/>
+      </a:fillRef>
+      <a:effectRef idx="0">
+        <a:scrgbClr r="0" g="0" b="0"/>
+      </a:effectRef>
+      <a:fontRef idx="minor"/>
+    </dgm:style>
+  </dgm:styleLbl>
+  <dgm:styleLbl name="alignAcc1">
+    <dgm:scene3d>
+      <a:camera prst="orthographicFront"/>
+      <a:lightRig rig="threePt" dir="t"/>
+    </dgm:scene3d>
+    <dgm:sp3d/>
+    <dgm:txPr/>
+    <dgm:style>
+      <a:lnRef idx="1">
+        <a:scrgbClr r="0" g="0" b="0"/>
+      </a:lnRef>
+      <a:fillRef idx="1">
+        <a:scrgbClr r="0" g="0" b="0"/>
+      </a:fillRef>
+      <a:effectRef idx="0">
+        <a:scrgbClr r="0" g="0" b="0"/>
+      </a:effectRef>
+      <a:fontRef idx="minor"/>
+    </dgm:style>
+  </dgm:styleLbl>
+  <dgm:styleLbl name="trAlignAcc1">
+    <dgm:scene3d>
+      <a:camera prst="orthographicFront"/>
+      <a:lightRig rig="threePt" dir="t"/>
+    </dgm:scene3d>
+    <dgm:sp3d/>
+    <dgm:txPr/>
+    <dgm:style>
+      <a:lnRef idx="1">
+        <a:scrgbClr r="0" g="0" b="0"/>
+      </a:lnRef>
+      <a:fillRef idx="1">
+        <a:scrgbClr r="0" g="0" b="0"/>
+      </a:fillRef>
+      <a:effectRef idx="0">
+        <a:scrgbClr r="0" g="0" b="0"/>
+      </a:effectRef>
+      <a:fontRef idx="minor"/>
+    </dgm:style>
+  </dgm:styleLbl>
+  <dgm:styleLbl name="bgAcc1">
+    <dgm:scene3d>
+      <a:camera prst="orthographicFront"/>
+      <a:lightRig rig="threePt" dir="t"/>
+    </dgm:scene3d>
+    <dgm:sp3d/>
+    <dgm:txPr/>
+    <dgm:style>
+      <a:lnRef idx="1">
+        <a:scrgbClr r="0" g="0" b="0"/>
+      </a:lnRef>
+      <a:fillRef idx="1">
+        <a:scrgbClr r="0" g="0" b="0"/>
+      </a:fillRef>
+      <a:effectRef idx="0">
+        <a:scrgbClr r="0" g="0" b="0"/>
+      </a:effectRef>
+      <a:fontRef idx="minor"/>
+    </dgm:style>
+  </dgm:styleLbl>
+  <dgm:styleLbl name="solidFgAcc1">
+    <dgm:scene3d>
+      <a:camera prst="orthographicFront"/>
+      <a:lightRig rig="threePt" dir="t"/>
+    </dgm:scene3d>
+    <dgm:sp3d/>
+    <dgm:txPr/>
+    <dgm:style>
+      <a:lnRef idx="1">
+        <a:scrgbClr r="0" g="0" b="0"/>
+      </a:lnRef>
+      <a:fillRef idx="1">
+        <a:scrgbClr r="0" g="0" b="0"/>
+      </a:fillRef>
+      <a:effectRef idx="0">
+        <a:scrgbClr r="0" g="0" b="0"/>
+      </a:effectRef>
+      <a:fontRef idx="minor"/>
+    </dgm:style>
+  </dgm:styleLbl>
+  <dgm:styleLbl name="solidAlignAcc1">
+    <dgm:scene3d>
+      <a:camera prst="orthographicFront"/>
+      <a:lightRig rig="threePt" dir="t"/>
+    </dgm:scene3d>
+    <dgm:sp3d/>
+    <dgm:txPr/>
+    <dgm:style>
+      <a:lnRef idx="1">
+        <a:scrgbClr r="0" g="0" b="0"/>
+      </a:lnRef>
+      <a:fillRef idx="1">
+        <a:scrgbClr r="0" g="0" b="0"/>
+      </a:fillRef>
+      <a:effectRef idx="0">
+        <a:scrgbClr r="0" g="0" b="0"/>
+      </a:effectRef>
+      <a:fontRef idx="minor"/>
+    </dgm:style>
+  </dgm:styleLbl>
+  <dgm:styleLbl name="solidBgAcc1">
+    <dgm:scene3d>
+      <a:camera prst="orthographicFront"/>
+      <a:lightRig rig="threePt" dir="t"/>
+    </dgm:scene3d>
+    <dgm:sp3d/>
+    <dgm:txPr/>
+    <dgm:style>
+      <a:lnRef idx="1">
+        <a:scrgbClr r="0" g="0" b="0"/>
+      </a:lnRef>
+      <a:fillRef idx="1">
+        <a:scrgbClr r="0" g="0" b="0"/>
+      </a:fillRef>
+      <a:effectRef idx="0">
+        <a:scrgbClr r="0" g="0" b="0"/>
+      </a:effectRef>
+      <a:fontRef idx="minor"/>
+    </dgm:style>
+  </dgm:styleLbl>
+  <dgm:styleLbl name="fgAccFollowNode1">
+    <dgm:scene3d>
+      <a:camera prst="orthographicFront"/>
+      <a:lightRig rig="threePt" dir="t"/>
+    </dgm:scene3d>
+    <dgm:sp3d/>
+    <dgm:txPr/>
+    <dgm:style>
+      <a:lnRef idx="1">
+        <a:scrgbClr r="0" g="0" b="0"/>
+      </a:lnRef>
+      <a:fillRef idx="1">
+        <a:scrgbClr r="0" g="0" b="0"/>
+      </a:fillRef>
+      <a:effectRef idx="0">
+        <a:scrgbClr r="0" g="0" b="0"/>
+      </a:effectRef>
+      <a:fontRef idx="minor"/>
+    </dgm:style>
+  </dgm:styleLbl>
+  <dgm:styleLbl name="alignAccFollowNode1">
+    <dgm:scene3d>
+      <a:camera prst="orthographicFront"/>
+      <a:lightRig rig="threePt" dir="t"/>
+    </dgm:scene3d>
+    <dgm:sp3d/>
+    <dgm:txPr/>
+    <dgm:style>
+      <a:lnRef idx="1">
+        <a:scrgbClr r="0" g="0" b="0"/>
+      </a:lnRef>
+      <a:fillRef idx="1">
+        <a:scrgbClr r="0" g="0" b="0"/>
+      </a:fillRef>
+      <a:effectRef idx="0">
+        <a:scrgbClr r="0" g="0" b="0"/>
+      </a:effectRef>
+      <a:fontRef idx="minor"/>
+    </dgm:style>
+  </dgm:styleLbl>
+  <dgm:styleLbl name="bgAccFollowNode1">
+    <dgm:scene3d>
+      <a:camera prst="orthographicFront"/>
+      <a:lightRig rig="threePt" dir="t"/>
+    </dgm:scene3d>
+    <dgm:sp3d/>
+    <dgm:txPr/>
+    <dgm:style>
+      <a:lnRef idx="1">
+        <a:scrgbClr r="0" g="0" b="0"/>
+      </a:lnRef>
+      <a:fillRef idx="1">
+        <a:scrgbClr r="0" g="0" b="0"/>
+      </a:fillRef>
+      <a:effectRef idx="0">
+        <a:scrgbClr r="0" g="0" b="0"/>
+      </a:effectRef>
+      <a:fontRef idx="minor"/>
+    </dgm:style>
+  </dgm:styleLbl>
+  <dgm:styleLbl name="fgAcc0">
+    <dgm:scene3d>
+      <a:camera prst="orthographicFront"/>
+      <a:lightRig rig="threePt" dir="t"/>
+    </dgm:scene3d>
+    <dgm:sp3d/>
+    <dgm:txPr/>
+    <dgm:style>
+      <a:lnRef idx="1">
+        <a:scrgbClr r="0" g="0" b="0"/>
+      </a:lnRef>
+      <a:fillRef idx="1">
+        <a:scrgbClr r="0" g="0" b="0"/>
+      </a:fillRef>
+      <a:effectRef idx="0">
+        <a:scrgbClr r="0" g="0" b="0"/>
+      </a:effectRef>
+      <a:fontRef idx="minor"/>
+    </dgm:style>
+  </dgm:styleLbl>
+  <dgm:styleLbl name="fgAcc2">
+    <dgm:scene3d>
+      <a:camera prst="orthographicFront"/>
+      <a:lightRig rig="threePt" dir="t"/>
+    </dgm:scene3d>
+    <dgm:sp3d/>
+    <dgm:txPr/>
+    <dgm:style>
+      <a:lnRef idx="1">
+        <a:scrgbClr r="0" g="0" b="0"/>
+      </a:lnRef>
+      <a:fillRef idx="1">
+        <a:scrgbClr r="0" g="0" b="0"/>
+      </a:fillRef>
+      <a:effectRef idx="0">
+        <a:scrgbClr r="0" g="0" b="0"/>
+      </a:effectRef>
+      <a:fontRef idx="minor"/>
+    </dgm:style>
+  </dgm:styleLbl>
+  <dgm:styleLbl name="fgAcc3">
+    <dgm:scene3d>
+      <a:camera prst="orthographicFront"/>
+      <a:lightRig rig="threePt" dir="t"/>
+    </dgm:scene3d>
+    <dgm:sp3d/>
+    <dgm:txPr/>
+    <dgm:style>
+      <a:lnRef idx="1">
+        <a:scrgbClr r="0" g="0" b="0"/>
+      </a:lnRef>
+      <a:fillRef idx="1">
+        <a:scrgbClr r="0" g="0" b="0"/>
+      </a:fillRef>
+      <a:effectRef idx="0">
+        <a:scrgbClr r="0" g="0" b="0"/>
+      </a:effectRef>
+      <a:fontRef idx="minor"/>
+    </dgm:style>
+  </dgm:styleLbl>
+  <dgm:styleLbl name="fgAcc4">
+    <dgm:scene3d>
+      <a:camera prst="orthographicFront"/>
+      <a:lightRig rig="threePt" dir="t"/>
+    </dgm:scene3d>
+    <dgm:sp3d/>
+    <dgm:txPr/>
+    <dgm:style>
+      <a:lnRef idx="1">
+        <a:scrgbClr r="0" g="0" b="0"/>
+      </a:lnRef>
+      <a:fillRef idx="1">
+        <a:scrgbClr r="0" g="0" b="0"/>
+      </a:fillRef>
+      <a:effectRef idx="0">
+        <a:scrgbClr r="0" g="0" b="0"/>
+      </a:effectRef>
+      <a:fontRef idx="minor"/>
+    </dgm:style>
+  </dgm:styleLbl>
+  <dgm:styleLbl name="bgShp">
+    <dgm:scene3d>
+      <a:camera prst="orthographicFront"/>
+      <a:lightRig rig="threePt" dir="t"/>
+    </dgm:scene3d>
+    <dgm:sp3d/>
+    <dgm:txPr/>
+    <dgm:style>
+      <a:lnRef idx="0">
+        <a:scrgbClr r="0" g="0" b="0"/>
+      </a:lnRef>
+      <a:fillRef idx="1">
+        <a:scrgbClr r="0" g="0" b="0"/>
+      </a:fillRef>
+      <a:effectRef idx="2">
+        <a:scrgbClr r="0" g="0" b="0"/>
+      </a:effectRef>
+      <a:fontRef idx="minor"/>
+    </dgm:style>
+  </dgm:styleLbl>
+  <dgm:styleLbl name="dkBgShp">
+    <dgm:scene3d>
+      <a:camera prst="orthographicFront"/>
+      <a:lightRig rig="threePt" dir="t"/>
+    </dgm:scene3d>
+    <dgm:sp3d/>
+    <dgm:txPr/>
+    <dgm:style>
+      <a:lnRef idx="0">
+        <a:scrgbClr r="0" g="0" b="0"/>
+      </a:lnRef>
+      <a:fillRef idx="1">
+        <a:scrgbClr r="0" g="0" b="0"/>
+      </a:fillRef>
+      <a:effectRef idx="2">
+        <a:scrgbClr r="0" g="0" b="0"/>
+      </a:effectRef>
+      <a:fontRef idx="minor"/>
+    </dgm:style>
+  </dgm:styleLbl>
+  <dgm:styleLbl name="trBgShp">
+    <dgm:scene3d>
+      <a:camera prst="orthographicFront"/>
+      <a:lightRig rig="threePt" dir="t"/>
+    </dgm:scene3d>
+    <dgm:sp3d/>
+    <dgm:txPr/>
+    <dgm:style>
+      <a:lnRef idx="0">
+        <a:scrgbClr r="0" g="0" b="0"/>
+      </a:lnRef>
+      <a:fillRef idx="1">
+        <a:scrgbClr r="0" g="0" b="0"/>
+      </a:fillRef>
+      <a:effectRef idx="0">
+        <a:scrgbClr r="0" g="0" b="0"/>
+      </a:effectRef>
+      <a:fontRef idx="minor"/>
+    </dgm:style>
+  </dgm:styleLbl>
+  <dgm:styleLbl name="fgShp">
+    <dgm:scene3d>
+      <a:camera prst="orthographicFront"/>
+      <a:lightRig rig="threePt" dir="t"/>
+    </dgm:scene3d>
+    <dgm:sp3d/>
+    <dgm:txPr/>
+    <dgm:style>
+      <a:lnRef idx="0">
+        <a:scrgbClr r="0" g="0" b="0"/>
+      </a:lnRef>
+      <a:fillRef idx="3">
+        <a:scrgbClr r="0" g="0" b="0"/>
+      </a:fillRef>
+      <a:effectRef idx="2">
+        <a:scrgbClr r="0" g="0" b="0"/>
+      </a:effectRef>
+      <a:fontRef idx="minor"/>
+    </dgm:style>
+  </dgm:styleLbl>
+  <dgm:styleLbl name="revTx">
+    <dgm:scene3d>
+      <a:camera prst="orthographicFront"/>
+      <a:lightRig rig="threePt" dir="t"/>
+    </dgm:scene3d>
+    <dgm:sp3d/>
+    <dgm:txPr/>
+    <dgm:style>
+      <a:lnRef idx="0">
+        <a:scrgbClr r="0" g="0" b="0"/>
+      </a:lnRef>
+      <a:fillRef idx="0">
+        <a:scrgbClr r="0" g="0" b="0"/>
+      </a:fillRef>
+      <a:effectRef idx="0">
+        <a:scrgbClr r="0" g="0" b="0"/>
+      </a:effectRef>
+      <a:fontRef idx="minor"/>
+    </dgm:style>
+  </dgm:styleLbl>
+</dgm:styleDef>
+</file>
+
 <file path=ppt/notesMasters/notesMaster1.xml><?xml version="1.0" encoding="utf-8"?>
 <p:notesMaster xmlns:a="http://schemas.openxmlformats.org/drawingml/2006/main" xmlns:r="http://schemas.openxmlformats.org/officeDocument/2006/relationships" xmlns:mc="http://schemas.openxmlformats.org/markup-compatibility/2006" xmlns:mv="urn:schemas-microsoft-com:mac:vml" xmlns:p="http://schemas.openxmlformats.org/presentationml/2006/main" mc:Ignorable="mv" mc:PreserveAttributes="mv:*">
   <p:cSld>
@@ -200,6 +3108,7 @@
           <a:p>
             <a:fld id="{3DDA2C7C-8CDD-1945-B1E1-03B3798D36BC}" type="datetimeFigureOut">
               <a:rPr lang="en-US" smtClean="0"/>
+              <a:pPr/>
               <a:t>9/9/09</a:t>
             </a:fld>
             <a:endParaRPr lang="en-US"/>
@@ -361,6 +3270,7 @@
           <a:p>
             <a:fld id="{E14CCCAD-E85B-DC4C-9634-9AA5CC62F257}" type="slidenum">
               <a:rPr lang="en-US" smtClean="0"/>
+              <a:pPr/>
               <a:t>‹#›</a:t>
             </a:fld>
             <a:endParaRPr lang="en-US"/>
@@ -557,6 +3467,7 @@
           <a:p>
             <a:fld id="{E14CCCAD-E85B-DC4C-9634-9AA5CC62F257}" type="slidenum">
               <a:rPr lang="en-US" smtClean="0"/>
+              <a:pPr/>
               <a:t>1</a:t>
             </a:fld>
             <a:endParaRPr lang="en-US"/>
@@ -638,6 +3549,7 @@
           <a:p>
             <a:fld id="{E14CCCAD-E85B-DC4C-9634-9AA5CC62F257}" type="slidenum">
               <a:rPr lang="en-US" smtClean="0"/>
+              <a:pPr/>
               <a:t>2</a:t>
             </a:fld>
             <a:endParaRPr lang="en-US"/>
@@ -719,6 +3631,7 @@
           <a:p>
             <a:fld id="{E14CCCAD-E85B-DC4C-9634-9AA5CC62F257}" type="slidenum">
               <a:rPr lang="en-US" smtClean="0"/>
+              <a:pPr/>
               <a:t>3</a:t>
             </a:fld>
             <a:endParaRPr lang="en-US"/>
@@ -800,6 +3713,7 @@
           <a:p>
             <a:fld id="{E14CCCAD-E85B-DC4C-9634-9AA5CC62F257}" type="slidenum">
               <a:rPr lang="en-US" smtClean="0"/>
+              <a:pPr/>
               <a:t>4</a:t>
             </a:fld>
             <a:endParaRPr lang="en-US"/>
@@ -881,6 +3795,7 @@
           <a:p>
             <a:fld id="{E14CCCAD-E85B-DC4C-9634-9AA5CC62F257}" type="slidenum">
               <a:rPr lang="en-US" smtClean="0"/>
+              <a:pPr/>
               <a:t>5</a:t>
             </a:fld>
             <a:endParaRPr lang="en-US"/>
@@ -990,7 +3905,90 @@
           <a:p>
             <a:fld id="{E14CCCAD-E85B-DC4C-9634-9AA5CC62F257}" type="slidenum">
               <a:rPr lang="en-US" smtClean="0"/>
+              <a:pPr/>
               <a:t>6</a:t>
+            </a:fld>
+            <a:endParaRPr lang="en-US"/>
+          </a:p>
+        </p:txBody>
+      </p:sp>
+    </p:spTree>
+  </p:cSld>
+  <p:clrMapOvr>
+    <a:masterClrMapping/>
+  </p:clrMapOvr>
+</p:notes>
+</file>
+
+<file path=ppt/notesSlides/notesSlide7.xml><?xml version="1.0" encoding="utf-8"?>
+<p:notes xmlns:a="http://schemas.openxmlformats.org/drawingml/2006/main" xmlns:r="http://schemas.openxmlformats.org/officeDocument/2006/relationships" xmlns:mc="http://schemas.openxmlformats.org/markup-compatibility/2006" xmlns:mv="urn:schemas-microsoft-com:mac:vml" xmlns:p="http://schemas.openxmlformats.org/presentationml/2006/main" mc:Ignorable="mv" mc:PreserveAttributes="mv:*">
+  <p:cSld>
+    <p:spTree>
+      <p:nvGrpSpPr>
+        <p:cNvPr id="1" name=""/>
+        <p:cNvGrpSpPr/>
+        <p:nvPr/>
+      </p:nvGrpSpPr>
+      <p:grpSpPr>
+        <a:xfrm>
+          <a:off x="0" y="0"/>
+          <a:ext cx="0" cy="0"/>
+          <a:chOff x="0" y="0"/>
+          <a:chExt cx="0" cy="0"/>
+        </a:xfrm>
+      </p:grpSpPr>
+      <p:sp>
+        <p:nvSpPr>
+          <p:cNvPr id="2" name="Slide Image Placeholder 1"/>
+          <p:cNvSpPr>
+            <a:spLocks noGrp="1" noRot="1" noChangeAspect="1"/>
+          </p:cNvSpPr>
+          <p:nvPr>
+            <p:ph type="sldImg"/>
+          </p:nvPr>
+        </p:nvSpPr>
+        <p:spPr/>
+      </p:sp>
+      <p:sp>
+        <p:nvSpPr>
+          <p:cNvPr id="3" name="Notes Placeholder 2"/>
+          <p:cNvSpPr>
+            <a:spLocks noGrp="1"/>
+          </p:cNvSpPr>
+          <p:nvPr>
+            <p:ph type="body" idx="1"/>
+          </p:nvPr>
+        </p:nvSpPr>
+        <p:spPr/>
+        <p:txBody>
+          <a:bodyPr>
+            <a:normAutofit/>
+          </a:bodyPr>
+          <a:lstStyle/>
+          <a:p>
+            <a:endParaRPr lang="en-US" dirty="0"/>
+          </a:p>
+        </p:txBody>
+      </p:sp>
+      <p:sp>
+        <p:nvSpPr>
+          <p:cNvPr id="4" name="Slide Number Placeholder 3"/>
+          <p:cNvSpPr>
+            <a:spLocks noGrp="1"/>
+          </p:cNvSpPr>
+          <p:nvPr>
+            <p:ph type="sldNum" sz="quarter" idx="10"/>
+          </p:nvPr>
+        </p:nvSpPr>
+        <p:spPr/>
+        <p:txBody>
+          <a:bodyPr/>
+          <a:lstStyle/>
+          <a:p>
+            <a:fld id="{E14CCCAD-E85B-DC4C-9634-9AA5CC62F257}" type="slidenum">
+              <a:rPr lang="en-US" smtClean="0"/>
+              <a:pPr/>
+              <a:t>8</a:t>
             </a:fld>
             <a:endParaRPr lang="en-US"/>
           </a:p>
@@ -1243,6 +4241,7 @@
           <a:p>
             <a:fld id="{CD265FFC-4C11-A14B-BFEC-3E027612D3A8}" type="datetimeFigureOut">
               <a:rPr lang="en-US" smtClean="0"/>
+              <a:pPr/>
               <a:t>9/9/09</a:t>
             </a:fld>
             <a:endParaRPr lang="en-US"/>
@@ -1285,6 +4284,7 @@
           <a:p>
             <a:fld id="{157DA5C8-4653-B340-AA6C-23298BA55154}" type="slidenum">
               <a:rPr lang="en-US" smtClean="0"/>
+              <a:pPr/>
               <a:t>‹#›</a:t>
             </a:fld>
             <a:endParaRPr lang="en-US"/>
@@ -1460,6 +4460,7 @@
           <a:p>
             <a:fld id="{CD265FFC-4C11-A14B-BFEC-3E027612D3A8}" type="datetimeFigureOut">
               <a:rPr lang="en-US" smtClean="0"/>
+              <a:pPr/>
               <a:t>9/9/09</a:t>
             </a:fld>
             <a:endParaRPr lang="en-US"/>
@@ -1502,6 +4503,7 @@
           <a:p>
             <a:fld id="{157DA5C8-4653-B340-AA6C-23298BA55154}" type="slidenum">
               <a:rPr lang="en-US" smtClean="0"/>
+              <a:pPr/>
               <a:t>‹#›</a:t>
             </a:fld>
             <a:endParaRPr lang="en-US"/>
@@ -1732,6 +4734,7 @@
           <a:p>
             <a:fld id="{CD265FFC-4C11-A14B-BFEC-3E027612D3A8}" type="datetimeFigureOut">
               <a:rPr lang="en-US" smtClean="0"/>
+              <a:pPr/>
               <a:t>9/9/09</a:t>
             </a:fld>
             <a:endParaRPr lang="en-US"/>
@@ -1779,6 +4782,7 @@
           <a:p>
             <a:fld id="{157DA5C8-4653-B340-AA6C-23298BA55154}" type="slidenum">
               <a:rPr lang="en-US" smtClean="0"/>
+              <a:pPr/>
               <a:t>‹#›</a:t>
             </a:fld>
             <a:endParaRPr lang="en-US"/>
@@ -1907,6 +4911,7 @@
           <a:p>
             <a:fld id="{CD265FFC-4C11-A14B-BFEC-3E027612D3A8}" type="datetimeFigureOut">
               <a:rPr lang="en-US" smtClean="0"/>
+              <a:pPr/>
               <a:t>9/9/09</a:t>
             </a:fld>
             <a:endParaRPr lang="en-US"/>
@@ -1949,6 +4954,7 @@
           <a:p>
             <a:fld id="{157DA5C8-4653-B340-AA6C-23298BA55154}" type="slidenum">
               <a:rPr lang="en-US" smtClean="0"/>
+              <a:pPr/>
               <a:t>‹#›</a:t>
             </a:fld>
             <a:endParaRPr lang="en-US"/>
@@ -2254,6 +5260,7 @@
           <a:p>
             <a:fld id="{CD265FFC-4C11-A14B-BFEC-3E027612D3A8}" type="datetimeFigureOut">
               <a:rPr lang="en-US" smtClean="0"/>
+              <a:pPr/>
               <a:t>9/9/09</a:t>
             </a:fld>
             <a:endParaRPr lang="en-US"/>
@@ -2296,6 +5303,7 @@
           <a:p>
             <a:fld id="{157DA5C8-4653-B340-AA6C-23298BA55154}" type="slidenum">
               <a:rPr lang="en-US" smtClean="0"/>
+              <a:pPr/>
               <a:t>‹#›</a:t>
             </a:fld>
             <a:endParaRPr lang="en-US"/>
@@ -2537,6 +5545,7 @@
           <a:p>
             <a:fld id="{CD265FFC-4C11-A14B-BFEC-3E027612D3A8}" type="datetimeFigureOut">
               <a:rPr lang="en-US" smtClean="0"/>
+              <a:pPr/>
               <a:t>9/9/09</a:t>
             </a:fld>
             <a:endParaRPr lang="en-US"/>
@@ -2579,6 +5588,7 @@
           <a:p>
             <a:fld id="{157DA5C8-4653-B340-AA6C-23298BA55154}" type="slidenum">
               <a:rPr lang="en-US" smtClean="0"/>
+              <a:pPr/>
               <a:t>‹#›</a:t>
             </a:fld>
             <a:endParaRPr lang="en-US"/>
@@ -2954,6 +5964,7 @@
           <a:p>
             <a:fld id="{CD265FFC-4C11-A14B-BFEC-3E027612D3A8}" type="datetimeFigureOut">
               <a:rPr lang="en-US" smtClean="0"/>
+              <a:pPr/>
               <a:t>9/9/09</a:t>
             </a:fld>
             <a:endParaRPr lang="en-US"/>
@@ -2996,6 +6007,7 @@
           <a:p>
             <a:fld id="{157DA5C8-4653-B340-AA6C-23298BA55154}" type="slidenum">
               <a:rPr lang="en-US" smtClean="0"/>
+              <a:pPr/>
               <a:t>‹#›</a:t>
             </a:fld>
             <a:endParaRPr lang="en-US"/>
@@ -3067,6 +6079,7 @@
           <a:p>
             <a:fld id="{CD265FFC-4C11-A14B-BFEC-3E027612D3A8}" type="datetimeFigureOut">
               <a:rPr lang="en-US" smtClean="0"/>
+              <a:pPr/>
               <a:t>9/9/09</a:t>
             </a:fld>
             <a:endParaRPr lang="en-US"/>
@@ -3109,6 +6122,7 @@
           <a:p>
             <a:fld id="{157DA5C8-4653-B340-AA6C-23298BA55154}" type="slidenum">
               <a:rPr lang="en-US" smtClean="0"/>
+              <a:pPr/>
               <a:t>‹#›</a:t>
             </a:fld>
             <a:endParaRPr lang="en-US"/>
@@ -3157,6 +6171,7 @@
           <a:p>
             <a:fld id="{CD265FFC-4C11-A14B-BFEC-3E027612D3A8}" type="datetimeFigureOut">
               <a:rPr lang="en-US" smtClean="0"/>
+              <a:pPr/>
               <a:t>9/9/09</a:t>
             </a:fld>
             <a:endParaRPr lang="en-US"/>
@@ -3199,6 +6214,7 @@
           <a:p>
             <a:fld id="{157DA5C8-4653-B340-AA6C-23298BA55154}" type="slidenum">
               <a:rPr lang="en-US" smtClean="0"/>
+              <a:pPr/>
               <a:t>‹#›</a:t>
             </a:fld>
             <a:endParaRPr lang="en-US"/>
@@ -3432,6 +6448,7 @@
           <a:p>
             <a:fld id="{CD265FFC-4C11-A14B-BFEC-3E027612D3A8}" type="datetimeFigureOut">
               <a:rPr lang="en-US" smtClean="0"/>
+              <a:pPr/>
               <a:t>9/9/09</a:t>
             </a:fld>
             <a:endParaRPr lang="en-US"/>
@@ -3474,6 +6491,7 @@
           <a:p>
             <a:fld id="{157DA5C8-4653-B340-AA6C-23298BA55154}" type="slidenum">
               <a:rPr lang="en-US" smtClean="0"/>
+              <a:pPr/>
               <a:t>‹#›</a:t>
             </a:fld>
             <a:endParaRPr lang="en-US"/>
@@ -3786,6 +6804,7 @@
           <a:p>
             <a:fld id="{CD265FFC-4C11-A14B-BFEC-3E027612D3A8}" type="datetimeFigureOut">
               <a:rPr lang="en-US" smtClean="0"/>
+              <a:pPr/>
               <a:t>9/9/09</a:t>
             </a:fld>
             <a:endParaRPr lang="en-US"/>
@@ -3938,6 +6957,7 @@
           <a:p>
             <a:fld id="{157DA5C8-4653-B340-AA6C-23298BA55154}" type="slidenum">
               <a:rPr lang="en-US" smtClean="0"/>
+              <a:pPr/>
               <a:t>‹#›</a:t>
             </a:fld>
             <a:endParaRPr lang="en-US"/>
@@ -4213,6 +7233,7 @@
           <a:p>
             <a:fld id="{CD265FFC-4C11-A14B-BFEC-3E027612D3A8}" type="datetimeFigureOut">
               <a:rPr lang="en-US" smtClean="0"/>
+              <a:pPr/>
               <a:t>9/9/09</a:t>
             </a:fld>
             <a:endParaRPr lang="en-US"/>
@@ -4291,6 +7312,7 @@
           <a:p>
             <a:fld id="{157DA5C8-4653-B340-AA6C-23298BA55154}" type="slidenum">
               <a:rPr lang="en-US" smtClean="0"/>
+              <a:pPr/>
               <a:t>‹#›</a:t>
             </a:fld>
             <a:endParaRPr lang="en-US"/>
@@ -4692,6 +7714,219 @@
 </p:sld>
 </file>
 
+<file path=ppt/slides/slide10.xml><?xml version="1.0" encoding="utf-8"?>
+<p:sld xmlns:a="http://schemas.openxmlformats.org/drawingml/2006/main" xmlns:r="http://schemas.openxmlformats.org/officeDocument/2006/relationships" xmlns:mc="http://schemas.openxmlformats.org/markup-compatibility/2006" xmlns:mv="urn:schemas-microsoft-com:mac:vml" xmlns:p="http://schemas.openxmlformats.org/presentationml/2006/main" mc:Ignorable="mv" mc:PreserveAttributes="mv:*">
+  <p:cSld>
+    <p:spTree>
+      <p:nvGrpSpPr>
+        <p:cNvPr id="1" name=""/>
+        <p:cNvGrpSpPr/>
+        <p:nvPr/>
+      </p:nvGrpSpPr>
+      <p:grpSpPr>
+        <a:xfrm>
+          <a:off x="0" y="0"/>
+          <a:ext cx="0" cy="0"/>
+          <a:chOff x="0" y="0"/>
+          <a:chExt cx="0" cy="0"/>
+        </a:xfrm>
+      </p:grpSpPr>
+      <p:sp>
+        <p:nvSpPr>
+          <p:cNvPr id="2" name="Title 1"/>
+          <p:cNvSpPr>
+            <a:spLocks noGrp="1"/>
+          </p:cNvSpPr>
+          <p:nvPr>
+            <p:ph type="title"/>
+          </p:nvPr>
+        </p:nvSpPr>
+        <p:spPr/>
+        <p:txBody>
+          <a:bodyPr/>
+          <a:lstStyle/>
+          <a:p>
+            <a:r>
+              <a:rPr lang="en-US" dirty="0" smtClean="0">
+                <a:solidFill>
+                  <a:schemeClr val="bg1"/>
+                </a:solidFill>
+              </a:rPr>
+              <a:t>Demo</a:t>
+            </a:r>
+            <a:endParaRPr lang="en-US" dirty="0">
+              <a:solidFill>
+                <a:schemeClr val="bg1"/>
+              </a:solidFill>
+            </a:endParaRPr>
+          </a:p>
+        </p:txBody>
+      </p:sp>
+      <p:sp>
+        <p:nvSpPr>
+          <p:cNvPr id="3" name="Content Placeholder 2"/>
+          <p:cNvSpPr>
+            <a:spLocks noGrp="1"/>
+          </p:cNvSpPr>
+          <p:nvPr>
+            <p:ph idx="1"/>
+          </p:nvPr>
+        </p:nvSpPr>
+        <p:spPr/>
+        <p:txBody>
+          <a:bodyPr>
+            <a:normAutofit/>
+          </a:bodyPr>
+          <a:lstStyle/>
+          <a:p>
+            <a:r>
+              <a:rPr lang="en-US" dirty="0" smtClean="0">
+                <a:solidFill>
+                  <a:schemeClr val="bg1"/>
+                </a:solidFill>
+              </a:rPr>
+              <a:t>Now an awesome demo of </a:t>
+            </a:r>
+            <a:r>
+              <a:rPr lang="en-US" dirty="0" err="1" smtClean="0">
+                <a:solidFill>
+                  <a:schemeClr val="bg1"/>
+                </a:solidFill>
+              </a:rPr>
+              <a:t>django-config</a:t>
+            </a:r>
+            <a:r>
+              <a:rPr lang="en-US" dirty="0" smtClean="0">
+                <a:solidFill>
+                  <a:schemeClr val="bg1"/>
+                </a:solidFill>
+              </a:rPr>
+              <a:t> in action</a:t>
+            </a:r>
+          </a:p>
+        </p:txBody>
+      </p:sp>
+    </p:spTree>
+  </p:cSld>
+  <p:clrMapOvr>
+    <a:masterClrMapping/>
+  </p:clrMapOvr>
+</p:sld>
+</file>
+
+<file path=ppt/slides/slide11.xml><?xml version="1.0" encoding="utf-8"?>
+<p:sld xmlns:a="http://schemas.openxmlformats.org/drawingml/2006/main" xmlns:r="http://schemas.openxmlformats.org/officeDocument/2006/relationships" xmlns:mc="http://schemas.openxmlformats.org/markup-compatibility/2006" xmlns:mv="urn:schemas-microsoft-com:mac:vml" xmlns:p="http://schemas.openxmlformats.org/presentationml/2006/main" mc:Ignorable="mv" mc:PreserveAttributes="mv:*">
+  <p:cSld>
+    <p:spTree>
+      <p:nvGrpSpPr>
+        <p:cNvPr id="1" name=""/>
+        <p:cNvGrpSpPr/>
+        <p:nvPr/>
+      </p:nvGrpSpPr>
+      <p:grpSpPr>
+        <a:xfrm>
+          <a:off x="0" y="0"/>
+          <a:ext cx="0" cy="0"/>
+          <a:chOff x="0" y="0"/>
+          <a:chExt cx="0" cy="0"/>
+        </a:xfrm>
+      </p:grpSpPr>
+      <p:sp>
+        <p:nvSpPr>
+          <p:cNvPr id="2" name="Title 1"/>
+          <p:cNvSpPr>
+            <a:spLocks noGrp="1"/>
+          </p:cNvSpPr>
+          <p:nvPr>
+            <p:ph type="title"/>
+          </p:nvPr>
+        </p:nvSpPr>
+        <p:spPr/>
+        <p:txBody>
+          <a:bodyPr/>
+          <a:lstStyle/>
+          <a:p>
+            <a:r>
+              <a:rPr lang="en-US" dirty="0" smtClean="0">
+                <a:solidFill>
+                  <a:schemeClr val="bg1"/>
+                </a:solidFill>
+              </a:rPr>
+              <a:t>Who?</a:t>
+            </a:r>
+            <a:endParaRPr lang="en-US" dirty="0">
+              <a:solidFill>
+                <a:schemeClr val="bg1"/>
+              </a:solidFill>
+            </a:endParaRPr>
+          </a:p>
+        </p:txBody>
+      </p:sp>
+      <p:sp>
+        <p:nvSpPr>
+          <p:cNvPr id="3" name="Content Placeholder 2"/>
+          <p:cNvSpPr>
+            <a:spLocks noGrp="1"/>
+          </p:cNvSpPr>
+          <p:nvPr>
+            <p:ph idx="1"/>
+          </p:nvPr>
+        </p:nvSpPr>
+        <p:spPr/>
+        <p:txBody>
+          <a:bodyPr>
+            <a:normAutofit/>
+          </a:bodyPr>
+          <a:lstStyle/>
+          <a:p>
+            <a:r>
+              <a:rPr lang="en-US" dirty="0" err="1" smtClean="0">
+                <a:solidFill>
+                  <a:schemeClr val="bg1"/>
+                </a:solidFill>
+              </a:rPr>
+              <a:t>Tareque</a:t>
+            </a:r>
+            <a:r>
+              <a:rPr lang="en-US" dirty="0" smtClean="0">
+                <a:solidFill>
+                  <a:schemeClr val="bg1"/>
+                </a:solidFill>
+              </a:rPr>
+              <a:t> </a:t>
+            </a:r>
+            <a:r>
+              <a:rPr lang="en-US" dirty="0" err="1" smtClean="0">
+                <a:solidFill>
+                  <a:schemeClr val="bg1"/>
+                </a:solidFill>
+              </a:rPr>
+              <a:t>Hossain</a:t>
+            </a:r>
+            <a:r>
+              <a:rPr lang="en-US" smtClean="0">
+                <a:solidFill>
+                  <a:schemeClr val="bg1"/>
+                </a:solidFill>
+              </a:rPr>
+              <a:t>, PBS Tech Team</a:t>
+            </a:r>
+            <a:endParaRPr lang="en-US" dirty="0" smtClean="0">
+              <a:solidFill>
+                <a:schemeClr val="bg1"/>
+              </a:solidFill>
+            </a:endParaRPr>
+          </a:p>
+        </p:txBody>
+      </p:sp>
+    </p:spTree>
+  </p:cSld>
+  <p:clrMapOvr>
+    <a:masterClrMapping/>
+  </p:clrMapOvr>
+</p:sld>
+</file>
+
 <file path=ppt/slides/slide2.xml><?xml version="1.0" encoding="utf-8"?>
 <p:sld xmlns:a="http://schemas.openxmlformats.org/drawingml/2006/main" xmlns:r="http://schemas.openxmlformats.org/officeDocument/2006/relationships" xmlns:mc="http://schemas.openxmlformats.org/markup-compatibility/2006" xmlns:mv="urn:schemas-microsoft-com:mac:vml" xmlns:p="http://schemas.openxmlformats.org/presentationml/2006/main" mc:Ignorable="mv" mc:PreserveAttributes="mv:*">
   <p:cSld>
@@ -5096,15 +8331,7 @@
                   <a:schemeClr val="bg1"/>
                 </a:solidFill>
               </a:rPr>
-              <a:t>But really, </a:t>
-            </a:r>
-            <a:r>
-              <a:rPr lang="en-US" dirty="0" smtClean="0">
-                <a:solidFill>
-                  <a:schemeClr val="bg1"/>
-                </a:solidFill>
-              </a:rPr>
-              <a:t>how?</a:t>
+              <a:t>But really, how?</a:t>
             </a:r>
             <a:endParaRPr lang="en-US" dirty="0">
               <a:solidFill>
@@ -5400,7 +8627,7 @@
                   <a:schemeClr val="bg1"/>
                 </a:solidFill>
               </a:rPr>
-              <a:t>Jockey Perks</a:t>
+              <a:t>But really, how?</a:t>
             </a:r>
             <a:endParaRPr lang="en-US" dirty="0">
               <a:solidFill>
@@ -5410,74 +8637,26 @@
           </a:p>
         </p:txBody>
       </p:sp>
-      <p:sp>
-        <p:nvSpPr>
-          <p:cNvPr id="3" name="Content Placeholder 2"/>
-          <p:cNvSpPr>
-            <a:spLocks noGrp="1"/>
-          </p:cNvSpPr>
+      <p:graphicFrame>
+        <p:nvGraphicFramePr>
+          <p:cNvPr id="11" name="Content Placeholder 10"/>
+          <p:cNvGraphicFramePr>
+            <a:graphicFrameLocks noGrp="1"/>
+          </p:cNvGraphicFramePr>
           <p:nvPr>
             <p:ph idx="1"/>
           </p:nvPr>
-        </p:nvSpPr>
-        <p:spPr/>
-        <p:txBody>
-          <a:bodyPr>
-            <a:normAutofit/>
-          </a:bodyPr>
-          <a:lstStyle/>
-          <a:p>
-            <a:r>
-              <a:rPr lang="en-US" dirty="0" smtClean="0">
-                <a:solidFill>
-                  <a:schemeClr val="bg1"/>
-                </a:solidFill>
-              </a:rPr>
-              <a:t>Maintain and work on your own database</a:t>
-            </a:r>
-          </a:p>
-          <a:p>
-            <a:r>
-              <a:rPr lang="en-US" dirty="0" smtClean="0">
-                <a:solidFill>
-                  <a:schemeClr val="bg1"/>
-                </a:solidFill>
-              </a:rPr>
-              <a:t>Work with multiple databases</a:t>
-            </a:r>
-          </a:p>
-          <a:p>
-            <a:r>
-              <a:rPr lang="en-US" dirty="0" smtClean="0">
-                <a:solidFill>
-                  <a:schemeClr val="bg1"/>
-                </a:solidFill>
-              </a:rPr>
-              <a:t>Switch between databases on the fly. Experiment with your models without messing up the db</a:t>
-            </a:r>
-          </a:p>
-          <a:p>
-            <a:r>
-              <a:rPr lang="en-US" dirty="0" smtClean="0">
-                <a:solidFill>
-                  <a:schemeClr val="bg1"/>
-                </a:solidFill>
-              </a:rPr>
-              <a:t>Work with different application sets</a:t>
-            </a:r>
-          </a:p>
-          <a:p>
-            <a:r>
-              <a:rPr lang="en-US" dirty="0" smtClean="0">
-                <a:solidFill>
-                  <a:schemeClr val="bg1"/>
-                </a:solidFill>
-              </a:rPr>
-              <a:t>Create &amp; test unlimited number of profile for your application and test all possible deployment circumstances </a:t>
-            </a:r>
-          </a:p>
-        </p:txBody>
-      </p:sp>
+        </p:nvGraphicFramePr>
+        <p:xfrm>
+          <a:off x="457200" y="1775191"/>
+          <a:ext cx="8229600" cy="4625609"/>
+        </p:xfrm>
+        <a:graphic>
+          <a:graphicData uri="http://schemas.openxmlformats.org/drawingml/2006/diagram">
+            <a:relIds xmlns:dgm="http://schemas.openxmlformats.org/drawingml/2006/diagram" xmlns:r="http://schemas.openxmlformats.org/officeDocument/2006/relationships" r:dm="rId3" r:lo="rId4" r:qs="rId5" r:cs="rId6"/>
+          </a:graphicData>
+        </a:graphic>
+      </p:graphicFrame>
     </p:spTree>
   </p:cSld>
   <p:clrMapOvr>
@@ -5524,7 +8703,7 @@
                   <a:schemeClr val="bg1"/>
                 </a:solidFill>
               </a:rPr>
-              <a:t>Demo</a:t>
+              <a:t>Jockey Perks</a:t>
             </a:r>
             <a:endParaRPr lang="en-US" dirty="0">
               <a:solidFill>
@@ -5557,23 +8736,47 @@
                   <a:schemeClr val="bg1"/>
                 </a:solidFill>
               </a:rPr>
-              <a:t>Now an awesome demo of </a:t>
-            </a:r>
-            <a:r>
-              <a:rPr lang="en-US" dirty="0" err="1" smtClean="0">
-                <a:solidFill>
-                  <a:schemeClr val="bg1"/>
-                </a:solidFill>
-              </a:rPr>
-              <a:t>django-config</a:t>
-            </a:r>
+              <a:t>Maintain and work on your own database</a:t>
+            </a:r>
+          </a:p>
+          <a:p>
             <a:r>
               <a:rPr lang="en-US" dirty="0" smtClean="0">
                 <a:solidFill>
                   <a:schemeClr val="bg1"/>
                 </a:solidFill>
               </a:rPr>
-              <a:t> in action</a:t>
+              <a:t>Work with multiple databases</a:t>
+            </a:r>
+          </a:p>
+          <a:p>
+            <a:r>
+              <a:rPr lang="en-US" dirty="0" smtClean="0">
+                <a:solidFill>
+                  <a:schemeClr val="bg1"/>
+                </a:solidFill>
+              </a:rPr>
+              <a:t>Switch between databases on the fly. Experiment with your models without messing up the db</a:t>
+            </a:r>
+          </a:p>
+          <a:p>
+            <a:r>
+              <a:rPr lang="en-US" dirty="0" smtClean="0">
+                <a:solidFill>
+                  <a:schemeClr val="bg1"/>
+                </a:solidFill>
+              </a:rPr>
+              <a:t>Work with different application sets</a:t>
+            </a:r>
+          </a:p>
+          <a:p>
+            <a:r>
+              <a:rPr lang="en-US" dirty="0" smtClean="0">
+                <a:solidFill>
+                  <a:schemeClr val="bg1"/>
+                </a:solidFill>
+              </a:rPr>
+              <a:t>Create &amp; test unlimited number of profile for your application and test all possible deployment circumstances </a:t>
             </a:r>
           </a:p>
         </p:txBody>

--- a/docs/Jockeying.pptx
+++ b/docs/Jockeying.pptx
@@ -10,9 +10,9 @@
   <p:sldIdLst>
     <p:sldId id="256" r:id="rId2"/>
     <p:sldId id="257" r:id="rId3"/>
-    <p:sldId id="262" r:id="rId4"/>
-    <p:sldId id="263" r:id="rId5"/>
-    <p:sldId id="264" r:id="rId6"/>
+    <p:sldId id="263" r:id="rId4"/>
+    <p:sldId id="264" r:id="rId5"/>
+    <p:sldId id="262" r:id="rId6"/>
     <p:sldId id="258" r:id="rId7"/>
     <p:sldId id="259" r:id="rId8"/>
     <p:sldId id="266" r:id="rId9"/>
@@ -964,7 +964,11 @@
         <a:p>
           <a:r>
             <a:rPr lang="en-US" dirty="0" smtClean="0"/>
-            <a:t>Invoke deployment script</a:t>
+            <a:t>Invoke</a:t>
+          </a:r>
+          <a:r>
+            <a:rPr lang="en-US" dirty="0" smtClean="0"/>
+            <a:t> environment setup script</a:t>
           </a:r>
           <a:endParaRPr lang="en-US" dirty="0"/>
         </a:p>
@@ -1038,7 +1042,11 @@
         <a:p>
           <a:r>
             <a:rPr lang="en-US" dirty="0" smtClean="0"/>
-            <a:t>base.py</a:t>
+            <a:t>deployment.</a:t>
+          </a:r>
+          <a:r>
+            <a:rPr lang="en-US" dirty="0" smtClean="0"/>
+            <a:t>py</a:t>
           </a:r>
           <a:endParaRPr lang="en-US" dirty="0"/>
         </a:p>
@@ -1075,7 +1083,7 @@
         <a:p>
           <a:r>
             <a:rPr lang="en-US" dirty="0" smtClean="0"/>
-            <a:t>Define common settings (globals)</a:t>
+            <a:t>Determine the config settings identifier </a:t>
           </a:r>
           <a:endParaRPr lang="en-US" dirty="0"/>
         </a:p>
@@ -1149,7 +1157,11 @@
         <a:p>
           <a:r>
             <a:rPr lang="en-US" dirty="0" smtClean="0"/>
-            <a:t>monty.py</a:t>
+            <a:t>settings.</a:t>
+          </a:r>
+          <a:r>
+            <a:rPr lang="en-US" dirty="0" smtClean="0"/>
+            <a:t>py</a:t>
           </a:r>
           <a:endParaRPr lang="en-US" dirty="0"/>
         </a:p>
@@ -1186,7 +1198,11 @@
         <a:p>
           <a:r>
             <a:rPr lang="en-US" dirty="0" smtClean="0"/>
-            <a:t>Define user/ server specific settings (locals)</a:t>
+            <a:t>Load &amp;</a:t>
+          </a:r>
+          <a:r>
+            <a:rPr lang="en-US" dirty="0" smtClean="0"/>
+            <a:t> combine base settings (base.py) &amp; config settings (local.py) </a:t>
           </a:r>
           <a:endParaRPr lang="en-US" dirty="0"/>
         </a:p>
@@ -1214,6 +1230,43 @@
         </a:p>
       </dgm:t>
     </dgm:pt>
+    <dgm:pt modelId="{7A76D910-4EA1-9542-BA12-E3B8672E283E}">
+      <dgm:prSet phldrT="[Text]"/>
+      <dgm:spPr/>
+      <dgm:t>
+        <a:bodyPr/>
+        <a:lstStyle/>
+        <a:p>
+          <a:r>
+            <a:rPr lang="en-US" dirty="0" smtClean="0"/>
+            <a:t>Prompt user for config identifier</a:t>
+          </a:r>
+          <a:endParaRPr lang="en-US" dirty="0"/>
+        </a:p>
+      </dgm:t>
+    </dgm:pt>
+    <dgm:pt modelId="{A9771D4A-A733-364B-BAE6-87B0AFD6CA17}" type="parTrans" cxnId="{4268041B-FF18-B642-9A95-81C33166148A}">
+      <dgm:prSet/>
+      <dgm:spPr/>
+      <dgm:t>
+        <a:bodyPr/>
+        <a:lstStyle/>
+        <a:p>
+          <a:endParaRPr lang="en-US"/>
+        </a:p>
+      </dgm:t>
+    </dgm:pt>
+    <dgm:pt modelId="{D4B21628-679B-CB4E-B1F3-CB0ABAED6C2E}" type="sibTrans" cxnId="{4268041B-FF18-B642-9A95-81C33166148A}">
+      <dgm:prSet/>
+      <dgm:spPr/>
+      <dgm:t>
+        <a:bodyPr/>
+        <a:lstStyle/>
+        <a:p>
+          <a:endParaRPr lang="en-US"/>
+        </a:p>
+      </dgm:t>
+    </dgm:pt>
     <dgm:pt modelId="{6C01FCB8-98A5-5B4E-A9DD-194024644E3A}" type="pres">
       <dgm:prSet presAssocID="{384C4203-F0F1-844A-8AFC-54FD5935AD78}" presName="Name0" presStyleCnt="0">
         <dgm:presLayoutVars>
@@ -1223,6 +1276,13 @@
         </dgm:presLayoutVars>
       </dgm:prSet>
       <dgm:spPr/>
+      <dgm:t>
+        <a:bodyPr/>
+        <a:lstStyle/>
+        <a:p>
+          <a:endParaRPr lang="en-US"/>
+        </a:p>
+      </dgm:t>
     </dgm:pt>
     <dgm:pt modelId="{A680A254-4B01-A14C-A403-708FFFA46233}" type="pres">
       <dgm:prSet presAssocID="{384C4203-F0F1-844A-8AFC-54FD5935AD78}" presName="tSp" presStyleCnt="0"/>
@@ -1297,6 +1357,13 @@
     <dgm:pt modelId="{7A6C9496-7646-B54A-A060-F41A440E5A91}" type="pres">
       <dgm:prSet presAssocID="{5D49D23A-CAA4-5047-9367-9ABE10B2E839}" presName="Name9" presStyleLbl="sibTrans2D1" presStyleIdx="0" presStyleCnt="2"/>
       <dgm:spPr/>
+      <dgm:t>
+        <a:bodyPr/>
+        <a:lstStyle/>
+        <a:p>
+          <a:endParaRPr lang="en-US"/>
+        </a:p>
+      </dgm:t>
     </dgm:pt>
     <dgm:pt modelId="{91FFF532-C7AF-5C4C-81F2-054B0F72BAEC}" type="pres">
       <dgm:prSet presAssocID="{3452527D-033F-0B43-AC67-F17801485B08}" presName="composite2" presStyleCnt="0"/>
@@ -1344,6 +1411,13 @@
         </dgm:presLayoutVars>
       </dgm:prSet>
       <dgm:spPr/>
+      <dgm:t>
+        <a:bodyPr/>
+        <a:lstStyle/>
+        <a:p>
+          <a:endParaRPr lang="en-US"/>
+        </a:p>
+      </dgm:t>
     </dgm:pt>
     <dgm:pt modelId="{9EEE39C8-CD95-DC40-9C1A-B6DB81F9E3EF}" type="pres">
       <dgm:prSet presAssocID="{3452527D-033F-0B43-AC67-F17801485B08}" presName="connSite2" presStyleCnt="0"/>
@@ -1352,6 +1426,13 @@
     <dgm:pt modelId="{0103A357-9424-8A46-939C-0897C882D4AA}" type="pres">
       <dgm:prSet presAssocID="{B5EC9FB6-97E6-2D41-B9F0-031F62E40982}" presName="Name18" presStyleLbl="sibTrans2D1" presStyleIdx="1" presStyleCnt="2"/>
       <dgm:spPr/>
+      <dgm:t>
+        <a:bodyPr/>
+        <a:lstStyle/>
+        <a:p>
+          <a:endParaRPr lang="en-US"/>
+        </a:p>
+      </dgm:t>
     </dgm:pt>
     <dgm:pt modelId="{A77E5467-4145-8B4F-9616-4922088B99C9}" type="pres">
       <dgm:prSet presAssocID="{3C50E939-7B8F-9D4B-B033-8710334FB0CD}" presName="composite1" presStyleCnt="0"/>
@@ -1368,6 +1449,13 @@
         </dgm:presLayoutVars>
       </dgm:prSet>
       <dgm:spPr/>
+      <dgm:t>
+        <a:bodyPr/>
+        <a:lstStyle/>
+        <a:p>
+          <a:endParaRPr lang="en-US"/>
+        </a:p>
+      </dgm:t>
     </dgm:pt>
     <dgm:pt modelId="{E89EFEFB-8B60-0E45-8F2D-1B294103B1B2}" type="pres">
       <dgm:prSet presAssocID="{3C50E939-7B8F-9D4B-B033-8710334FB0CD}" presName="childNode1tx" presStyleLbl="bgAcc1" presStyleIdx="2" presStyleCnt="3">
@@ -1376,6 +1464,13 @@
         </dgm:presLayoutVars>
       </dgm:prSet>
       <dgm:spPr/>
+      <dgm:t>
+        <a:bodyPr/>
+        <a:lstStyle/>
+        <a:p>
+          <a:endParaRPr lang="en-US"/>
+        </a:p>
+      </dgm:t>
     </dgm:pt>
     <dgm:pt modelId="{BBC461EE-017A-F347-ABEE-13931D46E8BC}" type="pres">
       <dgm:prSet presAssocID="{3C50E939-7B8F-9D4B-B033-8710334FB0CD}" presName="parentNode1" presStyleLbl="node1" presStyleIdx="2" presStyleCnt="3">
@@ -1385,6 +1480,13 @@
         </dgm:presLayoutVars>
       </dgm:prSet>
       <dgm:spPr/>
+      <dgm:t>
+        <a:bodyPr/>
+        <a:lstStyle/>
+        <a:p>
+          <a:endParaRPr lang="en-US"/>
+        </a:p>
+      </dgm:t>
     </dgm:pt>
     <dgm:pt modelId="{2610DF82-912B-E14F-A448-FCA0DD35DB36}" type="pres">
       <dgm:prSet presAssocID="{3C50E939-7B8F-9D4B-B033-8710334FB0CD}" presName="connSite1" presStyleCnt="0"/>
@@ -1395,11 +1497,13 @@
     <dgm:cxn modelId="{A0D7752F-7CC1-1C48-AA10-F10EB1857061}" type="presOf" srcId="{8DF378EA-CAAC-1446-9A46-0B1A1E562E5F}" destId="{E89EFEFB-8B60-0E45-8F2D-1B294103B1B2}" srcOrd="1" destOrd="0" presId="urn:microsoft.com/office/officeart/2005/8/layout/hProcess4"/>
     <dgm:cxn modelId="{4E912793-9143-A247-B663-FDFAFB81CDC7}" type="presOf" srcId="{85F41260-BEC8-7F4C-B439-6F9C9C582DA5}" destId="{731562BD-C26F-9040-A19F-A3798F96008A}" srcOrd="0" destOrd="0" presId="urn:microsoft.com/office/officeart/2005/8/layout/hProcess4"/>
     <dgm:cxn modelId="{86D447F7-4055-4F47-8DA4-C1551E52FA35}" type="presOf" srcId="{85F41260-BEC8-7F4C-B439-6F9C9C582DA5}" destId="{311E72AD-F7E8-2942-9830-A768078213A9}" srcOrd="1" destOrd="0" presId="urn:microsoft.com/office/officeart/2005/8/layout/hProcess4"/>
+    <dgm:cxn modelId="{4268041B-FF18-B642-9A95-81C33166148A}" srcId="{0962A4BE-1540-D245-84AC-011584A65C5D}" destId="{7A76D910-4EA1-9542-BA12-E3B8672E283E}" srcOrd="1" destOrd="0" parTransId="{A9771D4A-A733-364B-BAE6-87B0AFD6CA17}" sibTransId="{D4B21628-679B-CB4E-B1F3-CB0ABAED6C2E}"/>
     <dgm:cxn modelId="{796D1A5E-3395-F347-9BF0-60DE6A30BBE1}" type="presOf" srcId="{A5DB53BF-FE87-1D45-AEA3-29CB4B19DBE8}" destId="{311E72AD-F7E8-2942-9830-A768078213A9}" srcOrd="1" destOrd="1" presId="urn:microsoft.com/office/officeart/2005/8/layout/hProcess4"/>
     <dgm:cxn modelId="{1588EB06-E352-D34F-911C-A4F2088EC226}" srcId="{3C50E939-7B8F-9D4B-B033-8710334FB0CD}" destId="{079B462B-251A-4048-A45D-3D24A682F838}" srcOrd="1" destOrd="0" parTransId="{E100FC1C-CC5E-1A45-9FAC-F840155D5131}" sibTransId="{65BBE39C-46CE-0E4B-BFDF-1C3D0617A16D}"/>
     <dgm:cxn modelId="{FB23BE9E-14EE-704A-AA4F-09D45FDA5480}" type="presOf" srcId="{079B462B-251A-4048-A45D-3D24A682F838}" destId="{E89EFEFB-8B60-0E45-8F2D-1B294103B1B2}" srcOrd="1" destOrd="1" presId="urn:microsoft.com/office/officeart/2005/8/layout/hProcess4"/>
     <dgm:cxn modelId="{D60DD18C-AE44-AE4F-8C6B-AEF993934616}" type="presOf" srcId="{9C994B46-728B-8F43-98D7-4B6F56FDDA43}" destId="{5BC7EDA4-7EA0-C645-AA66-3872343BA267}" srcOrd="1" destOrd="0" presId="urn:microsoft.com/office/officeart/2005/8/layout/hProcess4"/>
     <dgm:cxn modelId="{092649D6-4791-3545-97F4-653BCB0FCFF5}" type="presOf" srcId="{384C4203-F0F1-844A-8AFC-54FD5935AD78}" destId="{6C01FCB8-98A5-5B4E-A9DD-194024644E3A}" srcOrd="0" destOrd="0" presId="urn:microsoft.com/office/officeart/2005/8/layout/hProcess4"/>
+    <dgm:cxn modelId="{4A663326-13CC-EB44-86C4-60C770A486C7}" type="presOf" srcId="{7A76D910-4EA1-9542-BA12-E3B8672E283E}" destId="{8882CF0F-38AE-0741-B58F-A020283E1495}" srcOrd="0" destOrd="1" presId="urn:microsoft.com/office/officeart/2005/8/layout/hProcess4"/>
     <dgm:cxn modelId="{59117101-8FE6-094E-B0CD-BB8EA4ACA38D}" type="presOf" srcId="{9C994B46-728B-8F43-98D7-4B6F56FDDA43}" destId="{8882CF0F-38AE-0741-B58F-A020283E1495}" srcOrd="0" destOrd="0" presId="urn:microsoft.com/office/officeart/2005/8/layout/hProcess4"/>
     <dgm:cxn modelId="{93EF36D2-7797-1B47-BD3B-2097C55AC5DC}" type="presOf" srcId="{079B462B-251A-4048-A45D-3D24A682F838}" destId="{0C48D3E5-DC87-BF42-8640-04491CDE4F08}" srcOrd="0" destOrd="1" presId="urn:microsoft.com/office/officeart/2005/8/layout/hProcess4"/>
     <dgm:cxn modelId="{24F2EFCA-3D45-3245-91AE-1F7516EE747C}" srcId="{3452527D-033F-0B43-AC67-F17801485B08}" destId="{85F41260-BEC8-7F4C-B439-6F9C9C582DA5}" srcOrd="0" destOrd="0" parTransId="{AB0BDB64-F4C8-9648-8881-95BF5346257C}" sibTransId="{B30F3288-3355-B949-88A7-8A0210583629}"/>
@@ -1410,13 +1514,14 @@
     <dgm:cxn modelId="{964FAF31-61F1-604A-81A4-7A192FF41412}" srcId="{3452527D-033F-0B43-AC67-F17801485B08}" destId="{A5DB53BF-FE87-1D45-AEA3-29CB4B19DBE8}" srcOrd="1" destOrd="0" parTransId="{CAE6F83C-33D1-744A-AAD9-19883D9201F2}" sibTransId="{9F1FACD8-892D-3246-8388-4BCB8D26829F}"/>
     <dgm:cxn modelId="{810A0E9D-7074-9E40-ADF7-3D7EB11B881F}" type="presOf" srcId="{5D49D23A-CAA4-5047-9367-9ABE10B2E839}" destId="{7A6C9496-7646-B54A-A060-F41A440E5A91}" srcOrd="0" destOrd="0" presId="urn:microsoft.com/office/officeart/2005/8/layout/hProcess4"/>
     <dgm:cxn modelId="{16077947-9115-8149-9DD1-90C7B5DA447E}" srcId="{384C4203-F0F1-844A-8AFC-54FD5935AD78}" destId="{0962A4BE-1540-D245-84AC-011584A65C5D}" srcOrd="0" destOrd="0" parTransId="{D908DD14-3ADD-0048-9DC0-EBEE54F71023}" sibTransId="{5D49D23A-CAA4-5047-9367-9ABE10B2E839}"/>
-    <dgm:cxn modelId="{81193390-1F35-6448-A0B3-85D4C68E25C5}" srcId="{0962A4BE-1540-D245-84AC-011584A65C5D}" destId="{84EE4D0A-110A-9D42-9741-4B6A70B0CF26}" srcOrd="1" destOrd="0" parTransId="{D198FA24-B01C-CE4B-B689-FCBE6A308049}" sibTransId="{383CCDD3-5920-724F-9EB7-E0531A810C6C}"/>
+    <dgm:cxn modelId="{81193390-1F35-6448-A0B3-85D4C68E25C5}" srcId="{0962A4BE-1540-D245-84AC-011584A65C5D}" destId="{84EE4D0A-110A-9D42-9741-4B6A70B0CF26}" srcOrd="2" destOrd="0" parTransId="{D198FA24-B01C-CE4B-B689-FCBE6A308049}" sibTransId="{383CCDD3-5920-724F-9EB7-E0531A810C6C}"/>
+    <dgm:cxn modelId="{8A34C384-2F2E-F345-B868-49C6F1C9663F}" type="presOf" srcId="{0962A4BE-1540-D245-84AC-011584A65C5D}" destId="{0A346AD2-7951-F34E-B906-A573C453F89C}" srcOrd="0" destOrd="0" presId="urn:microsoft.com/office/officeart/2005/8/layout/hProcess4"/>
     <dgm:cxn modelId="{AA990237-19E4-E648-98A7-B751F41D4ACB}" type="presOf" srcId="{3C50E939-7B8F-9D4B-B033-8710334FB0CD}" destId="{BBC461EE-017A-F347-ABEE-13931D46E8BC}" srcOrd="0" destOrd="0" presId="urn:microsoft.com/office/officeart/2005/8/layout/hProcess4"/>
-    <dgm:cxn modelId="{8A34C384-2F2E-F345-B868-49C6F1C9663F}" type="presOf" srcId="{0962A4BE-1540-D245-84AC-011584A65C5D}" destId="{0A346AD2-7951-F34E-B906-A573C453F89C}" srcOrd="0" destOrd="0" presId="urn:microsoft.com/office/officeart/2005/8/layout/hProcess4"/>
-    <dgm:cxn modelId="{B2ABC9DB-2012-574C-A221-BB47AC35D3AE}" type="presOf" srcId="{84EE4D0A-110A-9D42-9741-4B6A70B0CF26}" destId="{8882CF0F-38AE-0741-B58F-A020283E1495}" srcOrd="0" destOrd="1" presId="urn:microsoft.com/office/officeart/2005/8/layout/hProcess4"/>
+    <dgm:cxn modelId="{B2ABC9DB-2012-574C-A221-BB47AC35D3AE}" type="presOf" srcId="{84EE4D0A-110A-9D42-9741-4B6A70B0CF26}" destId="{8882CF0F-38AE-0741-B58F-A020283E1495}" srcOrd="0" destOrd="2" presId="urn:microsoft.com/office/officeart/2005/8/layout/hProcess4"/>
     <dgm:cxn modelId="{83A9C681-AF3E-674D-A6BF-EFD9DDE49257}" srcId="{3C50E939-7B8F-9D4B-B033-8710334FB0CD}" destId="{8DF378EA-CAAC-1446-9A46-0B1A1E562E5F}" srcOrd="0" destOrd="0" parTransId="{6BFE35AD-8737-2544-8DA7-D9258FBF52BD}" sibTransId="{EB06A76D-EAC5-9446-A90F-6A6AF0DD1B4C}"/>
+    <dgm:cxn modelId="{240890CA-2A28-E840-931C-1794A1C64CFA}" type="presOf" srcId="{7A76D910-4EA1-9542-BA12-E3B8672E283E}" destId="{5BC7EDA4-7EA0-C645-AA66-3872343BA267}" srcOrd="1" destOrd="1" presId="urn:microsoft.com/office/officeart/2005/8/layout/hProcess4"/>
     <dgm:cxn modelId="{90798DFC-0C6B-9D42-BC11-2FCD9CCAD1A0}" type="presOf" srcId="{B5EC9FB6-97E6-2D41-B9F0-031F62E40982}" destId="{0103A357-9424-8A46-939C-0897C882D4AA}" srcOrd="0" destOrd="0" presId="urn:microsoft.com/office/officeart/2005/8/layout/hProcess4"/>
-    <dgm:cxn modelId="{E39012E1-A1A1-7747-B7A2-C0F565AA492F}" type="presOf" srcId="{84EE4D0A-110A-9D42-9741-4B6A70B0CF26}" destId="{5BC7EDA4-7EA0-C645-AA66-3872343BA267}" srcOrd="1" destOrd="1" presId="urn:microsoft.com/office/officeart/2005/8/layout/hProcess4"/>
+    <dgm:cxn modelId="{E39012E1-A1A1-7747-B7A2-C0F565AA492F}" type="presOf" srcId="{84EE4D0A-110A-9D42-9741-4B6A70B0CF26}" destId="{5BC7EDA4-7EA0-C645-AA66-3872343BA267}" srcOrd="1" destOrd="2" presId="urn:microsoft.com/office/officeart/2005/8/layout/hProcess4"/>
     <dgm:cxn modelId="{E063C876-4E39-664A-A842-A00D89956612}" type="presOf" srcId="{3452527D-033F-0B43-AC67-F17801485B08}" destId="{7B704AB9-81D5-2A42-A406-EA4F6ED64987}" srcOrd="0" destOrd="0" presId="urn:microsoft.com/office/officeart/2005/8/layout/hProcess4"/>
     <dgm:cxn modelId="{DBF90196-7606-6643-BC6D-C19860EC7CAC}" type="presOf" srcId="{8DF378EA-CAAC-1446-9A46-0B1A1E562E5F}" destId="{0C48D3E5-DC87-BF42-8640-04491CDE4F08}" srcOrd="0" destOrd="0" presId="urn:microsoft.com/office/officeart/2005/8/layout/hProcess4"/>
     <dgm:cxn modelId="{197B6C0E-3FF6-3142-A973-72C26BE48298}" type="presParOf" srcId="{6C01FCB8-98A5-5B4E-A9DD-194024644E3A}" destId="{A680A254-4B01-A14C-A403-708FFFA46233}" srcOrd="0" destOrd="0" presId="urn:microsoft.com/office/officeart/2005/8/layout/hProcess4"/>
@@ -3610,6 +3715,14 @@
           </a:bodyPr>
           <a:lstStyle/>
           <a:p>
+            <a:r>
+              <a:rPr lang="en-US" dirty="0" smtClean="0"/>
+              <a:t>You don’t want to be sad like this puppy who</a:t>
+            </a:r>
+            <a:r>
+              <a:rPr lang="en-US" baseline="0" dirty="0" smtClean="0"/>
+              <a:t> doesn’t have a saddle</a:t>
+            </a:r>
             <a:endParaRPr lang="en-US" dirty="0"/>
           </a:p>
         </p:txBody>
@@ -3692,6 +3805,10 @@
           </a:bodyPr>
           <a:lstStyle/>
           <a:p>
+            <a:r>
+              <a:rPr lang="en-US" dirty="0" smtClean="0"/>
+              <a:t>You don’t want to be pushed around while riding your pony</a:t>
+            </a:r>
             <a:endParaRPr lang="en-US" dirty="0"/>
           </a:p>
         </p:txBody>
@@ -3774,6 +3891,14 @@
           </a:bodyPr>
           <a:lstStyle/>
           <a:p>
+            <a:r>
+              <a:rPr lang="en-US" dirty="0" smtClean="0"/>
+              <a:t>That’s</a:t>
+            </a:r>
+            <a:r>
+              <a:rPr lang="en-US" baseline="0" dirty="0" smtClean="0"/>
+              <a:t> right. You need your own saddle.</a:t>
+            </a:r>
             <a:endParaRPr lang="en-US" dirty="0"/>
           </a:p>
         </p:txBody>
@@ -3966,6 +4091,96 @@
           </a:bodyPr>
           <a:lstStyle/>
           <a:p>
+            <a:r>
+              <a:rPr lang="en-US" dirty="0" smtClean="0"/>
+              <a:t>Enable password</a:t>
+            </a:r>
+            <a:r>
+              <a:rPr lang="en-US" baseline="0" dirty="0" smtClean="0"/>
+              <a:t> when you don’t want people to accidentally edit your settings (e.g. production settings)</a:t>
+            </a:r>
+            <a:endParaRPr lang="en-US" dirty="0"/>
+          </a:p>
+        </p:txBody>
+      </p:sp>
+      <p:sp>
+        <p:nvSpPr>
+          <p:cNvPr id="4" name="Slide Number Placeholder 3"/>
+          <p:cNvSpPr>
+            <a:spLocks noGrp="1"/>
+          </p:cNvSpPr>
+          <p:nvPr>
+            <p:ph type="sldNum" sz="quarter" idx="10"/>
+          </p:nvPr>
+        </p:nvSpPr>
+        <p:spPr/>
+        <p:txBody>
+          <a:bodyPr/>
+          <a:lstStyle/>
+          <a:p>
+            <a:fld id="{E14CCCAD-E85B-DC4C-9634-9AA5CC62F257}" type="slidenum">
+              <a:rPr lang="en-US" smtClean="0"/>
+              <a:pPr/>
+              <a:t>7</a:t>
+            </a:fld>
+            <a:endParaRPr lang="en-US"/>
+          </a:p>
+        </p:txBody>
+      </p:sp>
+    </p:spTree>
+  </p:cSld>
+  <p:clrMapOvr>
+    <a:masterClrMapping/>
+  </p:clrMapOvr>
+</p:notes>
+</file>
+
+<file path=ppt/notesSlides/notesSlide8.xml><?xml version="1.0" encoding="utf-8"?>
+<p:notes xmlns:a="http://schemas.openxmlformats.org/drawingml/2006/main" xmlns:r="http://schemas.openxmlformats.org/officeDocument/2006/relationships" xmlns:mc="http://schemas.openxmlformats.org/markup-compatibility/2006" xmlns:mv="urn:schemas-microsoft-com:mac:vml" xmlns:p="http://schemas.openxmlformats.org/presentationml/2006/main" mc:Ignorable="mv" mc:PreserveAttributes="mv:*">
+  <p:cSld>
+    <p:spTree>
+      <p:nvGrpSpPr>
+        <p:cNvPr id="1" name=""/>
+        <p:cNvGrpSpPr/>
+        <p:nvPr/>
+      </p:nvGrpSpPr>
+      <p:grpSpPr>
+        <a:xfrm>
+          <a:off x="0" y="0"/>
+          <a:ext cx="0" cy="0"/>
+          <a:chOff x="0" y="0"/>
+          <a:chExt cx="0" cy="0"/>
+        </a:xfrm>
+      </p:grpSpPr>
+      <p:sp>
+        <p:nvSpPr>
+          <p:cNvPr id="2" name="Slide Image Placeholder 1"/>
+          <p:cNvSpPr>
+            <a:spLocks noGrp="1" noRot="1" noChangeAspect="1"/>
+          </p:cNvSpPr>
+          <p:nvPr>
+            <p:ph type="sldImg"/>
+          </p:nvPr>
+        </p:nvSpPr>
+        <p:spPr/>
+      </p:sp>
+      <p:sp>
+        <p:nvSpPr>
+          <p:cNvPr id="3" name="Notes Placeholder 2"/>
+          <p:cNvSpPr>
+            <a:spLocks noGrp="1"/>
+          </p:cNvSpPr>
+          <p:nvPr>
+            <p:ph type="body" idx="1"/>
+          </p:nvPr>
+        </p:nvSpPr>
+        <p:spPr/>
+        <p:txBody>
+          <a:bodyPr>
+            <a:normAutofit/>
+          </a:bodyPr>
+          <a:lstStyle/>
+          <a:p>
             <a:endParaRPr lang="en-US" dirty="0"/>
           </a:p>
         </p:txBody>
@@ -3989,6 +4204,88 @@
               <a:rPr lang="en-US" smtClean="0"/>
               <a:pPr/>
               <a:t>8</a:t>
+            </a:fld>
+            <a:endParaRPr lang="en-US"/>
+          </a:p>
+        </p:txBody>
+      </p:sp>
+    </p:spTree>
+  </p:cSld>
+  <p:clrMapOvr>
+    <a:masterClrMapping/>
+  </p:clrMapOvr>
+</p:notes>
+</file>
+
+<file path=ppt/notesSlides/notesSlide9.xml><?xml version="1.0" encoding="utf-8"?>
+<p:notes xmlns:a="http://schemas.openxmlformats.org/drawingml/2006/main" xmlns:r="http://schemas.openxmlformats.org/officeDocument/2006/relationships" xmlns:mc="http://schemas.openxmlformats.org/markup-compatibility/2006" xmlns:mv="urn:schemas-microsoft-com:mac:vml" xmlns:p="http://schemas.openxmlformats.org/presentationml/2006/main" mc:Ignorable="mv" mc:PreserveAttributes="mv:*">
+  <p:cSld>
+    <p:spTree>
+      <p:nvGrpSpPr>
+        <p:cNvPr id="1" name=""/>
+        <p:cNvGrpSpPr/>
+        <p:nvPr/>
+      </p:nvGrpSpPr>
+      <p:grpSpPr>
+        <a:xfrm>
+          <a:off x="0" y="0"/>
+          <a:ext cx="0" cy="0"/>
+          <a:chOff x="0" y="0"/>
+          <a:chExt cx="0" cy="0"/>
+        </a:xfrm>
+      </p:grpSpPr>
+      <p:sp>
+        <p:nvSpPr>
+          <p:cNvPr id="2" name="Slide Image Placeholder 1"/>
+          <p:cNvSpPr>
+            <a:spLocks noGrp="1" noRot="1" noChangeAspect="1"/>
+          </p:cNvSpPr>
+          <p:nvPr>
+            <p:ph type="sldImg"/>
+          </p:nvPr>
+        </p:nvSpPr>
+        <p:spPr/>
+      </p:sp>
+      <p:sp>
+        <p:nvSpPr>
+          <p:cNvPr id="3" name="Notes Placeholder 2"/>
+          <p:cNvSpPr>
+            <a:spLocks noGrp="1"/>
+          </p:cNvSpPr>
+          <p:nvPr>
+            <p:ph type="body" idx="1"/>
+          </p:nvPr>
+        </p:nvSpPr>
+        <p:spPr/>
+        <p:txBody>
+          <a:bodyPr>
+            <a:normAutofit/>
+          </a:bodyPr>
+          <a:lstStyle/>
+          <a:p>
+            <a:endParaRPr lang="en-US" dirty="0"/>
+          </a:p>
+        </p:txBody>
+      </p:sp>
+      <p:sp>
+        <p:nvSpPr>
+          <p:cNvPr id="4" name="Slide Number Placeholder 3"/>
+          <p:cNvSpPr>
+            <a:spLocks noGrp="1"/>
+          </p:cNvSpPr>
+          <p:nvPr>
+            <p:ph type="sldNum" sz="quarter" idx="10"/>
+          </p:nvPr>
+        </p:nvSpPr>
+        <p:spPr/>
+        <p:txBody>
+          <a:bodyPr/>
+          <a:lstStyle/>
+          <a:p>
+            <a:fld id="{E14CCCAD-E85B-DC4C-9634-9AA5CC62F257}" type="slidenum">
+              <a:rPr lang="en-US" smtClean="0"/>
+              <a:pPr/>
+              <a:t>11</a:t>
             </a:fld>
             <a:endParaRPr lang="en-US"/>
           </a:p>
@@ -7706,11 +8003,94 @@
           </a:p>
         </p:txBody>
       </p:sp>
+      <p:sp>
+        <p:nvSpPr>
+          <p:cNvPr id="4" name="Subtitle 2"/>
+          <p:cNvSpPr txBox="1">
+            <a:spLocks/>
+          </p:cNvSpPr>
+          <p:nvPr/>
+        </p:nvSpPr>
+        <p:spPr>
+          <a:xfrm>
+            <a:off x="685800" y="5562600"/>
+            <a:ext cx="8077200" cy="533400"/>
+          </a:xfrm>
+          <a:prstGeom prst="rect">
+            <a:avLst/>
+          </a:prstGeom>
+        </p:spPr>
+        <p:txBody>
+          <a:bodyPr vert="horz" lIns="118872" tIns="0" rIns="45720" bIns="0" rtlCol="0" anchor="b">
+            <a:normAutofit/>
+          </a:bodyPr>
+          <a:lstStyle/>
+          <a:p>
+            <a:pPr marL="0" marR="0" lvl="0" indent="0" algn="l" defTabSz="914400" rtl="0" eaLnBrk="1" fontAlgn="auto" latinLnBrk="0" hangingPunct="1">
+              <a:lnSpc>
+                <a:spcPct val="100000"/>
+              </a:lnSpc>
+              <a:spcBef>
+                <a:spcPts val="0"/>
+              </a:spcBef>
+              <a:spcAft>
+                <a:spcPts val="0"/>
+              </a:spcAft>
+              <a:buClr>
+                <a:schemeClr val="accent1"/>
+              </a:buClr>
+              <a:buSzPct val="80000"/>
+              <a:buFont typeface="Wingdings 2"/>
+              <a:buNone/>
+              <a:tabLst/>
+              <a:defRPr/>
+            </a:pPr>
+            <a:r>
+              <a:rPr kumimoji="0" lang="en-US" sz="2800" b="0" i="0" u="none" strike="noStrike" kern="1200" cap="none" spc="0" normalizeH="0" baseline="0" noProof="0" dirty="0" smtClean="0">
+                <a:ln>
+                  <a:noFill/>
+                </a:ln>
+                <a:solidFill>
+                  <a:schemeClr val="bg1"/>
+                </a:solidFill>
+                <a:effectLst/>
+                <a:uLnTx/>
+                <a:uFillTx/>
+                <a:latin typeface="+mn-lt"/>
+                <a:ea typeface="+mn-ea"/>
+                <a:cs typeface="+mn-cs"/>
+              </a:rPr>
+              <a:t>Tareque Hossain</a:t>
+            </a:r>
+            <a:endParaRPr kumimoji="0" lang="en-US" sz="2800" b="0" i="0" u="none" strike="noStrike" kern="1200" cap="none" spc="0" normalizeH="0" baseline="0" noProof="0" dirty="0">
+              <a:ln>
+                <a:noFill/>
+              </a:ln>
+              <a:solidFill>
+                <a:schemeClr val="bg1"/>
+              </a:solidFill>
+              <a:effectLst/>
+              <a:uLnTx/>
+              <a:uFillTx/>
+              <a:latin typeface="+mn-lt"/>
+              <a:ea typeface="+mn-ea"/>
+              <a:cs typeface="+mn-cs"/>
+            </a:endParaRPr>
+          </a:p>
+        </p:txBody>
+      </p:sp>
     </p:spTree>
   </p:cSld>
   <p:clrMapOvr>
     <a:masterClrMapping/>
   </p:clrMapOvr>
+  <p:timing>
+    <p:tnLst>
+      <p:par>
+        <p:cTn id="1" dur="indefinite" restart="never" nodeType="tmRoot"/>
+      </p:par>
+    </p:tnLst>
+  </p:timing>
 </p:sld>
 </file>
 
@@ -7793,7 +8173,7 @@
                   <a:schemeClr val="bg1"/>
                 </a:solidFill>
               </a:rPr>
-              <a:t>django-config</a:t>
+              <a:t>django</a:t>
             </a:r>
             <a:r>
               <a:rPr lang="en-US" dirty="0" smtClean="0">
@@ -7801,7 +8181,7 @@
                   <a:schemeClr val="bg1"/>
                 </a:solidFill>
               </a:rPr>
-              <a:t> in action</a:t>
+              <a:t>-config in action</a:t>
             </a:r>
           </a:p>
         </p:txBody>
@@ -7811,6 +8191,13 @@
   <p:clrMapOvr>
     <a:masterClrMapping/>
   </p:clrMapOvr>
+  <p:timing>
+    <p:tnLst>
+      <p:par>
+        <p:cTn id="1" dur="indefinite" restart="never" nodeType="tmRoot"/>
+      </p:par>
+    </p:tnLst>
+  </p:timing>
 </p:sld>
 </file>
 
@@ -7880,12 +8267,46 @@
           <a:lstStyle/>
           <a:p>
             <a:r>
+              <a:rPr lang="en-US" dirty="0" smtClean="0">
+                <a:solidFill>
+                  <a:schemeClr val="bg1"/>
+                </a:solidFill>
+              </a:rPr>
+              <a:t>Tareque Hossain, </a:t>
+            </a:r>
+            <a:r>
+              <a:rPr lang="en-US" smtClean="0">
+                <a:solidFill>
+                  <a:schemeClr val="bg1"/>
+                </a:solidFill>
+              </a:rPr>
+              <a:t>PBS</a:t>
+            </a:r>
+            <a:r>
+              <a:rPr lang="en-US" smtClean="0">
+                <a:solidFill>
+                  <a:schemeClr val="bg1"/>
+                </a:solidFill>
+              </a:rPr>
+              <a:t> TeacherLine Tech</a:t>
+            </a:r>
+          </a:p>
+          <a:p>
+            <a:r>
+              <a:rPr lang="en-US" dirty="0" smtClean="0">
+                <a:solidFill>
+                  <a:schemeClr val="bg1"/>
+                </a:solidFill>
+              </a:rPr>
+              <a:t>Details: http://</a:t>
+            </a:r>
+            <a:r>
               <a:rPr lang="en-US" dirty="0" err="1" smtClean="0">
                 <a:solidFill>
                   <a:schemeClr val="bg1"/>
                 </a:solidFill>
               </a:rPr>
-              <a:t>Tareque</a:t>
+              <a:t>bit.ly/django</a:t>
             </a:r>
             <a:r>
               <a:rPr lang="en-US" dirty="0" smtClean="0">
@@ -7893,23 +8314,7 @@
                   <a:schemeClr val="bg1"/>
                 </a:solidFill>
               </a:rPr>
-              <a:t> </a:t>
-            </a:r>
-            <a:r>
-              <a:rPr lang="en-US" dirty="0" err="1" smtClean="0">
-                <a:solidFill>
-                  <a:schemeClr val="bg1"/>
-                </a:solidFill>
-              </a:rPr>
-              <a:t>Hossain</a:t>
-            </a:r>
-            <a:r>
-              <a:rPr lang="en-US" smtClean="0">
-                <a:solidFill>
-                  <a:schemeClr val="bg1"/>
-                </a:solidFill>
-              </a:rPr>
-              <a:t>, PBS Tech Team</a:t>
+              <a:t>-config</a:t>
             </a:r>
             <a:endParaRPr lang="en-US" dirty="0" smtClean="0">
               <a:solidFill>
@@ -7924,6 +8329,13 @@
   <p:clrMapOvr>
     <a:masterClrMapping/>
   </p:clrMapOvr>
+  <p:timing>
+    <p:tnLst>
+      <p:par>
+        <p:cTn id="1" dur="indefinite" restart="never" nodeType="tmRoot"/>
+      </p:par>
+    </p:tnLst>
+  </p:timing>
 </p:sld>
 </file>
 
@@ -7987,7 +8399,9 @@
         </p:nvSpPr>
         <p:spPr/>
         <p:txBody>
-          <a:bodyPr/>
+          <a:bodyPr>
+            <a:normAutofit fontScale="92500" lnSpcReduction="10000"/>
+          </a:bodyPr>
           <a:lstStyle/>
           <a:p>
             <a:r>
@@ -7996,15 +8410,7 @@
                   <a:schemeClr val="bg1"/>
                 </a:solidFill>
               </a:rPr>
-              <a:t>You hate the “one file” </a:t>
-            </a:r>
-            <a:r>
-              <a:rPr lang="en-US" dirty="0" err="1" smtClean="0">
-                <a:solidFill>
-                  <a:schemeClr val="bg1"/>
-                </a:solidFill>
-              </a:rPr>
-              <a:t>Django</a:t>
+              <a:t>You find the single file settings management to </a:t>
             </a:r>
             <a:r>
               <a:rPr lang="en-US" dirty="0" smtClean="0">
@@ -8012,18 +8418,21 @@
                   <a:schemeClr val="bg1"/>
                 </a:solidFill>
               </a:rPr>
-              <a:t> offers for settings management</a:t>
-            </a:r>
-          </a:p>
-          <a:p>
+              <a:t>be too </a:t>
+            </a:r>
             <a:r>
               <a:rPr lang="en-US" dirty="0" smtClean="0">
                 <a:solidFill>
                   <a:schemeClr val="bg1"/>
                 </a:solidFill>
               </a:rPr>
-              <a:t>You are a jockey and you want your own saddle to ride the pony.</a:t>
-            </a:r>
+              <a:t>restrictive</a:t>
+            </a:r>
+            <a:endParaRPr lang="en-US" dirty="0" smtClean="0">
+              <a:solidFill>
+                <a:schemeClr val="bg1"/>
+              </a:solidFill>
+            </a:endParaRPr>
           </a:p>
           <a:p>
             <a:r>
@@ -8032,19 +8441,95 @@
                   <a:schemeClr val="bg1"/>
                 </a:solidFill>
               </a:rPr>
-              <a:t>You have different development, staging and production servers and edit your db settings often</a:t>
-            </a:r>
-          </a:p>
-          <a:p>
+              <a:t>You </a:t>
+            </a:r>
             <a:r>
               <a:rPr lang="en-US" dirty="0" smtClean="0">
                 <a:solidFill>
                   <a:schemeClr val="bg1"/>
                 </a:solidFill>
               </a:rPr>
-              <a:t>You have a large team and everyone is trying to use the same database</a:t>
-            </a:r>
-            <a:endParaRPr lang="en-US" dirty="0">
+              <a:t>have different development, staging and production servers and edit your</a:t>
+            </a:r>
+            <a:r>
+              <a:rPr lang="en-US" dirty="0" smtClean="0">
+                <a:solidFill>
+                  <a:schemeClr val="bg1"/>
+                </a:solidFill>
+              </a:rPr>
+              <a:t> settings often</a:t>
+            </a:r>
+          </a:p>
+          <a:p>
+            <a:r>
+              <a:rPr lang="en-US" dirty="0" smtClean="0">
+                <a:solidFill>
+                  <a:schemeClr val="bg1"/>
+                </a:solidFill>
+              </a:rPr>
+              <a:t>You have a large team and</a:t>
+            </a:r>
+            <a:r>
+              <a:rPr lang="en-US" dirty="0" smtClean="0">
+                <a:solidFill>
+                  <a:schemeClr val="bg1"/>
+                </a:solidFill>
+              </a:rPr>
+              <a:t> need developers to use different settings</a:t>
+            </a:r>
+          </a:p>
+          <a:p>
+            <a:r>
+              <a:rPr lang="en-US" dirty="0" smtClean="0">
+                <a:solidFill>
+                  <a:schemeClr val="bg1"/>
+                </a:solidFill>
+              </a:rPr>
+              <a:t>You have</a:t>
+            </a:r>
+            <a:r>
+              <a:rPr lang="en-US" dirty="0" smtClean="0">
+                <a:solidFill>
+                  <a:schemeClr val="bg1"/>
+                </a:solidFill>
+              </a:rPr>
+              <a:t> exclusive </a:t>
+            </a:r>
+            <a:r>
+              <a:rPr lang="en-US" dirty="0" smtClean="0">
+                <a:solidFill>
+                  <a:schemeClr val="bg1"/>
+                </a:solidFill>
+              </a:rPr>
+              <a:t>settings for </a:t>
+            </a:r>
+            <a:r>
+              <a:rPr lang="en-US" dirty="0" smtClean="0">
+                <a:solidFill>
+                  <a:schemeClr val="bg1"/>
+                </a:solidFill>
+              </a:rPr>
+              <a:t>testing environment</a:t>
+            </a:r>
+          </a:p>
+          <a:p>
+            <a:r>
+              <a:rPr lang="en-US" dirty="0" smtClean="0">
+                <a:solidFill>
+                  <a:schemeClr val="bg1"/>
+                </a:solidFill>
+              </a:rPr>
+              <a:t>You are a pony jockey &amp; you want your own </a:t>
+            </a:r>
+            <a:r>
+              <a:rPr lang="en-US" dirty="0" smtClean="0">
+                <a:solidFill>
+                  <a:schemeClr val="bg1"/>
+                </a:solidFill>
+              </a:rPr>
+              <a:t>saddle</a:t>
+            </a:r>
+            <a:endParaRPr lang="en-US" dirty="0" smtClean="0">
               <a:solidFill>
                 <a:schemeClr val="bg1"/>
               </a:solidFill>
@@ -8057,6 +8542,13 @@
   <p:clrMapOvr>
     <a:masterClrMapping/>
   </p:clrMapOvr>
+  <p:timing>
+    <p:tnLst>
+      <p:par>
+        <p:cTn id="1" dur="indefinite" restart="never" nodeType="tmRoot"/>
+      </p:par>
+    </p:tnLst>
+  </p:timing>
 </p:sld>
 </file>
 
@@ -8120,18 +8612,29 @@
         </p:nvPicPr>
         <p:blipFill>
           <a:blip r:embed="rId3"/>
-          <a:srcRect l="-9152" r="-9152"/>
           <a:stretch>
             <a:fillRect/>
           </a:stretch>
         </p:blipFill>
-        <p:spPr/>
+        <p:spPr>
+          <a:xfrm>
+            <a:off x="2675500" y="1775191"/>
+            <a:ext cx="3792999" cy="4625609"/>
+          </a:xfrm>
+        </p:spPr>
       </p:pic>
     </p:spTree>
   </p:cSld>
   <p:clrMapOvr>
     <a:masterClrMapping/>
   </p:clrMapOvr>
+  <p:timing>
+    <p:tnLst>
+      <p:par>
+        <p:cTn id="1" dur="indefinite" restart="never" nodeType="tmRoot"/>
+      </p:par>
+    </p:tnLst>
+  </p:timing>
 </p:sld>
 </file>
 
@@ -8201,8 +8704,8 @@
         </p:blipFill>
         <p:spPr>
           <a:xfrm>
-            <a:off x="2675500" y="1775191"/>
-            <a:ext cx="3792999" cy="4625609"/>
+            <a:off x="2675500" y="2191496"/>
+            <a:ext cx="3792999" cy="3792999"/>
           </a:xfrm>
         </p:spPr>
       </p:pic>
@@ -8211,6 +8714,13 @@
   <p:clrMapOvr>
     <a:masterClrMapping/>
   </p:clrMapOvr>
+  <p:timing>
+    <p:tnLst>
+      <p:par>
+        <p:cTn id="1" dur="indefinite" restart="never" nodeType="tmRoot"/>
+      </p:par>
+    </p:tnLst>
+  </p:timing>
 </p:sld>
 </file>
 
@@ -8274,22 +8784,25 @@
         </p:nvPicPr>
         <p:blipFill>
           <a:blip r:embed="rId3"/>
+          <a:srcRect l="-9152" r="-9152"/>
           <a:stretch>
             <a:fillRect/>
           </a:stretch>
         </p:blipFill>
-        <p:spPr>
-          <a:xfrm>
-            <a:off x="2675500" y="2191496"/>
-            <a:ext cx="3792999" cy="3792999"/>
-          </a:xfrm>
-        </p:spPr>
+        <p:spPr/>
       </p:pic>
     </p:spTree>
   </p:cSld>
   <p:clrMapOvr>
     <a:masterClrMapping/>
   </p:clrMapOvr>
+  <p:timing>
+    <p:tnLst>
+      <p:par>
+        <p:cTn id="1" dur="indefinite" restart="never" nodeType="tmRoot"/>
+      </p:par>
+    </p:tnLst>
+  </p:timing>
 </p:sld>
 </file>
 
@@ -8353,29 +8866,23 @@
         </p:nvSpPr>
         <p:spPr/>
         <p:txBody>
-          <a:bodyPr/>
+          <a:bodyPr>
+            <a:normAutofit/>
+          </a:bodyPr>
           <a:lstStyle/>
           <a:p>
             <a:r>
-              <a:rPr lang="en-US" dirty="0" smtClean="0">
+              <a:rPr lang="en-US" sz="3600" dirty="0" smtClean="0">
                 <a:solidFill>
                   <a:schemeClr val="bg1"/>
                 </a:solidFill>
               </a:rPr>
-              <a:t>Maintain a global settings file which </a:t>
-            </a:r>
-            <a:r>
-              <a:rPr lang="en-US" smtClean="0">
-                <a:solidFill>
-                  <a:schemeClr val="bg1"/>
-                </a:solidFill>
-              </a:rPr>
-              <a:t>everyone shares</a:t>
-            </a:r>
-          </a:p>
-          <a:p>
-            <a:r>
-              <a:rPr lang="en-US" dirty="0" smtClean="0">
+              <a:t>Maintain a global settings file which everyone shares</a:t>
+            </a:r>
+          </a:p>
+          <a:p>
+            <a:r>
+              <a:rPr lang="en-US" sz="3600" dirty="0" smtClean="0">
                 <a:solidFill>
                   <a:schemeClr val="bg1"/>
                 </a:solidFill>
@@ -8386,67 +8893,46 @@
           <a:p>
             <a:pPr lvl="1"/>
             <a:r>
-              <a:rPr lang="en-US" dirty="0" smtClean="0">
+              <a:rPr lang="en-US" sz="3600" dirty="0" smtClean="0">
                 <a:solidFill>
                   <a:schemeClr val="bg1"/>
                 </a:solidFill>
               </a:rPr>
-              <a:t>Different developer settings (e.g. </a:t>
-            </a:r>
-            <a:r>
-              <a:rPr lang="en-US" dirty="0" err="1" smtClean="0">
+              <a:t>Different developer settings (e.g.</a:t>
+            </a:r>
+            <a:r>
+              <a:rPr lang="en-US" sz="3600" dirty="0" smtClean="0">
                 <a:solidFill>
                   <a:schemeClr val="bg1"/>
                 </a:solidFill>
               </a:rPr>
-              <a:t>monty</a:t>
-            </a:r>
-            <a:r>
-              <a:rPr lang="en-US" dirty="0" smtClean="0">
+              <a:t> dev1, dev2)</a:t>
+            </a:r>
+            <a:endParaRPr lang="en-US" sz="3600" dirty="0" smtClean="0">
+              <a:solidFill>
+                <a:schemeClr val="bg1"/>
+              </a:solidFill>
+            </a:endParaRPr>
+          </a:p>
+          <a:p>
+            <a:pPr lvl="1"/>
+            <a:r>
+              <a:rPr lang="en-US" sz="3600" dirty="0" smtClean="0">
                 <a:solidFill>
                   <a:schemeClr val="bg1"/>
                 </a:solidFill>
               </a:rPr>
-              <a:t>, silly)</a:t>
-            </a:r>
-          </a:p>
-          <a:p>
-            <a:pPr lvl="1"/>
-            <a:r>
-              <a:rPr lang="en-US" dirty="0" smtClean="0">
+              <a:t>Different server settings (e.g. local, staging, production</a:t>
+            </a:r>
+            <a:r>
+              <a:rPr lang="en-US" sz="3600" dirty="0" smtClean="0">
                 <a:solidFill>
                   <a:schemeClr val="bg1"/>
                 </a:solidFill>
               </a:rPr>
-              <a:t>Different server settings (e.g. local, staging, production)</a:t>
-            </a:r>
-          </a:p>
-          <a:p>
-            <a:r>
-              <a:rPr lang="en-US" dirty="0" smtClean="0">
-                <a:solidFill>
-                  <a:schemeClr val="bg1"/>
-                </a:solidFill>
-              </a:rPr>
-              <a:t>Override </a:t>
-            </a:r>
-            <a:r>
-              <a:rPr lang="en-US" dirty="0" err="1" smtClean="0">
-                <a:solidFill>
-                  <a:schemeClr val="bg1"/>
-                </a:solidFill>
-              </a:rPr>
-              <a:t>manage.py</a:t>
-            </a:r>
-            <a:r>
-              <a:rPr lang="en-US" dirty="0" smtClean="0">
-                <a:solidFill>
-                  <a:schemeClr val="bg1"/>
-                </a:solidFill>
-              </a:rPr>
-              <a:t> &amp; combine global settings with your server/ developer settings</a:t>
-            </a:r>
-            <a:endParaRPr lang="en-US" dirty="0">
+              <a:t>)</a:t>
+            </a:r>
+            <a:endParaRPr lang="en-US" sz="3600" dirty="0" smtClean="0">
               <a:solidFill>
                 <a:schemeClr val="bg1"/>
               </a:solidFill>
@@ -8459,6 +8945,13 @@
   <p:clrMapOvr>
     <a:masterClrMapping/>
   </p:clrMapOvr>
+  <p:timing>
+    <p:tnLst>
+      <p:par>
+        <p:cTn id="1" dur="indefinite" restart="never" nodeType="tmRoot"/>
+      </p:par>
+    </p:tnLst>
+  </p:timing>
 </p:sld>
 </file>
 
@@ -8553,6 +9046,11 @@
               </a:rPr>
               <a:t>Define new settings without affecting others</a:t>
             </a:r>
+            <a:endParaRPr lang="en-US" dirty="0" smtClean="0">
+              <a:solidFill>
+                <a:schemeClr val="bg1"/>
+              </a:solidFill>
+            </a:endParaRPr>
           </a:p>
           <a:p>
             <a:r>
@@ -8561,7 +9059,15 @@
                   <a:schemeClr val="bg1"/>
                 </a:solidFill>
               </a:rPr>
-              <a:t>Option to protect your settings using a password (e.g. production settings)</a:t>
+              <a:t>Protect </a:t>
+            </a:r>
+            <a:r>
+              <a:rPr lang="en-US" dirty="0" smtClean="0">
+                <a:solidFill>
+                  <a:schemeClr val="bg1"/>
+                </a:solidFill>
+              </a:rPr>
+              <a:t>your settings using a password (e.g. production settings)</a:t>
             </a:r>
           </a:p>
           <a:p>
@@ -8586,6 +9092,13 @@
   <p:clrMapOvr>
     <a:masterClrMapping/>
   </p:clrMapOvr>
+  <p:timing>
+    <p:tnLst>
+      <p:par>
+        <p:cTn id="1" dur="indefinite" restart="never" nodeType="tmRoot"/>
+      </p:par>
+    </p:tnLst>
+  </p:timing>
 </p:sld>
 </file>
 
@@ -8662,6 +9175,13 @@
   <p:clrMapOvr>
     <a:masterClrMapping/>
   </p:clrMapOvr>
+  <p:timing>
+    <p:tnLst>
+      <p:par>
+        <p:cTn id="1" dur="indefinite" restart="never" nodeType="tmRoot"/>
+      </p:par>
+    </p:tnLst>
+  </p:timing>
 </p:sld>
 </file>
 
@@ -8726,12 +9246,12 @@
         <p:spPr/>
         <p:txBody>
           <a:bodyPr>
-            <a:normAutofit/>
+            <a:noAutofit/>
           </a:bodyPr>
           <a:lstStyle/>
           <a:p>
             <a:r>
-              <a:rPr lang="en-US" dirty="0" smtClean="0">
+              <a:rPr lang="en-US" sz="3400" dirty="0" smtClean="0">
                 <a:solidFill>
                   <a:schemeClr val="bg1"/>
                 </a:solidFill>
@@ -8741,7 +9261,7 @@
           </a:p>
           <a:p>
             <a:r>
-              <a:rPr lang="en-US" dirty="0" smtClean="0">
+              <a:rPr lang="en-US" sz="3400" dirty="0" smtClean="0">
                 <a:solidFill>
                   <a:schemeClr val="bg1"/>
                 </a:solidFill>
@@ -8751,7 +9271,7 @@
           </a:p>
           <a:p>
             <a:r>
-              <a:rPr lang="en-US" dirty="0" smtClean="0">
+              <a:rPr lang="en-US" sz="3400" dirty="0" smtClean="0">
                 <a:solidFill>
                   <a:schemeClr val="bg1"/>
                 </a:solidFill>
@@ -8761,7 +9281,7 @@
           </a:p>
           <a:p>
             <a:r>
-              <a:rPr lang="en-US" dirty="0" smtClean="0">
+              <a:rPr lang="en-US" sz="3400" dirty="0" smtClean="0">
                 <a:solidFill>
                   <a:schemeClr val="bg1"/>
                 </a:solidFill>
@@ -8771,13 +9291,34 @@
           </a:p>
           <a:p>
             <a:r>
-              <a:rPr lang="en-US" dirty="0" smtClean="0">
+              <a:rPr lang="en-US" sz="3400" dirty="0" smtClean="0">
                 <a:solidFill>
                   <a:schemeClr val="bg1"/>
                 </a:solidFill>
               </a:rPr>
-              <a:t>Create &amp; test unlimited number of profile for your application and test all possible deployment circumstances </a:t>
-            </a:r>
+              <a:t>Create &amp; test</a:t>
+            </a:r>
+            <a:r>
+              <a:rPr lang="en-US" sz="3400" dirty="0" smtClean="0">
+                <a:solidFill>
+                  <a:schemeClr val="bg1"/>
+                </a:solidFill>
+              </a:rPr>
+              <a:t> all deployment </a:t>
+            </a:r>
+            <a:r>
+              <a:rPr lang="en-US" sz="3400" dirty="0" smtClean="0">
+                <a:solidFill>
+                  <a:schemeClr val="bg1"/>
+                </a:solidFill>
+              </a:rPr>
+              <a:t>circumstances</a:t>
+            </a:r>
+            <a:endParaRPr lang="en-US" sz="3400" dirty="0" smtClean="0">
+              <a:solidFill>
+                <a:schemeClr val="bg1"/>
+              </a:solidFill>
+            </a:endParaRPr>
           </a:p>
         </p:txBody>
       </p:sp>
@@ -8786,6 +9327,13 @@
   <p:clrMapOvr>
     <a:masterClrMapping/>
   </p:clrMapOvr>
+  <p:timing>
+    <p:tnLst>
+      <p:par>
+        <p:cTn id="1" dur="indefinite" restart="never" nodeType="tmRoot"/>
+      </p:par>
+    </p:tnLst>
+  </p:timing>
 </p:sld>
 </file>
 
